--- a/PLUG-GPG.Talk-20170808.pptx
+++ b/PLUG-GPG.Talk-20170808.pptx
@@ -51,7 +51,7 @@
       </p:grpSpPr>
       <p:sp>
         <p:nvSpPr>
-          <p:cNvPr id="111" name="PlaceHolder 1"/>
+          <p:cNvPr id="102" name="PlaceHolder 1"/>
           <p:cNvSpPr>
             <a:spLocks noGrp="1"/>
           </p:cNvSpPr>
@@ -69,12 +69,10 @@
           </a:prstGeom>
         </p:spPr>
         <p:txBody>
-          <a:bodyPr lIns="0" rIns="0" tIns="0" bIns="0"/>
-          <a:p>
-            <a:r>
-              <a:rPr lang="en-AU" sz="2000">
-                <a:latin typeface="Arial"/>
-              </a:rPr>
+          <a:bodyPr bIns="0" lIns="0" rIns="0" tIns="0" wrap="none"/>
+          <a:p>
+            <a:r>
+              <a:rPr lang="en-AU"/>
               <a:t>Click to edit the notes format</a:t>
             </a:r>
             <a:endParaRPr/>
@@ -83,7 +81,7 @@
       </p:sp>
       <p:sp>
         <p:nvSpPr>
-          <p:cNvPr id="112" name="PlaceHolder 2"/>
+          <p:cNvPr id="103" name="PlaceHolder 2"/>
           <p:cNvSpPr>
             <a:spLocks noGrp="1"/>
           </p:cNvSpPr>
@@ -94,19 +92,17 @@
         <p:spPr>
           <a:xfrm>
             <a:off x="0" y="0"/>
-            <a:ext cx="3280680" cy="534240"/>
-          </a:xfrm>
-          <a:prstGeom prst="rect">
-            <a:avLst/>
-          </a:prstGeom>
-        </p:spPr>
-        <p:txBody>
-          <a:bodyPr lIns="0" rIns="0" tIns="0" bIns="0"/>
-          <a:p>
-            <a:r>
-              <a:rPr lang="en-AU" sz="1400">
-                <a:latin typeface="Times New Roman"/>
-              </a:rPr>
+            <a:ext cx="3280320" cy="534240"/>
+          </a:xfrm>
+          <a:prstGeom prst="rect">
+            <a:avLst/>
+          </a:prstGeom>
+        </p:spPr>
+        <p:txBody>
+          <a:bodyPr bIns="0" lIns="0" rIns="0" tIns="0" wrap="none"/>
+          <a:p>
+            <a:r>
+              <a:rPr lang="en-AU"/>
               <a:t>&lt;header&gt;</a:t>
             </a:r>
             <a:endParaRPr/>
@@ -115,7 +111,7 @@
       </p:sp>
       <p:sp>
         <p:nvSpPr>
-          <p:cNvPr id="113" name="PlaceHolder 3"/>
+          <p:cNvPr id="104" name="PlaceHolder 3"/>
           <p:cNvSpPr>
             <a:spLocks noGrp="1"/>
           </p:cNvSpPr>
@@ -125,21 +121,19 @@
         </p:nvSpPr>
         <p:spPr>
           <a:xfrm>
-            <a:off x="4278960" y="0"/>
-            <a:ext cx="3280680" cy="534240"/>
-          </a:xfrm>
-          <a:prstGeom prst="rect">
-            <a:avLst/>
-          </a:prstGeom>
-        </p:spPr>
-        <p:txBody>
-          <a:bodyPr lIns="0" rIns="0" tIns="0" bIns="0"/>
+            <a:off x="4279320" y="0"/>
+            <a:ext cx="3280320" cy="534240"/>
+          </a:xfrm>
+          <a:prstGeom prst="rect">
+            <a:avLst/>
+          </a:prstGeom>
+        </p:spPr>
+        <p:txBody>
+          <a:bodyPr bIns="0" lIns="0" rIns="0" tIns="0" wrap="none"/>
           <a:p>
             <a:pPr algn="r"/>
             <a:r>
-              <a:rPr lang="en-AU" sz="1400">
-                <a:latin typeface="Times New Roman"/>
-              </a:rPr>
+              <a:rPr lang="en-AU"/>
               <a:t>&lt;date/time&gt;</a:t>
             </a:r>
             <a:endParaRPr/>
@@ -148,7 +142,7 @@
       </p:sp>
       <p:sp>
         <p:nvSpPr>
-          <p:cNvPr id="114" name="PlaceHolder 4"/>
+          <p:cNvPr id="105" name="PlaceHolder 4"/>
           <p:cNvSpPr>
             <a:spLocks noGrp="1"/>
           </p:cNvSpPr>
@@ -159,19 +153,17 @@
         <p:spPr>
           <a:xfrm>
             <a:off x="0" y="10157400"/>
-            <a:ext cx="3280680" cy="534240"/>
-          </a:xfrm>
-          <a:prstGeom prst="rect">
-            <a:avLst/>
-          </a:prstGeom>
-        </p:spPr>
-        <p:txBody>
-          <a:bodyPr lIns="0" rIns="0" tIns="0" bIns="0" anchor="b"/>
-          <a:p>
-            <a:r>
-              <a:rPr lang="en-AU" sz="1400">
-                <a:latin typeface="Times New Roman"/>
-              </a:rPr>
+            <a:ext cx="3280320" cy="534240"/>
+          </a:xfrm>
+          <a:prstGeom prst="rect">
+            <a:avLst/>
+          </a:prstGeom>
+        </p:spPr>
+        <p:txBody>
+          <a:bodyPr anchor="b" bIns="0" lIns="0" rIns="0" tIns="0" wrap="none"/>
+          <a:p>
+            <a:r>
+              <a:rPr lang="en-AU"/>
               <a:t>&lt;footer&gt;</a:t>
             </a:r>
             <a:endParaRPr/>
@@ -180,7 +172,7 @@
       </p:sp>
       <p:sp>
         <p:nvSpPr>
-          <p:cNvPr id="115" name="PlaceHolder 5"/>
+          <p:cNvPr id="106" name="PlaceHolder 5"/>
           <p:cNvSpPr>
             <a:spLocks noGrp="1"/>
           </p:cNvSpPr>
@@ -190,21 +182,19 @@
         </p:nvSpPr>
         <p:spPr>
           <a:xfrm>
-            <a:off x="4278960" y="10157400"/>
-            <a:ext cx="3280680" cy="534240"/>
-          </a:xfrm>
-          <a:prstGeom prst="rect">
-            <a:avLst/>
-          </a:prstGeom>
-        </p:spPr>
-        <p:txBody>
-          <a:bodyPr lIns="0" rIns="0" tIns="0" bIns="0" anchor="b"/>
+            <a:off x="4279320" y="10157400"/>
+            <a:ext cx="3280320" cy="534240"/>
+          </a:xfrm>
+          <a:prstGeom prst="rect">
+            <a:avLst/>
+          </a:prstGeom>
+        </p:spPr>
+        <p:txBody>
+          <a:bodyPr anchor="b" bIns="0" lIns="0" rIns="0" tIns="0" wrap="none"/>
           <a:p>
             <a:pPr algn="r"/>
-            <a:fld id="{86829B82-8954-401E-BEA9-C7CB252BCCD6}" type="slidenum">
-              <a:rPr lang="en-AU" sz="1400">
-                <a:latin typeface="Times New Roman"/>
-              </a:rPr>
+            <a:fld id="{81B1B1B1-2151-4111-81D1-A1F1A1613101}" type="slidenum">
+              <a:rPr lang="en-AU"/>
               <a:t>&lt;number&gt;</a:t>
             </a:fld>
             <a:endParaRPr/>
@@ -213,7 +203,7 @@
       </p:sp>
     </p:spTree>
   </p:cSld>
-  <p:clrMap bg1="lt1" bg2="lt2" tx1="dk1" tx2="dk2" accent1="accent1" accent2="accent2" accent3="accent3" accent4="accent4" accent5="accent5" accent6="accent6" hlink="hlink" folHlink="folHlink"/>
+  <p:clrMap accent1="accent1" accent2="accent2" accent3="accent3" accent4="accent4" accent5="accent5" accent6="accent6" bg1="lt1" bg2="lt2" folHlink="folHlink" hlink="hlink" tx1="dk1" tx2="dk2"/>
 </p:notesMaster>
 </file>
 
@@ -236,7 +226,7 @@
       </p:grpSpPr>
       <p:sp>
         <p:nvSpPr>
-          <p:cNvPr id="161" name="PlaceHolder 1"/>
+          <p:cNvPr id="152" name="PlaceHolder 1"/>
           <p:cNvSpPr>
             <a:spLocks noGrp="1"/>
           </p:cNvSpPr>
@@ -247,25 +237,25 @@
         <p:spPr>
           <a:xfrm>
             <a:off x="756000" y="5078520"/>
-            <a:ext cx="6046920" cy="4810320"/>
-          </a:xfrm>
-          <a:prstGeom prst="rect">
-            <a:avLst/>
-          </a:prstGeom>
-        </p:spPr>
-        <p:txBody>
-          <a:bodyPr lIns="0" rIns="0" tIns="0" bIns="0"/>
-          <a:p>
-            <a:pPr>
-              <a:lnSpc>
-                <a:spcPct val="100000"/>
-              </a:lnSpc>
-              <a:buSzPct val="45000"/>
-              <a:buFont typeface="StarSymbol"/>
-              <a:buChar char="l"/>
-            </a:pPr>
-            <a:r>
-              <a:rPr lang="en-AU" sz="2000" strike="noStrike">
+            <a:ext cx="6046560" cy="4809960"/>
+          </a:xfrm>
+          <a:prstGeom prst="rect">
+            <a:avLst/>
+          </a:prstGeom>
+        </p:spPr>
+        <p:txBody>
+          <a:bodyPr bIns="0" lIns="0" rIns="0" tIns="0"/>
+          <a:p>
+            <a:pPr>
+              <a:lnSpc>
+                <a:spcPct val="100000"/>
+              </a:lnSpc>
+              <a:buSzPct val="45000"/>
+              <a:buFont typeface="StarSymbol"/>
+              <a:buChar char="l"/>
+            </a:pPr>
+            <a:r>
+              <a:rPr lang="en-AU" sz="2000">
                 <a:latin typeface="Arial"/>
               </a:rPr>
               <a:t>Just a quick look at using GPG</a:t>
@@ -282,7 +272,7 @@
               <a:buChar char="l"/>
             </a:pPr>
             <a:r>
-              <a:rPr lang="en-AU" sz="2000" strike="noStrike">
+              <a:rPr lang="en-AU" sz="2000">
                 <a:latin typeface="Arial"/>
               </a:rPr>
               <a:t>Mostly my experiences, a potpourri</a:t>
@@ -299,7 +289,7 @@
               <a:buChar char="l"/>
             </a:pPr>
             <a:r>
-              <a:rPr lang="en-AU" sz="2000" strike="noStrike">
+              <a:rPr lang="en-AU" sz="2000">
                 <a:latin typeface="Arial"/>
               </a:rPr>
               <a:t>My learned colleagues may have corrections</a:t>
@@ -316,7 +306,7 @@
               <a:buChar char="l"/>
             </a:pPr>
             <a:r>
-              <a:rPr lang="en-AU" sz="2000" strike="noStrike">
+              <a:rPr lang="en-AU" sz="2000">
                 <a:latin typeface="Arial"/>
               </a:rPr>
               <a:t>Images ripped shamelessly from  web searches</a:t>
@@ -349,7 +339,7 @@
       </p:grpSpPr>
       <p:sp>
         <p:nvSpPr>
-          <p:cNvPr id="169" name="PlaceHolder 1"/>
+          <p:cNvPr id="160" name="PlaceHolder 1"/>
           <p:cNvSpPr>
             <a:spLocks noGrp="1"/>
           </p:cNvSpPr>
@@ -360,19 +350,22 @@
         <p:spPr>
           <a:xfrm>
             <a:off x="755640" y="5078520"/>
-            <a:ext cx="6047280" cy="4810680"/>
-          </a:xfrm>
-          <a:prstGeom prst="rect">
-            <a:avLst/>
-          </a:prstGeom>
-        </p:spPr>
-        <p:txBody>
-          <a:bodyPr lIns="0" rIns="0" tIns="0" bIns="0"/>
-          <a:p>
-            <a:pPr>
-              <a:buSzPct val="45000"/>
-              <a:buFont typeface="StarSymbol"/>
-              <a:buChar char=""/>
+            <a:ext cx="6046920" cy="4810320"/>
+          </a:xfrm>
+          <a:prstGeom prst="rect">
+            <a:avLst/>
+          </a:prstGeom>
+        </p:spPr>
+        <p:txBody>
+          <a:bodyPr bIns="0" lIns="0" rIns="0" tIns="0"/>
+          <a:p>
+            <a:pPr>
+              <a:lnSpc>
+                <a:spcPct val="100000"/>
+              </a:lnSpc>
+              <a:buSzPct val="45000"/>
+              <a:buFont typeface="StarSymbol"/>
+              <a:buChar char="l"/>
             </a:pPr>
             <a:r>
               <a:rPr lang="en-AU" sz="2000">
@@ -384,9 +377,12 @@
           </a:p>
           <a:p>
             <a:pPr>
-              <a:buSzPct val="45000"/>
-              <a:buFont typeface="StarSymbol"/>
-              <a:buChar char=""/>
+              <a:lnSpc>
+                <a:spcPct val="100000"/>
+              </a:lnSpc>
+              <a:buSzPct val="45000"/>
+              <a:buFont typeface="StarSymbol"/>
+              <a:buChar char="l"/>
             </a:pPr>
             <a:r>
               <a:rPr lang="en-AU" sz="2000">
@@ -398,9 +394,12 @@
           </a:p>
           <a:p>
             <a:pPr>
-              <a:buSzPct val="45000"/>
-              <a:buFont typeface="StarSymbol"/>
-              <a:buChar char=""/>
+              <a:lnSpc>
+                <a:spcPct val="100000"/>
+              </a:lnSpc>
+              <a:buSzPct val="45000"/>
+              <a:buFont typeface="StarSymbol"/>
+              <a:buChar char="l"/>
             </a:pPr>
             <a:r>
               <a:rPr lang="en-AU" sz="2000">
@@ -408,40 +407,47 @@
               </a:rPr>
               <a:t>If you encrypt with your secret key</a:t>
             </a:r>
+            <a:endParaRPr/>
+          </a:p>
+          <a:p>
+            <a:pPr>
+              <a:lnSpc>
+                <a:spcPct val="100000"/>
+              </a:lnSpc>
+              <a:buSzPct val="45000"/>
+              <a:buFont typeface="StarSymbol"/>
+              <a:buChar char="l"/>
+            </a:pPr>
             <a:r>
               <a:rPr lang="en-AU" sz="2000">
                 <a:latin typeface="Arial"/>
               </a:rPr>
-              <a:t>
-</a:t>
-            </a:r>
+              <a:t>only your public key can decrypt it</a:t>
+            </a:r>
+            <a:endParaRPr/>
+          </a:p>
+          <a:p>
+            <a:pPr>
+              <a:lnSpc>
+                <a:spcPct val="100000"/>
+              </a:lnSpc>
+              <a:buSzPct val="45000"/>
+              <a:buFont typeface="StarSymbol"/>
+              <a:buChar char="l"/>
+            </a:pPr>
             <a:r>
               <a:rPr lang="en-AU" sz="2000">
                 <a:latin typeface="Arial"/>
               </a:rPr>
-              <a:t>only your public key can decrypt it</a:t>
-            </a:r>
-            <a:endParaRPr/>
-          </a:p>
-          <a:p>
-            <a:pPr>
-              <a:buSzPct val="45000"/>
-              <a:buFont typeface="StarSymbol"/>
-              <a:buChar char=""/>
-            </a:pPr>
-            <a:r>
-              <a:rPr lang="en-AU" sz="2000">
-                <a:latin typeface="Arial"/>
-              </a:rPr>
               <a:t>So only you could have done the encryption</a:t>
             </a:r>
             <a:endParaRPr/>
           </a:p>
           <a:p>
             <a:pPr>
-              <a:buSzPct val="45000"/>
-              <a:buFont typeface="StarSymbol"/>
-              <a:buChar char=""/>
+              <a:lnSpc>
+                <a:spcPct val="100000"/>
+              </a:lnSpc>
             </a:pPr>
             <a:endParaRPr/>
           </a:p>
@@ -471,7 +477,7 @@
       </p:grpSpPr>
       <p:sp>
         <p:nvSpPr>
-          <p:cNvPr id="170" name="PlaceHolder 1"/>
+          <p:cNvPr id="161" name="PlaceHolder 1"/>
           <p:cNvSpPr>
             <a:spLocks noGrp="1"/>
           </p:cNvSpPr>
@@ -482,17 +488,17 @@
         <p:spPr>
           <a:xfrm>
             <a:off x="756000" y="5078520"/>
-            <a:ext cx="6046920" cy="4810320"/>
-          </a:xfrm>
-          <a:prstGeom prst="rect">
-            <a:avLst/>
-          </a:prstGeom>
-        </p:spPr>
-        <p:txBody>
-          <a:bodyPr lIns="0" rIns="0" tIns="0" bIns="0"/>
-          <a:p>
-            <a:r>
-              <a:rPr lang="en-AU" sz="2000" strike="noStrike">
+            <a:ext cx="6046560" cy="4809960"/>
+          </a:xfrm>
+          <a:prstGeom prst="rect">
+            <a:avLst/>
+          </a:prstGeom>
+        </p:spPr>
+        <p:txBody>
+          <a:bodyPr bIns="0" lIns="0" rIns="0" tIns="0"/>
+          <a:p>
+            <a:r>
+              <a:rPr lang="en-AU" sz="2000">
                 <a:latin typeface="Arial"/>
               </a:rPr>
               <a:t>Demo</a:t>
@@ -509,7 +515,7 @@
               <a:buChar char="l"/>
             </a:pPr>
             <a:r>
-              <a:rPr lang="en-AU" sz="2000" strike="noStrike">
+              <a:rPr lang="en-AU" sz="2000">
                 <a:latin typeface="Arial"/>
               </a:rPr>
               <a:t>gpg --list-keys --keyid-format long</a:t>
@@ -542,7 +548,7 @@
       </p:grpSpPr>
       <p:sp>
         <p:nvSpPr>
-          <p:cNvPr id="171" name="PlaceHolder 1"/>
+          <p:cNvPr id="162" name="PlaceHolder 1"/>
           <p:cNvSpPr>
             <a:spLocks noGrp="1"/>
           </p:cNvSpPr>
@@ -553,17 +559,17 @@
         <p:spPr>
           <a:xfrm>
             <a:off x="756000" y="5078520"/>
-            <a:ext cx="6046920" cy="4810320"/>
-          </a:xfrm>
-          <a:prstGeom prst="rect">
-            <a:avLst/>
-          </a:prstGeom>
-        </p:spPr>
-        <p:txBody>
-          <a:bodyPr lIns="0" rIns="0" tIns="0" bIns="0"/>
-          <a:p>
-            <a:r>
-              <a:rPr lang="en-AU" sz="2000" strike="noStrike">
+            <a:ext cx="6046560" cy="4809960"/>
+          </a:xfrm>
+          <a:prstGeom prst="rect">
+            <a:avLst/>
+          </a:prstGeom>
+        </p:spPr>
+        <p:txBody>
+          <a:bodyPr bIns="0" lIns="0" rIns="0" tIns="0"/>
+          <a:p>
+            <a:r>
+              <a:rPr lang="en-AU" sz="2000">
                 <a:latin typeface="Arial"/>
               </a:rPr>
               <a:t>Demo</a:t>
@@ -580,7 +586,7 @@
               <a:buChar char="l"/>
             </a:pPr>
             <a:r>
-              <a:rPr lang="en-AU" sz="2000" strike="noStrike">
+              <a:rPr lang="en-AU" sz="2000">
                 <a:latin typeface="Arial"/>
               </a:rPr>
               <a:t>ls -l *MD5*</a:t>
@@ -605,7 +611,7 @@
               <a:buChar char="l"/>
             </a:pPr>
             <a:r>
-              <a:rPr lang="en-AU" sz="2000" strike="noStrike">
+              <a:rPr lang="en-AU" sz="2000">
                 <a:latin typeface="Arial"/>
               </a:rPr>
               <a:t>cat debian.txt</a:t>
@@ -622,7 +628,7 @@
               <a:buChar char="l"/>
             </a:pPr>
             <a:r>
-              <a:rPr lang="en-AU" sz="2000" strike="noStrike">
+              <a:rPr lang="en-AU" sz="2000">
                 <a:latin typeface="Arial"/>
               </a:rPr>
               <a:t>gpg --recv-keys --keyserver keyserver.debian.org 6294BE9B</a:t>
@@ -639,7 +645,7 @@
               <a:buChar char="l"/>
             </a:pPr>
             <a:r>
-              <a:rPr lang="en-AU" sz="2000" strike="noStrike">
+              <a:rPr lang="en-AU" sz="2000">
                 <a:latin typeface="Arial"/>
               </a:rPr>
               <a:t>gpg --fingerprint 6294BE9B</a:t>
@@ -664,7 +670,7 @@
               <a:buChar char="l"/>
             </a:pPr>
             <a:r>
-              <a:rPr lang="en-AU" sz="2000" strike="noStrike">
+              <a:rPr lang="en-AU" sz="2000">
                 <a:latin typeface="Arial"/>
               </a:rPr>
               <a:t>gpg --verify debian-6.0.2.1-i386-CD-MD5SUMS.sign</a:t>
@@ -705,7 +711,7 @@
       </p:grpSpPr>
       <p:sp>
         <p:nvSpPr>
-          <p:cNvPr id="162" name="PlaceHolder 1"/>
+          <p:cNvPr id="153" name="PlaceHolder 1"/>
           <p:cNvSpPr>
             <a:spLocks noGrp="1"/>
           </p:cNvSpPr>
@@ -716,25 +722,25 @@
         <p:spPr>
           <a:xfrm>
             <a:off x="756000" y="5078520"/>
-            <a:ext cx="6046920" cy="4810320"/>
-          </a:xfrm>
-          <a:prstGeom prst="rect">
-            <a:avLst/>
-          </a:prstGeom>
-        </p:spPr>
-        <p:txBody>
-          <a:bodyPr lIns="0" rIns="0" tIns="0" bIns="0"/>
-          <a:p>
-            <a:pPr>
-              <a:lnSpc>
-                <a:spcPct val="100000"/>
-              </a:lnSpc>
-              <a:buSzPct val="45000"/>
-              <a:buFont typeface="StarSymbol"/>
-              <a:buChar char="l"/>
-            </a:pPr>
-            <a:r>
-              <a:rPr lang="en-AU" sz="2000" strike="noStrike">
+            <a:ext cx="6046560" cy="4809960"/>
+          </a:xfrm>
+          <a:prstGeom prst="rect">
+            <a:avLst/>
+          </a:prstGeom>
+        </p:spPr>
+        <p:txBody>
+          <a:bodyPr bIns="0" lIns="0" rIns="0" tIns="0"/>
+          <a:p>
+            <a:pPr>
+              <a:lnSpc>
+                <a:spcPct val="100000"/>
+              </a:lnSpc>
+              <a:buSzPct val="45000"/>
+              <a:buFont typeface="StarSymbol"/>
+              <a:buChar char="l"/>
+            </a:pPr>
+            <a:r>
+              <a:rPr lang="en-AU" sz="2000">
                 <a:latin typeface="Arial"/>
               </a:rPr>
               <a:t>One of the simplest encryption systems</a:t>
@@ -751,7 +757,7 @@
               <a:buChar char="l"/>
             </a:pPr>
             <a:r>
-              <a:rPr lang="en-AU" sz="2000" strike="noStrike">
+              <a:rPr lang="en-AU" sz="2000">
                 <a:latin typeface="Arial"/>
               </a:rPr>
               <a:t>Known since ancient times (“Caesar cipher”)</a:t>
@@ -768,7 +774,7 @@
               <a:buChar char="l"/>
             </a:pPr>
             <a:r>
-              <a:rPr lang="en-AU" sz="2000" strike="noStrike">
+              <a:rPr lang="en-AU" sz="2000">
                 <a:latin typeface="Arial"/>
               </a:rPr>
               <a:t>Easy to use and implement</a:t>
@@ -785,7 +791,7 @@
               <a:buChar char="l"/>
             </a:pPr>
             <a:r>
-              <a:rPr lang="en-AU" sz="2000" strike="noStrike">
+              <a:rPr lang="en-AU" sz="2000">
                 <a:latin typeface="Arial"/>
               </a:rPr>
               <a:t>Major problem: keeping the key safe</a:t>
@@ -818,7 +824,7 @@
       </p:grpSpPr>
       <p:sp>
         <p:nvSpPr>
-          <p:cNvPr id="163" name="PlaceHolder 1"/>
+          <p:cNvPr id="154" name="PlaceHolder 1"/>
           <p:cNvSpPr>
             <a:spLocks noGrp="1"/>
           </p:cNvSpPr>
@@ -829,25 +835,25 @@
         <p:spPr>
           <a:xfrm>
             <a:off x="756000" y="5078520"/>
-            <a:ext cx="6046920" cy="4810320"/>
-          </a:xfrm>
-          <a:prstGeom prst="rect">
-            <a:avLst/>
-          </a:prstGeom>
-        </p:spPr>
-        <p:txBody>
-          <a:bodyPr lIns="0" rIns="0" tIns="0" bIns="0"/>
-          <a:p>
-            <a:pPr>
-              <a:lnSpc>
-                <a:spcPct val="100000"/>
-              </a:lnSpc>
-              <a:buSzPct val="45000"/>
-              <a:buFont typeface="StarSymbol"/>
-              <a:buChar char="l"/>
-            </a:pPr>
-            <a:r>
-              <a:rPr lang="en-AU" sz="2000" strike="noStrike">
+            <a:ext cx="6046560" cy="4809960"/>
+          </a:xfrm>
+          <a:prstGeom prst="rect">
+            <a:avLst/>
+          </a:prstGeom>
+        </p:spPr>
+        <p:txBody>
+          <a:bodyPr bIns="0" lIns="0" rIns="0" tIns="0"/>
+          <a:p>
+            <a:pPr>
+              <a:lnSpc>
+                <a:spcPct val="100000"/>
+              </a:lnSpc>
+              <a:buSzPct val="45000"/>
+              <a:buFont typeface="StarSymbol"/>
+              <a:buChar char="l"/>
+            </a:pPr>
+            <a:r>
+              <a:rPr lang="en-AU" sz="2000">
                 <a:latin typeface="Arial"/>
               </a:rPr>
               <a:t>The solution to the key interception problem</a:t>
@@ -864,7 +870,7 @@
               <a:buChar char="l"/>
             </a:pPr>
             <a:r>
-              <a:rPr lang="en-AU" sz="2000" strike="noStrike">
+              <a:rPr lang="en-AU" sz="2000">
                 <a:latin typeface="Arial"/>
               </a:rPr>
               <a:t>Use two different keys</a:t>
@@ -881,7 +887,7 @@
               <a:buChar char="l"/>
             </a:pPr>
             <a:r>
-              <a:rPr lang="en-AU" sz="2000" strike="noStrike">
+              <a:rPr lang="en-AU" sz="2000">
                 <a:latin typeface="Arial"/>
               </a:rPr>
               <a:t>One you make public, the other you keep secret</a:t>
@@ -898,7 +904,7 @@
               <a:buChar char="l"/>
             </a:pPr>
             <a:r>
-              <a:rPr lang="en-AU" sz="2000" strike="noStrike">
+              <a:rPr lang="en-AU" sz="2000">
                 <a:latin typeface="Arial"/>
               </a:rPr>
               <a:t>Relies on clever mathematical stuff</a:t>
@@ -915,7 +921,7 @@
               <a:buChar char="l"/>
             </a:pPr>
             <a:r>
-              <a:rPr lang="en-AU" sz="2000" strike="noStrike">
+              <a:rPr lang="en-AU" sz="2000">
                 <a:latin typeface="Arial"/>
               </a:rPr>
               <a:t>Public Key Cryptography is simple in concept</a:t>
@@ -932,7 +938,7 @@
               <a:buChar char="l"/>
             </a:pPr>
             <a:r>
-              <a:rPr lang="en-AU" sz="2000" strike="noStrike">
+              <a:rPr lang="en-AU" sz="2000">
                 <a:latin typeface="Arial"/>
               </a:rPr>
               <a:t>Lots of fiddly stuff to manage though</a:t>
@@ -949,7 +955,7 @@
               <a:buChar char="l"/>
             </a:pPr>
             <a:r>
-              <a:rPr lang="en-AU" sz="2000" strike="noStrike">
+              <a:rPr lang="en-AU" sz="2000">
                 <a:latin typeface="Arial"/>
               </a:rPr>
               <a:t>The solution to the solution?</a:t>
@@ -982,7 +988,7 @@
       </p:grpSpPr>
       <p:sp>
         <p:nvSpPr>
-          <p:cNvPr id="164" name="PlaceHolder 1"/>
+          <p:cNvPr id="155" name="PlaceHolder 1"/>
           <p:cNvSpPr>
             <a:spLocks noGrp="1"/>
           </p:cNvSpPr>
@@ -993,25 +999,25 @@
         <p:spPr>
           <a:xfrm>
             <a:off x="756000" y="5078520"/>
-            <a:ext cx="6046920" cy="4810320"/>
-          </a:xfrm>
-          <a:prstGeom prst="rect">
-            <a:avLst/>
-          </a:prstGeom>
-        </p:spPr>
-        <p:txBody>
-          <a:bodyPr lIns="0" rIns="0" tIns="0" bIns="0"/>
-          <a:p>
-            <a:pPr>
-              <a:lnSpc>
-                <a:spcPct val="100000"/>
-              </a:lnSpc>
-              <a:buSzPct val="45000"/>
-              <a:buFont typeface="StarSymbol"/>
-              <a:buChar char="l"/>
-            </a:pPr>
-            <a:r>
-              <a:rPr lang="en-AU" sz="2000" strike="noStrike">
+            <a:ext cx="6046560" cy="4809960"/>
+          </a:xfrm>
+          <a:prstGeom prst="rect">
+            <a:avLst/>
+          </a:prstGeom>
+        </p:spPr>
+        <p:txBody>
+          <a:bodyPr bIns="0" lIns="0" rIns="0" tIns="0"/>
+          <a:p>
+            <a:pPr>
+              <a:lnSpc>
+                <a:spcPct val="100000"/>
+              </a:lnSpc>
+              <a:buSzPct val="45000"/>
+              <a:buFont typeface="StarSymbol"/>
+              <a:buChar char="l"/>
+            </a:pPr>
+            <a:r>
+              <a:rPr lang="en-AU" sz="2000">
                 <a:latin typeface="Arial"/>
               </a:rPr>
               <a:t>Pretty Good Privacy</a:t>
@@ -1028,7 +1034,7 @@
               <a:buChar char="l"/>
             </a:pPr>
             <a:r>
-              <a:rPr lang="en-AU" sz="2000" strike="noStrike">
+              <a:rPr lang="en-AU" sz="2000">
                 <a:latin typeface="Arial"/>
               </a:rPr>
               <a:t>Phil Zimmerman's encryption program</a:t>
@@ -1045,7 +1051,7 @@
               <a:buChar char="l"/>
             </a:pPr>
             <a:r>
-              <a:rPr lang="en-AU" sz="2000" strike="noStrike">
+              <a:rPr lang="en-AU" sz="2000">
                 <a:latin typeface="Arial"/>
               </a:rPr>
               <a:t>Developed in 1991</a:t>
@@ -1062,7 +1068,7 @@
               <a:buChar char="l"/>
             </a:pPr>
             <a:r>
-              <a:rPr lang="en-AU" sz="2000" strike="noStrike">
+              <a:rPr lang="en-AU" sz="2000">
                 <a:latin typeface="Arial"/>
               </a:rPr>
               <a:t>Colourful history</a:t>
@@ -1095,7 +1101,7 @@
       </p:grpSpPr>
       <p:sp>
         <p:nvSpPr>
-          <p:cNvPr id="165" name="PlaceHolder 1"/>
+          <p:cNvPr id="156" name="PlaceHolder 1"/>
           <p:cNvSpPr>
             <a:spLocks noGrp="1"/>
           </p:cNvSpPr>
@@ -1106,25 +1112,25 @@
         <p:spPr>
           <a:xfrm>
             <a:off x="756000" y="5078520"/>
-            <a:ext cx="6046920" cy="4810320"/>
-          </a:xfrm>
-          <a:prstGeom prst="rect">
-            <a:avLst/>
-          </a:prstGeom>
-        </p:spPr>
-        <p:txBody>
-          <a:bodyPr lIns="0" rIns="0" tIns="0" bIns="0"/>
-          <a:p>
-            <a:pPr>
-              <a:lnSpc>
-                <a:spcPct val="100000"/>
-              </a:lnSpc>
-              <a:buSzPct val="45000"/>
-              <a:buFont typeface="StarSymbol"/>
-              <a:buChar char="l"/>
-            </a:pPr>
-            <a:r>
-              <a:rPr lang="en-AU" sz="2000" strike="noStrike">
+            <a:ext cx="6046560" cy="4809960"/>
+          </a:xfrm>
+          <a:prstGeom prst="rect">
+            <a:avLst/>
+          </a:prstGeom>
+        </p:spPr>
+        <p:txBody>
+          <a:bodyPr bIns="0" lIns="0" rIns="0" tIns="0"/>
+          <a:p>
+            <a:pPr>
+              <a:lnSpc>
+                <a:spcPct val="100000"/>
+              </a:lnSpc>
+              <a:buSzPct val="45000"/>
+              <a:buFont typeface="StarSymbol"/>
+              <a:buChar char="l"/>
+            </a:pPr>
+            <a:r>
+              <a:rPr lang="en-AU" sz="2000">
                 <a:latin typeface="Arial"/>
               </a:rPr>
               <a:t>FLOSS version of PGP</a:t>
@@ -1141,7 +1147,7 @@
               <a:buChar char="l"/>
             </a:pPr>
             <a:r>
-              <a:rPr lang="en-AU" sz="2000" strike="noStrike">
+              <a:rPr lang="en-AU" sz="2000">
                 <a:latin typeface="Arial"/>
               </a:rPr>
               <a:t>Implements OpenPGP standard</a:t>
@@ -1158,7 +1164,7 @@
               <a:buChar char="l"/>
             </a:pPr>
             <a:r>
-              <a:rPr lang="en-AU" sz="2000" strike="noStrike">
+              <a:rPr lang="en-AU" sz="2000">
                 <a:latin typeface="Arial"/>
               </a:rPr>
               <a:t>Easy to get going, might already be installed</a:t>
@@ -1191,7 +1197,7 @@
       </p:grpSpPr>
       <p:sp>
         <p:nvSpPr>
-          <p:cNvPr id="166" name="PlaceHolder 1"/>
+          <p:cNvPr id="157" name="PlaceHolder 1"/>
           <p:cNvSpPr>
             <a:spLocks noGrp="1"/>
           </p:cNvSpPr>
@@ -1202,17 +1208,17 @@
         <p:spPr>
           <a:xfrm>
             <a:off x="756000" y="5078520"/>
-            <a:ext cx="6046920" cy="4810320"/>
-          </a:xfrm>
-          <a:prstGeom prst="rect">
-            <a:avLst/>
-          </a:prstGeom>
-        </p:spPr>
-        <p:txBody>
-          <a:bodyPr lIns="0" rIns="0" tIns="0" bIns="0"/>
-          <a:p>
-            <a:r>
-              <a:rPr lang="en-AU" sz="2000" strike="noStrike">
+            <a:ext cx="6046560" cy="4809960"/>
+          </a:xfrm>
+          <a:prstGeom prst="rect">
+            <a:avLst/>
+          </a:prstGeom>
+        </p:spPr>
+        <p:txBody>
+          <a:bodyPr bIns="0" lIns="0" rIns="0" tIns="0"/>
+          <a:p>
+            <a:r>
+              <a:rPr lang="en-AU" sz="2000">
                 <a:latin typeface="Arial"/>
               </a:rPr>
               <a:t>Demo:</a:t>
@@ -1229,7 +1235,7 @@
               <a:buChar char="l"/>
             </a:pPr>
             <a:r>
-              <a:rPr lang="en-AU" sz="2000" strike="noStrike">
+              <a:rPr lang="en-AU" sz="2000">
                 <a:latin typeface="Arial"/>
               </a:rPr>
               <a:t>ls -al .gnupg</a:t>
@@ -1246,7 +1252,7 @@
               <a:buChar char="l"/>
             </a:pPr>
             <a:r>
-              <a:rPr lang="en-AU" sz="2000" strike="noStrike">
+              <a:rPr lang="en-AU" sz="2000">
                 <a:latin typeface="Arial"/>
               </a:rPr>
               <a:t>gpg –gen-key</a:t>
@@ -1263,7 +1269,7 @@
               <a:buChar char="l"/>
             </a:pPr>
             <a:r>
-              <a:rPr lang="en-AU" sz="2000" strike="noStrike">
+              <a:rPr lang="en-AU" sz="2000">
                 <a:latin typeface="Arial"/>
               </a:rPr>
               <a:t>1</a:t>
@@ -1280,7 +1286,7 @@
               <a:buChar char="l"/>
             </a:pPr>
             <a:r>
-              <a:rPr lang="en-AU" sz="2000" strike="noStrike">
+              <a:rPr lang="en-AU" sz="2000">
                 <a:latin typeface="Arial"/>
               </a:rPr>
               <a:t>4096</a:t>
@@ -1297,7 +1303,7 @@
               <a:buChar char="l"/>
             </a:pPr>
             <a:r>
-              <a:rPr lang="en-AU" sz="2000" strike="noStrike">
+              <a:rPr lang="en-AU" sz="2000">
                 <a:latin typeface="Arial"/>
               </a:rPr>
               <a:t>1</a:t>
@@ -1314,7 +1320,7 @@
               <a:buChar char="l"/>
             </a:pPr>
             <a:r>
-              <a:rPr lang="en-AU" sz="2000" strike="noStrike">
+              <a:rPr lang="en-AU" sz="2000">
                 <a:latin typeface="Arial"/>
               </a:rPr>
               <a:t>y</a:t>
@@ -1331,7 +1337,7 @@
               <a:buChar char="l"/>
             </a:pPr>
             <a:r>
-              <a:rPr lang="en-AU" sz="2000" strike="noStrike">
+              <a:rPr lang="en-AU" sz="2000">
                 <a:latin typeface="Arial"/>
               </a:rPr>
               <a:t>Test User</a:t>
@@ -1348,7 +1354,7 @@
               <a:buChar char="l"/>
             </a:pPr>
             <a:r>
-              <a:rPr lang="en-AU" sz="2000" strike="noStrike">
+              <a:rPr lang="en-AU" sz="2000">
                 <a:latin typeface="Arial"/>
               </a:rPr>
               <a:t>test@example.com</a:t>
@@ -1373,7 +1379,7 @@
               <a:buChar char="l"/>
             </a:pPr>
             <a:r>
-              <a:rPr lang="en-AU" sz="2000" strike="noStrike">
+              <a:rPr lang="en-AU" sz="2000">
                 <a:latin typeface="Arial"/>
               </a:rPr>
               <a:t>o</a:t>
@@ -1390,7 +1396,7 @@
               <a:buChar char="l"/>
             </a:pPr>
             <a:r>
-              <a:rPr lang="en-AU" sz="2000" strike="noStrike">
+              <a:rPr lang="en-AU" sz="2000">
                 <a:latin typeface="Arial"/>
               </a:rPr>
               <a:t>ls -al .gnupg</a:t>
@@ -1423,7 +1429,7 @@
       </p:grpSpPr>
       <p:sp>
         <p:nvSpPr>
-          <p:cNvPr id="167" name="PlaceHolder 1"/>
+          <p:cNvPr id="158" name="PlaceHolder 1"/>
           <p:cNvSpPr>
             <a:spLocks noGrp="1"/>
           </p:cNvSpPr>
@@ -1434,17 +1440,17 @@
         <p:spPr>
           <a:xfrm>
             <a:off x="756000" y="5078520"/>
-            <a:ext cx="6046920" cy="4810320"/>
-          </a:xfrm>
-          <a:prstGeom prst="rect">
-            <a:avLst/>
-          </a:prstGeom>
-        </p:spPr>
-        <p:txBody>
-          <a:bodyPr lIns="0" rIns="0" tIns="0" bIns="0"/>
-          <a:p>
-            <a:r>
-              <a:rPr lang="en-AU" sz="2000" strike="noStrike">
+            <a:ext cx="6046560" cy="4809960"/>
+          </a:xfrm>
+          <a:prstGeom prst="rect">
+            <a:avLst/>
+          </a:prstGeom>
+        </p:spPr>
+        <p:txBody>
+          <a:bodyPr bIns="0" lIns="0" rIns="0" tIns="0"/>
+          <a:p>
+            <a:r>
+              <a:rPr lang="en-AU" sz="2000">
                 <a:latin typeface="Arial"/>
               </a:rPr>
               <a:t>Demo</a:t>
@@ -1461,7 +1467,7 @@
               <a:buChar char="l"/>
             </a:pPr>
             <a:r>
-              <a:rPr lang="en-AU" sz="2000" strike="noStrike">
+              <a:rPr lang="en-AU" sz="2000">
                 <a:latin typeface="Arial"/>
               </a:rPr>
               <a:t>cat &gt; caesar</a:t>
@@ -1478,7 +1484,7 @@
               <a:buChar char="l"/>
             </a:pPr>
             <a:r>
-              <a:rPr lang="en-AU" sz="2000" strike="noStrike">
+              <a:rPr lang="en-AU" sz="2000">
                 <a:latin typeface="Arial"/>
               </a:rPr>
               <a:t>Beware the ides of March!</a:t>
@@ -1495,7 +1501,7 @@
               <a:buChar char="l"/>
             </a:pPr>
             <a:r>
-              <a:rPr lang="en-AU" sz="2000" strike="noStrike">
+              <a:rPr lang="en-AU" sz="2000">
                 <a:latin typeface="Arial"/>
               </a:rPr>
               <a:t>^D</a:t>
@@ -1512,7 +1518,7 @@
               <a:buChar char="l"/>
             </a:pPr>
             <a:r>
-              <a:rPr lang="en-AU" sz="2000" strike="noStrike">
+              <a:rPr lang="en-AU" sz="2000">
                 <a:latin typeface="Arial"/>
               </a:rPr>
               <a:t>gpg --encrypt caesar</a:t>
@@ -1529,7 +1535,7 @@
               <a:buChar char="l"/>
             </a:pPr>
             <a:r>
-              <a:rPr lang="en-AU" sz="2000" strike="noStrike">
+              <a:rPr lang="en-AU" sz="2000">
                 <a:latin typeface="Arial"/>
               </a:rPr>
               <a:t>test@example.com</a:t>
@@ -1554,7 +1560,7 @@
               <a:buChar char="l"/>
             </a:pPr>
             <a:r>
-              <a:rPr lang="en-AU" sz="2000" strike="noStrike">
+              <a:rPr lang="en-AU" sz="2000">
                 <a:latin typeface="Arial"/>
               </a:rPr>
               <a:t>clear</a:t>
@@ -1571,7 +1577,7 @@
               <a:buChar char="l"/>
             </a:pPr>
             <a:r>
-              <a:rPr lang="en-AU" sz="2000" strike="noStrike">
+              <a:rPr lang="en-AU" sz="2000">
                 <a:latin typeface="Arial"/>
               </a:rPr>
               <a:t>cat caesar.gpg</a:t>
@@ -1588,7 +1594,7 @@
               <a:buChar char="l"/>
             </a:pPr>
             <a:r>
-              <a:rPr lang="en-AU" sz="2000" strike="noStrike">
+              <a:rPr lang="en-AU" sz="2000">
                 <a:latin typeface="Arial"/>
               </a:rPr>
               <a:t>clear</a:t>
@@ -1605,7 +1611,7 @@
               <a:buChar char="l"/>
             </a:pPr>
             <a:r>
-              <a:rPr lang="en-AU" sz="2000" strike="noStrike">
+              <a:rPr lang="en-AU" sz="2000">
                 <a:latin typeface="Arial"/>
               </a:rPr>
               <a:t>gpg --decrypt caesar.gpg</a:t>
@@ -1622,7 +1628,7 @@
               <a:buChar char="l"/>
             </a:pPr>
             <a:r>
-              <a:rPr lang="en-AU" sz="2000" strike="noStrike">
+              <a:rPr lang="en-AU" sz="2000">
                 <a:latin typeface="Arial"/>
               </a:rPr>
               <a:t>test</a:t>
@@ -1655,7 +1661,7 @@
       </p:grpSpPr>
       <p:sp>
         <p:nvSpPr>
-          <p:cNvPr id="168" name="PlaceHolder 1"/>
+          <p:cNvPr id="159" name="PlaceHolder 1"/>
           <p:cNvSpPr>
             <a:spLocks noGrp="1"/>
           </p:cNvSpPr>
@@ -1666,17 +1672,17 @@
         <p:spPr>
           <a:xfrm>
             <a:off x="756000" y="5078520"/>
-            <a:ext cx="6046920" cy="4810320"/>
-          </a:xfrm>
-          <a:prstGeom prst="rect">
-            <a:avLst/>
-          </a:prstGeom>
-        </p:spPr>
-        <p:txBody>
-          <a:bodyPr lIns="0" rIns="0" tIns="0" bIns="0"/>
-          <a:p>
-            <a:r>
-              <a:rPr lang="en-AU" sz="2000" strike="noStrike">
+            <a:ext cx="6046560" cy="4809960"/>
+          </a:xfrm>
+          <a:prstGeom prst="rect">
+            <a:avLst/>
+          </a:prstGeom>
+        </p:spPr>
+        <p:txBody>
+          <a:bodyPr bIns="0" lIns="0" rIns="0" tIns="0"/>
+          <a:p>
+            <a:r>
+              <a:rPr lang="en-AU" sz="2000">
                 <a:latin typeface="Arial"/>
               </a:rPr>
               <a:t>Demo </a:t>
@@ -1693,7 +1699,7 @@
               <a:buChar char="l"/>
             </a:pPr>
             <a:r>
-              <a:rPr lang="en-AU" sz="2000" strike="noStrike">
+              <a:rPr lang="en-AU" sz="2000">
                 <a:latin typeface="Arial"/>
               </a:rPr>
               <a:t>Switch to peter a/c</a:t>
@@ -1710,7 +1716,7 @@
               <a:buChar char="l"/>
             </a:pPr>
             <a:r>
-              <a:rPr lang="en-AU" sz="2000" strike="noStrike">
+              <a:rPr lang="en-AU" sz="2000">
                 <a:latin typeface="Arial"/>
               </a:rPr>
               <a:t>gpg --list-keys contact@peterlyons.com.au</a:t>
@@ -1727,7 +1733,7 @@
               <a:buChar char="l"/>
             </a:pPr>
             <a:r>
-              <a:rPr lang="en-AU" sz="2000" strike="noStrike">
+              <a:rPr lang="en-AU" sz="2000">
                 <a:latin typeface="Arial"/>
               </a:rPr>
               <a:t>gpg --send-keys B2C4FB78</a:t>
@@ -1744,7 +1750,7 @@
               <a:buChar char="l"/>
             </a:pPr>
             <a:r>
-              <a:rPr lang="en-AU" sz="2000" strike="noStrike">
+              <a:rPr lang="en-AU" sz="2000">
                 <a:latin typeface="Arial"/>
               </a:rPr>
               <a:t>gpg --send-keys --keyserver pgp.mit.edu B2C4FB78</a:t>
@@ -1761,7 +1767,7 @@
               <a:buChar char="l"/>
             </a:pPr>
             <a:r>
-              <a:rPr lang="en-AU" sz="2000" strike="noStrike">
+              <a:rPr lang="en-AU" sz="2000">
                 <a:latin typeface="Arial"/>
               </a:rPr>
               <a:t>Switch to test a/c</a:t>
@@ -1778,7 +1784,7 @@
               <a:buChar char="l"/>
             </a:pPr>
             <a:r>
-              <a:rPr lang="en-AU" sz="2000" strike="noStrike">
+              <a:rPr lang="en-AU" sz="2000">
                 <a:latin typeface="Arial"/>
               </a:rPr>
               <a:t>cat fingerprint.txt</a:t>
@@ -1795,7 +1801,7 @@
               <a:buChar char="l"/>
             </a:pPr>
             <a:r>
-              <a:rPr lang="en-AU" sz="2000" strike="noStrike">
+              <a:rPr lang="en-AU" sz="2000">
                 <a:latin typeface="Arial"/>
               </a:rPr>
               <a:t>gpg --recv-keys B2C4FB78</a:t>
@@ -1812,7 +1818,7 @@
               <a:buChar char="l"/>
             </a:pPr>
             <a:r>
-              <a:rPr lang="en-AU" sz="2000" strike="noStrike">
+              <a:rPr lang="en-AU" sz="2000">
                 <a:latin typeface="Arial"/>
               </a:rPr>
               <a:t>gpg --list-keys --with-fingerprint</a:t>
@@ -1827,7 +1833,7 @@
 </file>
 
 <file path=ppt/slideLayouts/slideLayout1.xml><?xml version="1.0" encoding="utf-8"?>
-<p:sldLayout xmlns:a="http://schemas.openxmlformats.org/drawingml/2006/main" xmlns:p="http://schemas.openxmlformats.org/presentationml/2006/main" xmlns:r="http://schemas.openxmlformats.org/officeDocument/2006/relationships" type="blank" preserve="1">
+<p:sldLayout xmlns:a="http://schemas.openxmlformats.org/drawingml/2006/main" xmlns:p="http://schemas.openxmlformats.org/presentationml/2006/main" xmlns:r="http://schemas.openxmlformats.org/officeDocument/2006/relationships" preserve="1" type="blank">
   <p:cSld name="Blank Slide">
     <p:spTree>
       <p:nvGrpSpPr>
@@ -1849,7 +1855,7 @@
 </file>
 
 <file path=ppt/slideLayouts/slideLayout10.xml><?xml version="1.0" encoding="utf-8"?>
-<p:sldLayout xmlns:a="http://schemas.openxmlformats.org/drawingml/2006/main" xmlns:p="http://schemas.openxmlformats.org/presentationml/2006/main" xmlns:r="http://schemas.openxmlformats.org/officeDocument/2006/relationships" type="objOverTx" preserve="1">
+<p:sldLayout xmlns:a="http://schemas.openxmlformats.org/drawingml/2006/main" xmlns:p="http://schemas.openxmlformats.org/presentationml/2006/main" xmlns:r="http://schemas.openxmlformats.org/officeDocument/2006/relationships" preserve="1" type="objOverTx">
   <p:cSld name="Title, Content over Content">
     <p:spTree>
       <p:nvGrpSpPr>
@@ -1878,14 +1884,14 @@
         <p:spPr>
           <a:xfrm>
             <a:off x="504000" y="301320"/>
-            <a:ext cx="9072000" cy="1261800"/>
-          </a:xfrm>
-          <a:prstGeom prst="rect">
-            <a:avLst/>
-          </a:prstGeom>
-        </p:spPr>
-        <p:txBody>
-          <a:bodyPr lIns="0" rIns="0" tIns="0" bIns="0" anchor="ctr"/>
+            <a:ext cx="9072000" cy="1262160"/>
+          </a:xfrm>
+          <a:prstGeom prst="rect">
+            <a:avLst/>
+          </a:prstGeom>
+        </p:spPr>
+        <p:txBody>
+          <a:bodyPr anchor="ctr" bIns="0" lIns="0" rIns="0" tIns="0" wrap="none"/>
           <a:p>
             <a:pPr algn="ctr"/>
             <a:endParaRPr/>
@@ -1905,14 +1911,14 @@
         <p:spPr>
           <a:xfrm>
             <a:off x="504000" y="1768680"/>
-            <a:ext cx="9072000" cy="2090880"/>
-          </a:xfrm>
-          <a:prstGeom prst="rect">
-            <a:avLst/>
-          </a:prstGeom>
-        </p:spPr>
-        <p:txBody>
-          <a:bodyPr lIns="0" rIns="0" tIns="0" bIns="0"/>
+            <a:ext cx="8870400" cy="2090880"/>
+          </a:xfrm>
+          <a:prstGeom prst="rect">
+            <a:avLst/>
+          </a:prstGeom>
+        </p:spPr>
+        <p:txBody>
+          <a:bodyPr bIns="0" lIns="0" rIns="0" tIns="0" wrap="none"/>
           <a:p>
             <a:endParaRPr/>
           </a:p>
@@ -1930,15 +1936,15 @@
         </p:nvSpPr>
         <p:spPr>
           <a:xfrm>
-            <a:off x="504000" y="4058640"/>
-            <a:ext cx="9072000" cy="2090880"/>
-          </a:xfrm>
-          <a:prstGeom prst="rect">
-            <a:avLst/>
-          </a:prstGeom>
-        </p:spPr>
-        <p:txBody>
-          <a:bodyPr lIns="0" rIns="0" tIns="0" bIns="0"/>
+            <a:off x="504000" y="4058280"/>
+            <a:ext cx="8870400" cy="2090880"/>
+          </a:xfrm>
+          <a:prstGeom prst="rect">
+            <a:avLst/>
+          </a:prstGeom>
+        </p:spPr>
+        <p:txBody>
+          <a:bodyPr bIns="0" lIns="0" rIns="0" tIns="0" wrap="none"/>
           <a:p>
             <a:endParaRPr/>
           </a:p>
@@ -1950,7 +1956,7 @@
 </file>
 
 <file path=ppt/slideLayouts/slideLayout11.xml><?xml version="1.0" encoding="utf-8"?>
-<p:sldLayout xmlns:a="http://schemas.openxmlformats.org/drawingml/2006/main" xmlns:p="http://schemas.openxmlformats.org/presentationml/2006/main" xmlns:r="http://schemas.openxmlformats.org/officeDocument/2006/relationships" type="fourObj" preserve="1">
+<p:sldLayout xmlns:a="http://schemas.openxmlformats.org/drawingml/2006/main" xmlns:p="http://schemas.openxmlformats.org/presentationml/2006/main" xmlns:r="http://schemas.openxmlformats.org/officeDocument/2006/relationships" preserve="1" type="fourObj">
   <p:cSld name="Title, 4 Content">
     <p:spTree>
       <p:nvGrpSpPr>
@@ -1979,14 +1985,14 @@
         <p:spPr>
           <a:xfrm>
             <a:off x="504000" y="301320"/>
-            <a:ext cx="9072000" cy="1261800"/>
-          </a:xfrm>
-          <a:prstGeom prst="rect">
-            <a:avLst/>
-          </a:prstGeom>
-        </p:spPr>
-        <p:txBody>
-          <a:bodyPr lIns="0" rIns="0" tIns="0" bIns="0" anchor="ctr"/>
+            <a:ext cx="9072000" cy="1262160"/>
+          </a:xfrm>
+          <a:prstGeom prst="rect">
+            <a:avLst/>
+          </a:prstGeom>
+        </p:spPr>
+        <p:txBody>
+          <a:bodyPr anchor="ctr" bIns="0" lIns="0" rIns="0" tIns="0" wrap="none"/>
           <a:p>
             <a:pPr algn="ctr"/>
             <a:endParaRPr/>
@@ -2006,14 +2012,14 @@
         <p:spPr>
           <a:xfrm>
             <a:off x="504000" y="1768680"/>
-            <a:ext cx="4426920" cy="2090880"/>
-          </a:xfrm>
-          <a:prstGeom prst="rect">
-            <a:avLst/>
-          </a:prstGeom>
-        </p:spPr>
-        <p:txBody>
-          <a:bodyPr lIns="0" rIns="0" tIns="0" bIns="0"/>
+            <a:ext cx="4328280" cy="2090880"/>
+          </a:xfrm>
+          <a:prstGeom prst="rect">
+            <a:avLst/>
+          </a:prstGeom>
+        </p:spPr>
+        <p:txBody>
+          <a:bodyPr bIns="0" lIns="0" rIns="0" tIns="0" wrap="none"/>
           <a:p>
             <a:endParaRPr/>
           </a:p>
@@ -2031,15 +2037,15 @@
         </p:nvSpPr>
         <p:spPr>
           <a:xfrm>
-            <a:off x="5152680" y="1768680"/>
-            <a:ext cx="4426920" cy="2090880"/>
-          </a:xfrm>
-          <a:prstGeom prst="rect">
-            <a:avLst/>
-          </a:prstGeom>
-        </p:spPr>
-        <p:txBody>
-          <a:bodyPr lIns="0" rIns="0" tIns="0" bIns="0"/>
+            <a:off x="5049000" y="1768680"/>
+            <a:ext cx="4328280" cy="2090880"/>
+          </a:xfrm>
+          <a:prstGeom prst="rect">
+            <a:avLst/>
+          </a:prstGeom>
+        </p:spPr>
+        <p:txBody>
+          <a:bodyPr bIns="0" lIns="0" rIns="0" tIns="0" wrap="none"/>
           <a:p>
             <a:endParaRPr/>
           </a:p>
@@ -2057,15 +2063,15 @@
         </p:nvSpPr>
         <p:spPr>
           <a:xfrm>
-            <a:off x="5152680" y="4058640"/>
-            <a:ext cx="4426920" cy="2090880"/>
-          </a:xfrm>
-          <a:prstGeom prst="rect">
-            <a:avLst/>
-          </a:prstGeom>
-        </p:spPr>
-        <p:txBody>
-          <a:bodyPr lIns="0" rIns="0" tIns="0" bIns="0"/>
+            <a:off x="5049000" y="4058280"/>
+            <a:ext cx="4328280" cy="2090880"/>
+          </a:xfrm>
+          <a:prstGeom prst="rect">
+            <a:avLst/>
+          </a:prstGeom>
+        </p:spPr>
+        <p:txBody>
+          <a:bodyPr bIns="0" lIns="0" rIns="0" tIns="0" wrap="none"/>
           <a:p>
             <a:endParaRPr/>
           </a:p>
@@ -2083,15 +2089,15 @@
         </p:nvSpPr>
         <p:spPr>
           <a:xfrm>
-            <a:off x="504000" y="4058640"/>
-            <a:ext cx="4426920" cy="2090880"/>
-          </a:xfrm>
-          <a:prstGeom prst="rect">
-            <a:avLst/>
-          </a:prstGeom>
-        </p:spPr>
-        <p:txBody>
-          <a:bodyPr lIns="0" rIns="0" tIns="0" bIns="0"/>
+            <a:off x="504000" y="4058280"/>
+            <a:ext cx="4328280" cy="2090880"/>
+          </a:xfrm>
+          <a:prstGeom prst="rect">
+            <a:avLst/>
+          </a:prstGeom>
+        </p:spPr>
+        <p:txBody>
+          <a:bodyPr bIns="0" lIns="0" rIns="0" tIns="0" wrap="none"/>
           <a:p>
             <a:endParaRPr/>
           </a:p>
@@ -2103,7 +2109,7 @@
 </file>
 
 <file path=ppt/slideLayouts/slideLayout12.xml><?xml version="1.0" encoding="utf-8"?>
-<p:sldLayout xmlns:a="http://schemas.openxmlformats.org/drawingml/2006/main" xmlns:p="http://schemas.openxmlformats.org/presentationml/2006/main" xmlns:r="http://schemas.openxmlformats.org/officeDocument/2006/relationships" type="blank" preserve="1">
+<p:sldLayout xmlns:a="http://schemas.openxmlformats.org/drawingml/2006/main" xmlns:p="http://schemas.openxmlformats.org/presentationml/2006/main" xmlns:r="http://schemas.openxmlformats.org/officeDocument/2006/relationships" preserve="1" type="blank">
   <p:cSld name="Title, 6 Content">
     <p:spTree>
       <p:nvGrpSpPr>
@@ -2132,14 +2138,14 @@
         <p:spPr>
           <a:xfrm>
             <a:off x="504000" y="301320"/>
-            <a:ext cx="9072000" cy="1261800"/>
-          </a:xfrm>
-          <a:prstGeom prst="rect">
-            <a:avLst/>
-          </a:prstGeom>
-        </p:spPr>
-        <p:txBody>
-          <a:bodyPr lIns="0" rIns="0" tIns="0" bIns="0" anchor="ctr"/>
+            <a:ext cx="9072000" cy="1262160"/>
+          </a:xfrm>
+          <a:prstGeom prst="rect">
+            <a:avLst/>
+          </a:prstGeom>
+        </p:spPr>
+        <p:txBody>
+          <a:bodyPr anchor="ctr" bIns="0" lIns="0" rIns="0" tIns="0" wrap="none"/>
           <a:p>
             <a:pPr algn="ctr"/>
             <a:endParaRPr/>
@@ -2159,14 +2165,14 @@
         <p:spPr>
           <a:xfrm>
             <a:off x="504000" y="1768680"/>
-            <a:ext cx="9072000" cy="4384080"/>
-          </a:xfrm>
-          <a:prstGeom prst="rect">
-            <a:avLst/>
-          </a:prstGeom>
-        </p:spPr>
-        <p:txBody>
-          <a:bodyPr lIns="0" rIns="0" tIns="0" bIns="0"/>
+            <a:ext cx="4328280" cy="2090880"/>
+          </a:xfrm>
+          <a:prstGeom prst="rect">
+            <a:avLst/>
+          </a:prstGeom>
+        </p:spPr>
+        <p:txBody>
+          <a:bodyPr bIns="0" lIns="0" rIns="0" tIns="0" wrap="none"/>
           <a:p>
             <a:endParaRPr/>
           </a:p>
@@ -2184,73 +2190,27 @@
         </p:nvSpPr>
         <p:spPr>
           <a:xfrm>
-            <a:off x="504000" y="1768680"/>
-            <a:ext cx="9072000" cy="4384080"/>
-          </a:xfrm>
-          <a:prstGeom prst="rect">
-            <a:avLst/>
-          </a:prstGeom>
-        </p:spPr>
-        <p:txBody>
-          <a:bodyPr lIns="0" rIns="0" tIns="0" bIns="0"/>
-          <a:p>
-            <a:endParaRPr/>
-          </a:p>
-        </p:txBody>
-      </p:sp>
-      <p:pic>
-        <p:nvPicPr>
-          <p:cNvPr id="34" name="" descr=""/>
-          <p:cNvPicPr/>
-          <p:nvPr/>
-        </p:nvPicPr>
-        <p:blipFill>
-          <a:blip r:embed="rId2"/>
-          <a:stretch/>
-        </p:blipFill>
-        <p:spPr>
-          <a:xfrm>
-            <a:off x="2292120" y="1768680"/>
-            <a:ext cx="5495400" cy="4384080"/>
-          </a:xfrm>
-          <a:prstGeom prst="rect">
-            <a:avLst/>
-          </a:prstGeom>
-          <a:ln>
-            <a:noFill/>
-          </a:ln>
-        </p:spPr>
-      </p:pic>
-      <p:pic>
-        <p:nvPicPr>
-          <p:cNvPr id="35" name="" descr=""/>
-          <p:cNvPicPr/>
-          <p:nvPr/>
-        </p:nvPicPr>
-        <p:blipFill>
-          <a:blip r:embed="rId3"/>
-          <a:stretch/>
-        </p:blipFill>
-        <p:spPr>
-          <a:xfrm>
-            <a:off x="2292120" y="1768680"/>
-            <a:ext cx="5495400" cy="4384080"/>
-          </a:xfrm>
-          <a:prstGeom prst="rect">
-            <a:avLst/>
-          </a:prstGeom>
-          <a:ln>
-            <a:noFill/>
-          </a:ln>
-        </p:spPr>
-      </p:pic>
+            <a:off x="5049000" y="1768680"/>
+            <a:ext cx="4328280" cy="2090880"/>
+          </a:xfrm>
+          <a:prstGeom prst="rect">
+            <a:avLst/>
+          </a:prstGeom>
+        </p:spPr>
+        <p:txBody>
+          <a:bodyPr bIns="0" lIns="0" rIns="0" tIns="0" wrap="none"/>
+          <a:p>
+            <a:endParaRPr/>
+          </a:p>
+        </p:txBody>
+      </p:sp>
     </p:spTree>
   </p:cSld>
 </p:sldLayout>
 </file>
 
 <file path=ppt/slideLayouts/slideLayout13.xml><?xml version="1.0" encoding="utf-8"?>
-<p:sldLayout xmlns:a="http://schemas.openxmlformats.org/drawingml/2006/main" xmlns:p="http://schemas.openxmlformats.org/presentationml/2006/main" xmlns:r="http://schemas.openxmlformats.org/officeDocument/2006/relationships" type="blank" preserve="1">
+<p:sldLayout xmlns:a="http://schemas.openxmlformats.org/drawingml/2006/main" xmlns:p="http://schemas.openxmlformats.org/presentationml/2006/main" xmlns:r="http://schemas.openxmlformats.org/officeDocument/2006/relationships" preserve="1" type="blank">
   <p:cSld name="Blank Slide">
     <p:spTree>
       <p:nvGrpSpPr>
@@ -2272,7 +2232,7 @@
 </file>
 
 <file path=ppt/slideLayouts/slideLayout14.xml><?xml version="1.0" encoding="utf-8"?>
-<p:sldLayout xmlns:a="http://schemas.openxmlformats.org/drawingml/2006/main" xmlns:p="http://schemas.openxmlformats.org/presentationml/2006/main" xmlns:r="http://schemas.openxmlformats.org/officeDocument/2006/relationships" type="tx" preserve="1">
+<p:sldLayout xmlns:a="http://schemas.openxmlformats.org/drawingml/2006/main" xmlns:p="http://schemas.openxmlformats.org/presentationml/2006/main" xmlns:r="http://schemas.openxmlformats.org/officeDocument/2006/relationships" preserve="1" type="tx">
   <p:cSld name="Title Slide">
     <p:spTree>
       <p:nvGrpSpPr>
@@ -2290,7 +2250,7 @@
       </p:grpSpPr>
       <p:sp>
         <p:nvSpPr>
-          <p:cNvPr id="38" name="PlaceHolder 1"/>
+          <p:cNvPr id="36" name="PlaceHolder 1"/>
           <p:cNvSpPr>
             <a:spLocks noGrp="1"/>
           </p:cNvSpPr>
@@ -2301,14 +2261,14 @@
         <p:spPr>
           <a:xfrm>
             <a:off x="504000" y="301320"/>
-            <a:ext cx="9072000" cy="1261800"/>
-          </a:xfrm>
-          <a:prstGeom prst="rect">
-            <a:avLst/>
-          </a:prstGeom>
-        </p:spPr>
-        <p:txBody>
-          <a:bodyPr lIns="0" rIns="0" tIns="0" bIns="0" anchor="ctr"/>
+            <a:ext cx="9072000" cy="1262160"/>
+          </a:xfrm>
+          <a:prstGeom prst="rect">
+            <a:avLst/>
+          </a:prstGeom>
+        </p:spPr>
+        <p:txBody>
+          <a:bodyPr anchor="ctr" bIns="0" lIns="0" rIns="0" tIns="0" wrap="none"/>
           <a:p>
             <a:pPr algn="ctr"/>
             <a:endParaRPr/>
@@ -2317,7 +2277,7 @@
       </p:sp>
       <p:sp>
         <p:nvSpPr>
-          <p:cNvPr id="39" name="PlaceHolder 2"/>
+          <p:cNvPr id="37" name="PlaceHolder 2"/>
           <p:cNvSpPr>
             <a:spLocks noGrp="1"/>
           </p:cNvSpPr>
@@ -2328,14 +2288,14 @@
         <p:spPr>
           <a:xfrm>
             <a:off x="504000" y="1768680"/>
-            <a:ext cx="9072000" cy="4384080"/>
-          </a:xfrm>
-          <a:prstGeom prst="rect">
-            <a:avLst/>
-          </a:prstGeom>
-        </p:spPr>
-        <p:txBody>
-          <a:bodyPr lIns="0" rIns="0" tIns="0" bIns="0" anchor="ctr"/>
+            <a:ext cx="8870400" cy="4384440"/>
+          </a:xfrm>
+          <a:prstGeom prst="rect">
+            <a:avLst/>
+          </a:prstGeom>
+        </p:spPr>
+        <p:txBody>
+          <a:bodyPr anchor="ctr" bIns="0" lIns="0" rIns="0" tIns="0" wrap="none"/>
           <a:p>
             <a:pPr algn="ctr"/>
             <a:endParaRPr/>
@@ -2348,7 +2308,7 @@
 </file>
 
 <file path=ppt/slideLayouts/slideLayout15.xml><?xml version="1.0" encoding="utf-8"?>
-<p:sldLayout xmlns:a="http://schemas.openxmlformats.org/drawingml/2006/main" xmlns:p="http://schemas.openxmlformats.org/presentationml/2006/main" xmlns:r="http://schemas.openxmlformats.org/officeDocument/2006/relationships" type="obj" preserve="1">
+<p:sldLayout xmlns:a="http://schemas.openxmlformats.org/drawingml/2006/main" xmlns:p="http://schemas.openxmlformats.org/presentationml/2006/main" xmlns:r="http://schemas.openxmlformats.org/officeDocument/2006/relationships" preserve="1" type="obj">
   <p:cSld name="Title, Content">
     <p:spTree>
       <p:nvGrpSpPr>
@@ -2366,7 +2326,7 @@
       </p:grpSpPr>
       <p:sp>
         <p:nvSpPr>
-          <p:cNvPr id="40" name="PlaceHolder 1"/>
+          <p:cNvPr id="38" name="PlaceHolder 1"/>
           <p:cNvSpPr>
             <a:spLocks noGrp="1"/>
           </p:cNvSpPr>
@@ -2377,14 +2337,14 @@
         <p:spPr>
           <a:xfrm>
             <a:off x="504000" y="301320"/>
-            <a:ext cx="9072000" cy="1261800"/>
-          </a:xfrm>
-          <a:prstGeom prst="rect">
-            <a:avLst/>
-          </a:prstGeom>
-        </p:spPr>
-        <p:txBody>
-          <a:bodyPr lIns="0" rIns="0" tIns="0" bIns="0" anchor="ctr"/>
+            <a:ext cx="9072000" cy="1262160"/>
+          </a:xfrm>
+          <a:prstGeom prst="rect">
+            <a:avLst/>
+          </a:prstGeom>
+        </p:spPr>
+        <p:txBody>
+          <a:bodyPr anchor="ctr" bIns="0" lIns="0" rIns="0" tIns="0" wrap="none"/>
           <a:p>
             <a:pPr algn="ctr"/>
             <a:endParaRPr/>
@@ -2393,7 +2353,7 @@
       </p:sp>
       <p:sp>
         <p:nvSpPr>
-          <p:cNvPr id="41" name="PlaceHolder 2"/>
+          <p:cNvPr id="39" name="PlaceHolder 2"/>
           <p:cNvSpPr>
             <a:spLocks noGrp="1"/>
           </p:cNvSpPr>
@@ -2404,14 +2364,14 @@
         <p:spPr>
           <a:xfrm>
             <a:off x="504000" y="1768680"/>
-            <a:ext cx="9072000" cy="4384080"/>
-          </a:xfrm>
-          <a:prstGeom prst="rect">
-            <a:avLst/>
-          </a:prstGeom>
-        </p:spPr>
-        <p:txBody>
-          <a:bodyPr lIns="0" rIns="0" tIns="0" bIns="0"/>
+            <a:ext cx="8870400" cy="4384080"/>
+          </a:xfrm>
+          <a:prstGeom prst="rect">
+            <a:avLst/>
+          </a:prstGeom>
+        </p:spPr>
+        <p:txBody>
+          <a:bodyPr bIns="0" lIns="0" rIns="0" tIns="0" wrap="none"/>
           <a:p>
             <a:endParaRPr/>
           </a:p>
@@ -2423,7 +2383,7 @@
 </file>
 
 <file path=ppt/slideLayouts/slideLayout16.xml><?xml version="1.0" encoding="utf-8"?>
-<p:sldLayout xmlns:a="http://schemas.openxmlformats.org/drawingml/2006/main" xmlns:p="http://schemas.openxmlformats.org/presentationml/2006/main" xmlns:r="http://schemas.openxmlformats.org/officeDocument/2006/relationships" type="twoObj" preserve="1">
+<p:sldLayout xmlns:a="http://schemas.openxmlformats.org/drawingml/2006/main" xmlns:p="http://schemas.openxmlformats.org/presentationml/2006/main" xmlns:r="http://schemas.openxmlformats.org/officeDocument/2006/relationships" preserve="1" type="twoObj">
   <p:cSld name="Title, 2 Content">
     <p:spTree>
       <p:nvGrpSpPr>
@@ -2441,7 +2401,7 @@
       </p:grpSpPr>
       <p:sp>
         <p:nvSpPr>
-          <p:cNvPr id="42" name="PlaceHolder 1"/>
+          <p:cNvPr id="40" name="PlaceHolder 1"/>
           <p:cNvSpPr>
             <a:spLocks noGrp="1"/>
           </p:cNvSpPr>
@@ -2452,14 +2412,14 @@
         <p:spPr>
           <a:xfrm>
             <a:off x="504000" y="301320"/>
-            <a:ext cx="9072000" cy="1261800"/>
-          </a:xfrm>
-          <a:prstGeom prst="rect">
-            <a:avLst/>
-          </a:prstGeom>
-        </p:spPr>
-        <p:txBody>
-          <a:bodyPr lIns="0" rIns="0" tIns="0" bIns="0" anchor="ctr"/>
+            <a:ext cx="9072000" cy="1262160"/>
+          </a:xfrm>
+          <a:prstGeom prst="rect">
+            <a:avLst/>
+          </a:prstGeom>
+        </p:spPr>
+        <p:txBody>
+          <a:bodyPr anchor="ctr" bIns="0" lIns="0" rIns="0" tIns="0" wrap="none"/>
           <a:p>
             <a:pPr algn="ctr"/>
             <a:endParaRPr/>
@@ -2468,7 +2428,7 @@
       </p:sp>
       <p:sp>
         <p:nvSpPr>
-          <p:cNvPr id="43" name="PlaceHolder 2"/>
+          <p:cNvPr id="41" name="PlaceHolder 2"/>
           <p:cNvSpPr>
             <a:spLocks noGrp="1"/>
           </p:cNvSpPr>
@@ -2479,22 +2439,22 @@
         <p:spPr>
           <a:xfrm>
             <a:off x="504000" y="1768680"/>
-            <a:ext cx="4426920" cy="4384080"/>
-          </a:xfrm>
-          <a:prstGeom prst="rect">
-            <a:avLst/>
-          </a:prstGeom>
-        </p:spPr>
-        <p:txBody>
-          <a:bodyPr lIns="0" rIns="0" tIns="0" bIns="0"/>
-          <a:p>
-            <a:endParaRPr/>
-          </a:p>
-        </p:txBody>
-      </p:sp>
-      <p:sp>
-        <p:nvSpPr>
-          <p:cNvPr id="44" name="PlaceHolder 3"/>
+            <a:ext cx="4328280" cy="4384080"/>
+          </a:xfrm>
+          <a:prstGeom prst="rect">
+            <a:avLst/>
+          </a:prstGeom>
+        </p:spPr>
+        <p:txBody>
+          <a:bodyPr bIns="0" lIns="0" rIns="0" tIns="0" wrap="none"/>
+          <a:p>
+            <a:endParaRPr/>
+          </a:p>
+        </p:txBody>
+      </p:sp>
+      <p:sp>
+        <p:nvSpPr>
+          <p:cNvPr id="42" name="PlaceHolder 3"/>
           <p:cNvSpPr>
             <a:spLocks noGrp="1"/>
           </p:cNvSpPr>
@@ -2504,15 +2464,15 @@
         </p:nvSpPr>
         <p:spPr>
           <a:xfrm>
-            <a:off x="5152680" y="1768680"/>
-            <a:ext cx="4426920" cy="4384080"/>
-          </a:xfrm>
-          <a:prstGeom prst="rect">
-            <a:avLst/>
-          </a:prstGeom>
-        </p:spPr>
-        <p:txBody>
-          <a:bodyPr lIns="0" rIns="0" tIns="0" bIns="0"/>
+            <a:off x="5049000" y="1768680"/>
+            <a:ext cx="4328280" cy="4384080"/>
+          </a:xfrm>
+          <a:prstGeom prst="rect">
+            <a:avLst/>
+          </a:prstGeom>
+        </p:spPr>
+        <p:txBody>
+          <a:bodyPr bIns="0" lIns="0" rIns="0" tIns="0" wrap="none"/>
           <a:p>
             <a:endParaRPr/>
           </a:p>
@@ -2524,7 +2484,7 @@
 </file>
 
 <file path=ppt/slideLayouts/slideLayout17.xml><?xml version="1.0" encoding="utf-8"?>
-<p:sldLayout xmlns:a="http://schemas.openxmlformats.org/drawingml/2006/main" xmlns:p="http://schemas.openxmlformats.org/presentationml/2006/main" xmlns:r="http://schemas.openxmlformats.org/officeDocument/2006/relationships" type="titleOnly" preserve="1">
+<p:sldLayout xmlns:a="http://schemas.openxmlformats.org/drawingml/2006/main" xmlns:p="http://schemas.openxmlformats.org/presentationml/2006/main" xmlns:r="http://schemas.openxmlformats.org/officeDocument/2006/relationships" preserve="1" type="titleOnly">
   <p:cSld name="Title Only">
     <p:spTree>
       <p:nvGrpSpPr>
@@ -2542,7 +2502,7 @@
       </p:grpSpPr>
       <p:sp>
         <p:nvSpPr>
-          <p:cNvPr id="45" name="PlaceHolder 1"/>
+          <p:cNvPr id="43" name="PlaceHolder 1"/>
           <p:cNvSpPr>
             <a:spLocks noGrp="1"/>
           </p:cNvSpPr>
@@ -2553,14 +2513,14 @@
         <p:spPr>
           <a:xfrm>
             <a:off x="504000" y="301320"/>
-            <a:ext cx="9072000" cy="1261800"/>
-          </a:xfrm>
-          <a:prstGeom prst="rect">
-            <a:avLst/>
-          </a:prstGeom>
-        </p:spPr>
-        <p:txBody>
-          <a:bodyPr lIns="0" rIns="0" tIns="0" bIns="0" anchor="ctr"/>
+            <a:ext cx="9072000" cy="1262160"/>
+          </a:xfrm>
+          <a:prstGeom prst="rect">
+            <a:avLst/>
+          </a:prstGeom>
+        </p:spPr>
+        <p:txBody>
+          <a:bodyPr anchor="ctr" bIns="0" lIns="0" rIns="0" tIns="0" wrap="none"/>
           <a:p>
             <a:pPr algn="ctr"/>
             <a:endParaRPr/>
@@ -2573,7 +2533,7 @@
 </file>
 
 <file path=ppt/slideLayouts/slideLayout18.xml><?xml version="1.0" encoding="utf-8"?>
-<p:sldLayout xmlns:a="http://schemas.openxmlformats.org/drawingml/2006/main" xmlns:p="http://schemas.openxmlformats.org/presentationml/2006/main" xmlns:r="http://schemas.openxmlformats.org/officeDocument/2006/relationships" type="objOnly" preserve="1">
+<p:sldLayout xmlns:a="http://schemas.openxmlformats.org/drawingml/2006/main" xmlns:p="http://schemas.openxmlformats.org/presentationml/2006/main" xmlns:r="http://schemas.openxmlformats.org/officeDocument/2006/relationships" preserve="1" type="objOnly">
   <p:cSld name="Centered Text">
     <p:spTree>
       <p:nvGrpSpPr>
@@ -2591,7 +2551,7 @@
       </p:grpSpPr>
       <p:sp>
         <p:nvSpPr>
-          <p:cNvPr id="46" name="PlaceHolder 1"/>
+          <p:cNvPr id="44" name="PlaceHolder 1"/>
           <p:cNvSpPr>
             <a:spLocks noGrp="1"/>
           </p:cNvSpPr>
@@ -2602,14 +2562,14 @@
         <p:spPr>
           <a:xfrm>
             <a:off x="504000" y="301320"/>
-            <a:ext cx="9072000" cy="5850360"/>
-          </a:xfrm>
-          <a:prstGeom prst="rect">
-            <a:avLst/>
-          </a:prstGeom>
-        </p:spPr>
-        <p:txBody>
-          <a:bodyPr lIns="0" rIns="0" tIns="0" bIns="0" anchor="ctr"/>
+            <a:ext cx="9072000" cy="5851440"/>
+          </a:xfrm>
+          <a:prstGeom prst="rect">
+            <a:avLst/>
+          </a:prstGeom>
+        </p:spPr>
+        <p:txBody>
+          <a:bodyPr anchor="ctr" bIns="0" lIns="0" rIns="0" tIns="0" wrap="none"/>
           <a:p>
             <a:pPr algn="ctr"/>
             <a:endParaRPr/>
@@ -2622,7 +2582,7 @@
 </file>
 
 <file path=ppt/slideLayouts/slideLayout19.xml><?xml version="1.0" encoding="utf-8"?>
-<p:sldLayout xmlns:a="http://schemas.openxmlformats.org/drawingml/2006/main" xmlns:p="http://schemas.openxmlformats.org/presentationml/2006/main" xmlns:r="http://schemas.openxmlformats.org/officeDocument/2006/relationships" type="twoObjAndObj" preserve="1">
+<p:sldLayout xmlns:a="http://schemas.openxmlformats.org/drawingml/2006/main" xmlns:p="http://schemas.openxmlformats.org/presentationml/2006/main" xmlns:r="http://schemas.openxmlformats.org/officeDocument/2006/relationships" preserve="1" type="twoObjAndObj">
   <p:cSld name="Title, 2 Content and Content">
     <p:spTree>
       <p:nvGrpSpPr>
@@ -2640,7 +2600,7 @@
       </p:grpSpPr>
       <p:sp>
         <p:nvSpPr>
-          <p:cNvPr id="47" name="PlaceHolder 1"/>
+          <p:cNvPr id="45" name="PlaceHolder 1"/>
           <p:cNvSpPr>
             <a:spLocks noGrp="1"/>
           </p:cNvSpPr>
@@ -2651,14 +2611,14 @@
         <p:spPr>
           <a:xfrm>
             <a:off x="504000" y="301320"/>
-            <a:ext cx="9072000" cy="1261800"/>
-          </a:xfrm>
-          <a:prstGeom prst="rect">
-            <a:avLst/>
-          </a:prstGeom>
-        </p:spPr>
-        <p:txBody>
-          <a:bodyPr lIns="0" rIns="0" tIns="0" bIns="0" anchor="ctr"/>
+            <a:ext cx="9072000" cy="1262160"/>
+          </a:xfrm>
+          <a:prstGeom prst="rect">
+            <a:avLst/>
+          </a:prstGeom>
+        </p:spPr>
+        <p:txBody>
+          <a:bodyPr anchor="ctr" bIns="0" lIns="0" rIns="0" tIns="0" wrap="none"/>
           <a:p>
             <a:pPr algn="ctr"/>
             <a:endParaRPr/>
@@ -2667,7 +2627,7 @@
       </p:sp>
       <p:sp>
         <p:nvSpPr>
-          <p:cNvPr id="48" name="PlaceHolder 2"/>
+          <p:cNvPr id="46" name="PlaceHolder 2"/>
           <p:cNvSpPr>
             <a:spLocks noGrp="1"/>
           </p:cNvSpPr>
@@ -2678,22 +2638,22 @@
         <p:spPr>
           <a:xfrm>
             <a:off x="504000" y="1768680"/>
-            <a:ext cx="4426920" cy="2090880"/>
-          </a:xfrm>
-          <a:prstGeom prst="rect">
-            <a:avLst/>
-          </a:prstGeom>
-        </p:spPr>
-        <p:txBody>
-          <a:bodyPr lIns="0" rIns="0" tIns="0" bIns="0"/>
-          <a:p>
-            <a:endParaRPr/>
-          </a:p>
-        </p:txBody>
-      </p:sp>
-      <p:sp>
-        <p:nvSpPr>
-          <p:cNvPr id="49" name="PlaceHolder 3"/>
+            <a:ext cx="4328280" cy="2090880"/>
+          </a:xfrm>
+          <a:prstGeom prst="rect">
+            <a:avLst/>
+          </a:prstGeom>
+        </p:spPr>
+        <p:txBody>
+          <a:bodyPr bIns="0" lIns="0" rIns="0" tIns="0" wrap="none"/>
+          <a:p>
+            <a:endParaRPr/>
+          </a:p>
+        </p:txBody>
+      </p:sp>
+      <p:sp>
+        <p:nvSpPr>
+          <p:cNvPr id="47" name="PlaceHolder 3"/>
           <p:cNvSpPr>
             <a:spLocks noGrp="1"/>
           </p:cNvSpPr>
@@ -2703,23 +2663,23 @@
         </p:nvSpPr>
         <p:spPr>
           <a:xfrm>
-            <a:off x="504000" y="4058640"/>
-            <a:ext cx="4426920" cy="2090880"/>
-          </a:xfrm>
-          <a:prstGeom prst="rect">
-            <a:avLst/>
-          </a:prstGeom>
-        </p:spPr>
-        <p:txBody>
-          <a:bodyPr lIns="0" rIns="0" tIns="0" bIns="0"/>
-          <a:p>
-            <a:endParaRPr/>
-          </a:p>
-        </p:txBody>
-      </p:sp>
-      <p:sp>
-        <p:nvSpPr>
-          <p:cNvPr id="50" name="PlaceHolder 4"/>
+            <a:off x="504000" y="4058280"/>
+            <a:ext cx="4328280" cy="2090880"/>
+          </a:xfrm>
+          <a:prstGeom prst="rect">
+            <a:avLst/>
+          </a:prstGeom>
+        </p:spPr>
+        <p:txBody>
+          <a:bodyPr bIns="0" lIns="0" rIns="0" tIns="0" wrap="none"/>
+          <a:p>
+            <a:endParaRPr/>
+          </a:p>
+        </p:txBody>
+      </p:sp>
+      <p:sp>
+        <p:nvSpPr>
+          <p:cNvPr id="48" name="PlaceHolder 4"/>
           <p:cNvSpPr>
             <a:spLocks noGrp="1"/>
           </p:cNvSpPr>
@@ -2729,15 +2689,15 @@
         </p:nvSpPr>
         <p:spPr>
           <a:xfrm>
-            <a:off x="5152680" y="1768680"/>
-            <a:ext cx="4426920" cy="4384080"/>
-          </a:xfrm>
-          <a:prstGeom prst="rect">
-            <a:avLst/>
-          </a:prstGeom>
-        </p:spPr>
-        <p:txBody>
-          <a:bodyPr lIns="0" rIns="0" tIns="0" bIns="0"/>
+            <a:off x="5049000" y="1768680"/>
+            <a:ext cx="4328280" cy="4384080"/>
+          </a:xfrm>
+          <a:prstGeom prst="rect">
+            <a:avLst/>
+          </a:prstGeom>
+        </p:spPr>
+        <p:txBody>
+          <a:bodyPr bIns="0" lIns="0" rIns="0" tIns="0" wrap="none"/>
           <a:p>
             <a:endParaRPr/>
           </a:p>
@@ -2749,7 +2709,7 @@
 </file>
 
 <file path=ppt/slideLayouts/slideLayout2.xml><?xml version="1.0" encoding="utf-8"?>
-<p:sldLayout xmlns:a="http://schemas.openxmlformats.org/drawingml/2006/main" xmlns:p="http://schemas.openxmlformats.org/presentationml/2006/main" xmlns:r="http://schemas.openxmlformats.org/officeDocument/2006/relationships" type="tx" preserve="1">
+<p:sldLayout xmlns:a="http://schemas.openxmlformats.org/drawingml/2006/main" xmlns:p="http://schemas.openxmlformats.org/presentationml/2006/main" xmlns:r="http://schemas.openxmlformats.org/officeDocument/2006/relationships" preserve="1" type="tx">
   <p:cSld name="Title Slide">
     <p:spTree>
       <p:nvGrpSpPr>
@@ -2778,14 +2738,14 @@
         <p:spPr>
           <a:xfrm>
             <a:off x="504000" y="301320"/>
-            <a:ext cx="9072000" cy="1261800"/>
-          </a:xfrm>
-          <a:prstGeom prst="rect">
-            <a:avLst/>
-          </a:prstGeom>
-        </p:spPr>
-        <p:txBody>
-          <a:bodyPr lIns="0" rIns="0" tIns="0" bIns="0" anchor="ctr"/>
+            <a:ext cx="9072000" cy="1262160"/>
+          </a:xfrm>
+          <a:prstGeom prst="rect">
+            <a:avLst/>
+          </a:prstGeom>
+        </p:spPr>
+        <p:txBody>
+          <a:bodyPr anchor="ctr" bIns="0" lIns="0" rIns="0" tIns="0" wrap="none"/>
           <a:p>
             <a:pPr algn="ctr"/>
             <a:endParaRPr/>
@@ -2805,14 +2765,14 @@
         <p:spPr>
           <a:xfrm>
             <a:off x="504000" y="1768680"/>
-            <a:ext cx="9072000" cy="4384080"/>
-          </a:xfrm>
-          <a:prstGeom prst="rect">
-            <a:avLst/>
-          </a:prstGeom>
-        </p:spPr>
-        <p:txBody>
-          <a:bodyPr lIns="0" rIns="0" tIns="0" bIns="0" anchor="ctr"/>
+            <a:ext cx="8870400" cy="4384440"/>
+          </a:xfrm>
+          <a:prstGeom prst="rect">
+            <a:avLst/>
+          </a:prstGeom>
+        </p:spPr>
+        <p:txBody>
+          <a:bodyPr anchor="ctr" bIns="0" lIns="0" rIns="0" tIns="0" wrap="none"/>
           <a:p>
             <a:pPr algn="ctr"/>
             <a:endParaRPr/>
@@ -2825,7 +2785,7 @@
 </file>
 
 <file path=ppt/slideLayouts/slideLayout20.xml><?xml version="1.0" encoding="utf-8"?>
-<p:sldLayout xmlns:a="http://schemas.openxmlformats.org/drawingml/2006/main" xmlns:p="http://schemas.openxmlformats.org/presentationml/2006/main" xmlns:r="http://schemas.openxmlformats.org/officeDocument/2006/relationships" type="objAndTwoObj" preserve="1">
+<p:sldLayout xmlns:a="http://schemas.openxmlformats.org/drawingml/2006/main" xmlns:p="http://schemas.openxmlformats.org/presentationml/2006/main" xmlns:r="http://schemas.openxmlformats.org/officeDocument/2006/relationships" preserve="1" type="objAndTwoObj">
   <p:cSld name="Title Content and 2 Content">
     <p:spTree>
       <p:nvGrpSpPr>
@@ -2843,7 +2803,7 @@
       </p:grpSpPr>
       <p:sp>
         <p:nvSpPr>
-          <p:cNvPr id="51" name="PlaceHolder 1"/>
+          <p:cNvPr id="49" name="PlaceHolder 1"/>
           <p:cNvSpPr>
             <a:spLocks noGrp="1"/>
           </p:cNvSpPr>
@@ -2854,14 +2814,14 @@
         <p:spPr>
           <a:xfrm>
             <a:off x="504000" y="301320"/>
-            <a:ext cx="9072000" cy="1261800"/>
-          </a:xfrm>
-          <a:prstGeom prst="rect">
-            <a:avLst/>
-          </a:prstGeom>
-        </p:spPr>
-        <p:txBody>
-          <a:bodyPr lIns="0" rIns="0" tIns="0" bIns="0" anchor="ctr"/>
+            <a:ext cx="9072000" cy="1262160"/>
+          </a:xfrm>
+          <a:prstGeom prst="rect">
+            <a:avLst/>
+          </a:prstGeom>
+        </p:spPr>
+        <p:txBody>
+          <a:bodyPr anchor="ctr" bIns="0" lIns="0" rIns="0" tIns="0" wrap="none"/>
           <a:p>
             <a:pPr algn="ctr"/>
             <a:endParaRPr/>
@@ -2870,7 +2830,7 @@
       </p:sp>
       <p:sp>
         <p:nvSpPr>
-          <p:cNvPr id="52" name="PlaceHolder 2"/>
+          <p:cNvPr id="50" name="PlaceHolder 2"/>
           <p:cNvSpPr>
             <a:spLocks noGrp="1"/>
           </p:cNvSpPr>
@@ -2881,22 +2841,22 @@
         <p:spPr>
           <a:xfrm>
             <a:off x="504000" y="1768680"/>
-            <a:ext cx="4426920" cy="4384080"/>
-          </a:xfrm>
-          <a:prstGeom prst="rect">
-            <a:avLst/>
-          </a:prstGeom>
-        </p:spPr>
-        <p:txBody>
-          <a:bodyPr lIns="0" rIns="0" tIns="0" bIns="0"/>
-          <a:p>
-            <a:endParaRPr/>
-          </a:p>
-        </p:txBody>
-      </p:sp>
-      <p:sp>
-        <p:nvSpPr>
-          <p:cNvPr id="53" name="PlaceHolder 3"/>
+            <a:ext cx="4328280" cy="4384080"/>
+          </a:xfrm>
+          <a:prstGeom prst="rect">
+            <a:avLst/>
+          </a:prstGeom>
+        </p:spPr>
+        <p:txBody>
+          <a:bodyPr bIns="0" lIns="0" rIns="0" tIns="0" wrap="none"/>
+          <a:p>
+            <a:endParaRPr/>
+          </a:p>
+        </p:txBody>
+      </p:sp>
+      <p:sp>
+        <p:nvSpPr>
+          <p:cNvPr id="51" name="PlaceHolder 3"/>
           <p:cNvSpPr>
             <a:spLocks noGrp="1"/>
           </p:cNvSpPr>
@@ -2906,23 +2866,23 @@
         </p:nvSpPr>
         <p:spPr>
           <a:xfrm>
-            <a:off x="5152680" y="1768680"/>
-            <a:ext cx="4426920" cy="2090880"/>
-          </a:xfrm>
-          <a:prstGeom prst="rect">
-            <a:avLst/>
-          </a:prstGeom>
-        </p:spPr>
-        <p:txBody>
-          <a:bodyPr lIns="0" rIns="0" tIns="0" bIns="0"/>
-          <a:p>
-            <a:endParaRPr/>
-          </a:p>
-        </p:txBody>
-      </p:sp>
-      <p:sp>
-        <p:nvSpPr>
-          <p:cNvPr id="54" name="PlaceHolder 4"/>
+            <a:off x="5049000" y="1768680"/>
+            <a:ext cx="4328280" cy="2090880"/>
+          </a:xfrm>
+          <a:prstGeom prst="rect">
+            <a:avLst/>
+          </a:prstGeom>
+        </p:spPr>
+        <p:txBody>
+          <a:bodyPr bIns="0" lIns="0" rIns="0" tIns="0" wrap="none"/>
+          <a:p>
+            <a:endParaRPr/>
+          </a:p>
+        </p:txBody>
+      </p:sp>
+      <p:sp>
+        <p:nvSpPr>
+          <p:cNvPr id="52" name="PlaceHolder 4"/>
           <p:cNvSpPr>
             <a:spLocks noGrp="1"/>
           </p:cNvSpPr>
@@ -2932,15 +2892,15 @@
         </p:nvSpPr>
         <p:spPr>
           <a:xfrm>
-            <a:off x="5152680" y="4058640"/>
-            <a:ext cx="4426920" cy="2090880"/>
-          </a:xfrm>
-          <a:prstGeom prst="rect">
-            <a:avLst/>
-          </a:prstGeom>
-        </p:spPr>
-        <p:txBody>
-          <a:bodyPr lIns="0" rIns="0" tIns="0" bIns="0"/>
+            <a:off x="5049000" y="4058280"/>
+            <a:ext cx="4328280" cy="2090880"/>
+          </a:xfrm>
+          <a:prstGeom prst="rect">
+            <a:avLst/>
+          </a:prstGeom>
+        </p:spPr>
+        <p:txBody>
+          <a:bodyPr bIns="0" lIns="0" rIns="0" tIns="0" wrap="none"/>
           <a:p>
             <a:endParaRPr/>
           </a:p>
@@ -2952,7 +2912,7 @@
 </file>
 
 <file path=ppt/slideLayouts/slideLayout21.xml><?xml version="1.0" encoding="utf-8"?>
-<p:sldLayout xmlns:a="http://schemas.openxmlformats.org/drawingml/2006/main" xmlns:p="http://schemas.openxmlformats.org/presentationml/2006/main" xmlns:r="http://schemas.openxmlformats.org/officeDocument/2006/relationships" type="twoObjOverTx" preserve="1">
+<p:sldLayout xmlns:a="http://schemas.openxmlformats.org/drawingml/2006/main" xmlns:p="http://schemas.openxmlformats.org/presentationml/2006/main" xmlns:r="http://schemas.openxmlformats.org/officeDocument/2006/relationships" preserve="1" type="twoObjOverTx">
   <p:cSld name="Title, 2 Content over Content">
     <p:spTree>
       <p:nvGrpSpPr>
@@ -2970,7 +2930,7 @@
       </p:grpSpPr>
       <p:sp>
         <p:nvSpPr>
-          <p:cNvPr id="55" name="PlaceHolder 1"/>
+          <p:cNvPr id="53" name="PlaceHolder 1"/>
           <p:cNvSpPr>
             <a:spLocks noGrp="1"/>
           </p:cNvSpPr>
@@ -2981,14 +2941,14 @@
         <p:spPr>
           <a:xfrm>
             <a:off x="504000" y="301320"/>
-            <a:ext cx="9072000" cy="1261800"/>
-          </a:xfrm>
-          <a:prstGeom prst="rect">
-            <a:avLst/>
-          </a:prstGeom>
-        </p:spPr>
-        <p:txBody>
-          <a:bodyPr lIns="0" rIns="0" tIns="0" bIns="0" anchor="ctr"/>
+            <a:ext cx="9072000" cy="1262160"/>
+          </a:xfrm>
+          <a:prstGeom prst="rect">
+            <a:avLst/>
+          </a:prstGeom>
+        </p:spPr>
+        <p:txBody>
+          <a:bodyPr anchor="ctr" bIns="0" lIns="0" rIns="0" tIns="0" wrap="none"/>
           <a:p>
             <a:pPr algn="ctr"/>
             <a:endParaRPr/>
@@ -2997,7 +2957,7 @@
       </p:sp>
       <p:sp>
         <p:nvSpPr>
-          <p:cNvPr id="56" name="PlaceHolder 2"/>
+          <p:cNvPr id="54" name="PlaceHolder 2"/>
           <p:cNvSpPr>
             <a:spLocks noGrp="1"/>
           </p:cNvSpPr>
@@ -3008,22 +2968,22 @@
         <p:spPr>
           <a:xfrm>
             <a:off x="504000" y="1768680"/>
-            <a:ext cx="4426920" cy="2090880"/>
-          </a:xfrm>
-          <a:prstGeom prst="rect">
-            <a:avLst/>
-          </a:prstGeom>
-        </p:spPr>
-        <p:txBody>
-          <a:bodyPr lIns="0" rIns="0" tIns="0" bIns="0"/>
-          <a:p>
-            <a:endParaRPr/>
-          </a:p>
-        </p:txBody>
-      </p:sp>
-      <p:sp>
-        <p:nvSpPr>
-          <p:cNvPr id="57" name="PlaceHolder 3"/>
+            <a:ext cx="4328280" cy="2090880"/>
+          </a:xfrm>
+          <a:prstGeom prst="rect">
+            <a:avLst/>
+          </a:prstGeom>
+        </p:spPr>
+        <p:txBody>
+          <a:bodyPr bIns="0" lIns="0" rIns="0" tIns="0" wrap="none"/>
+          <a:p>
+            <a:endParaRPr/>
+          </a:p>
+        </p:txBody>
+      </p:sp>
+      <p:sp>
+        <p:nvSpPr>
+          <p:cNvPr id="55" name="PlaceHolder 3"/>
           <p:cNvSpPr>
             <a:spLocks noGrp="1"/>
           </p:cNvSpPr>
@@ -3033,23 +2993,23 @@
         </p:nvSpPr>
         <p:spPr>
           <a:xfrm>
-            <a:off x="5152680" y="1768680"/>
-            <a:ext cx="4426920" cy="2090880"/>
-          </a:xfrm>
-          <a:prstGeom prst="rect">
-            <a:avLst/>
-          </a:prstGeom>
-        </p:spPr>
-        <p:txBody>
-          <a:bodyPr lIns="0" rIns="0" tIns="0" bIns="0"/>
-          <a:p>
-            <a:endParaRPr/>
-          </a:p>
-        </p:txBody>
-      </p:sp>
-      <p:sp>
-        <p:nvSpPr>
-          <p:cNvPr id="58" name="PlaceHolder 4"/>
+            <a:off x="5049000" y="1768680"/>
+            <a:ext cx="4328280" cy="2090880"/>
+          </a:xfrm>
+          <a:prstGeom prst="rect">
+            <a:avLst/>
+          </a:prstGeom>
+        </p:spPr>
+        <p:txBody>
+          <a:bodyPr bIns="0" lIns="0" rIns="0" tIns="0" wrap="none"/>
+          <a:p>
+            <a:endParaRPr/>
+          </a:p>
+        </p:txBody>
+      </p:sp>
+      <p:sp>
+        <p:nvSpPr>
+          <p:cNvPr id="56" name="PlaceHolder 4"/>
           <p:cNvSpPr>
             <a:spLocks noGrp="1"/>
           </p:cNvSpPr>
@@ -3059,15 +3019,15 @@
         </p:nvSpPr>
         <p:spPr>
           <a:xfrm>
-            <a:off x="504000" y="4058640"/>
-            <a:ext cx="9072000" cy="2090880"/>
-          </a:xfrm>
-          <a:prstGeom prst="rect">
-            <a:avLst/>
-          </a:prstGeom>
-        </p:spPr>
-        <p:txBody>
-          <a:bodyPr lIns="0" rIns="0" tIns="0" bIns="0"/>
+            <a:off x="504000" y="4058280"/>
+            <a:ext cx="8869680" cy="2090880"/>
+          </a:xfrm>
+          <a:prstGeom prst="rect">
+            <a:avLst/>
+          </a:prstGeom>
+        </p:spPr>
+        <p:txBody>
+          <a:bodyPr bIns="0" lIns="0" rIns="0" tIns="0" wrap="none"/>
           <a:p>
             <a:endParaRPr/>
           </a:p>
@@ -3079,7 +3039,7 @@
 </file>
 
 <file path=ppt/slideLayouts/slideLayout22.xml><?xml version="1.0" encoding="utf-8"?>
-<p:sldLayout xmlns:a="http://schemas.openxmlformats.org/drawingml/2006/main" xmlns:p="http://schemas.openxmlformats.org/presentationml/2006/main" xmlns:r="http://schemas.openxmlformats.org/officeDocument/2006/relationships" type="objOverTx" preserve="1">
+<p:sldLayout xmlns:a="http://schemas.openxmlformats.org/drawingml/2006/main" xmlns:p="http://schemas.openxmlformats.org/presentationml/2006/main" xmlns:r="http://schemas.openxmlformats.org/officeDocument/2006/relationships" preserve="1" type="objOverTx">
   <p:cSld name="Title, Content over Content">
     <p:spTree>
       <p:nvGrpSpPr>
@@ -3097,7 +3057,7 @@
       </p:grpSpPr>
       <p:sp>
         <p:nvSpPr>
-          <p:cNvPr id="59" name="PlaceHolder 1"/>
+          <p:cNvPr id="57" name="PlaceHolder 1"/>
           <p:cNvSpPr>
             <a:spLocks noGrp="1"/>
           </p:cNvSpPr>
@@ -3108,14 +3068,14 @@
         <p:spPr>
           <a:xfrm>
             <a:off x="504000" y="301320"/>
-            <a:ext cx="9072000" cy="1261800"/>
-          </a:xfrm>
-          <a:prstGeom prst="rect">
-            <a:avLst/>
-          </a:prstGeom>
-        </p:spPr>
-        <p:txBody>
-          <a:bodyPr lIns="0" rIns="0" tIns="0" bIns="0" anchor="ctr"/>
+            <a:ext cx="9072000" cy="1262160"/>
+          </a:xfrm>
+          <a:prstGeom prst="rect">
+            <a:avLst/>
+          </a:prstGeom>
+        </p:spPr>
+        <p:txBody>
+          <a:bodyPr anchor="ctr" bIns="0" lIns="0" rIns="0" tIns="0" wrap="none"/>
           <a:p>
             <a:pPr algn="ctr"/>
             <a:endParaRPr/>
@@ -3124,7 +3084,7 @@
       </p:sp>
       <p:sp>
         <p:nvSpPr>
-          <p:cNvPr id="60" name="PlaceHolder 2"/>
+          <p:cNvPr id="58" name="PlaceHolder 2"/>
           <p:cNvSpPr>
             <a:spLocks noGrp="1"/>
           </p:cNvSpPr>
@@ -3135,22 +3095,22 @@
         <p:spPr>
           <a:xfrm>
             <a:off x="504000" y="1768680"/>
-            <a:ext cx="9072000" cy="2090880"/>
-          </a:xfrm>
-          <a:prstGeom prst="rect">
-            <a:avLst/>
-          </a:prstGeom>
-        </p:spPr>
-        <p:txBody>
-          <a:bodyPr lIns="0" rIns="0" tIns="0" bIns="0"/>
-          <a:p>
-            <a:endParaRPr/>
-          </a:p>
-        </p:txBody>
-      </p:sp>
-      <p:sp>
-        <p:nvSpPr>
-          <p:cNvPr id="61" name="PlaceHolder 3"/>
+            <a:ext cx="8870400" cy="2090880"/>
+          </a:xfrm>
+          <a:prstGeom prst="rect">
+            <a:avLst/>
+          </a:prstGeom>
+        </p:spPr>
+        <p:txBody>
+          <a:bodyPr bIns="0" lIns="0" rIns="0" tIns="0" wrap="none"/>
+          <a:p>
+            <a:endParaRPr/>
+          </a:p>
+        </p:txBody>
+      </p:sp>
+      <p:sp>
+        <p:nvSpPr>
+          <p:cNvPr id="59" name="PlaceHolder 3"/>
           <p:cNvSpPr>
             <a:spLocks noGrp="1"/>
           </p:cNvSpPr>
@@ -3160,15 +3120,15 @@
         </p:nvSpPr>
         <p:spPr>
           <a:xfrm>
-            <a:off x="504000" y="4058640"/>
-            <a:ext cx="9072000" cy="2090880"/>
-          </a:xfrm>
-          <a:prstGeom prst="rect">
-            <a:avLst/>
-          </a:prstGeom>
-        </p:spPr>
-        <p:txBody>
-          <a:bodyPr lIns="0" rIns="0" tIns="0" bIns="0"/>
+            <a:off x="504000" y="4058280"/>
+            <a:ext cx="8870400" cy="2090880"/>
+          </a:xfrm>
+          <a:prstGeom prst="rect">
+            <a:avLst/>
+          </a:prstGeom>
+        </p:spPr>
+        <p:txBody>
+          <a:bodyPr bIns="0" lIns="0" rIns="0" tIns="0" wrap="none"/>
           <a:p>
             <a:endParaRPr/>
           </a:p>
@@ -3180,7 +3140,7 @@
 </file>
 
 <file path=ppt/slideLayouts/slideLayout23.xml><?xml version="1.0" encoding="utf-8"?>
-<p:sldLayout xmlns:a="http://schemas.openxmlformats.org/drawingml/2006/main" xmlns:p="http://schemas.openxmlformats.org/presentationml/2006/main" xmlns:r="http://schemas.openxmlformats.org/officeDocument/2006/relationships" type="fourObj" preserve="1">
+<p:sldLayout xmlns:a="http://schemas.openxmlformats.org/drawingml/2006/main" xmlns:p="http://schemas.openxmlformats.org/presentationml/2006/main" xmlns:r="http://schemas.openxmlformats.org/officeDocument/2006/relationships" preserve="1" type="fourObj">
   <p:cSld name="Title, 4 Content">
     <p:spTree>
       <p:nvGrpSpPr>
@@ -3198,7 +3158,7 @@
       </p:grpSpPr>
       <p:sp>
         <p:nvSpPr>
-          <p:cNvPr id="62" name="PlaceHolder 1"/>
+          <p:cNvPr id="60" name="PlaceHolder 1"/>
           <p:cNvSpPr>
             <a:spLocks noGrp="1"/>
           </p:cNvSpPr>
@@ -3209,14 +3169,14 @@
         <p:spPr>
           <a:xfrm>
             <a:off x="504000" y="301320"/>
-            <a:ext cx="9072000" cy="1261800"/>
-          </a:xfrm>
-          <a:prstGeom prst="rect">
-            <a:avLst/>
-          </a:prstGeom>
-        </p:spPr>
-        <p:txBody>
-          <a:bodyPr lIns="0" rIns="0" tIns="0" bIns="0" anchor="ctr"/>
+            <a:ext cx="9072000" cy="1262160"/>
+          </a:xfrm>
+          <a:prstGeom prst="rect">
+            <a:avLst/>
+          </a:prstGeom>
+        </p:spPr>
+        <p:txBody>
+          <a:bodyPr anchor="ctr" bIns="0" lIns="0" rIns="0" tIns="0" wrap="none"/>
           <a:p>
             <a:pPr algn="ctr"/>
             <a:endParaRPr/>
@@ -3225,7 +3185,7 @@
       </p:sp>
       <p:sp>
         <p:nvSpPr>
-          <p:cNvPr id="63" name="PlaceHolder 2"/>
+          <p:cNvPr id="61" name="PlaceHolder 2"/>
           <p:cNvSpPr>
             <a:spLocks noGrp="1"/>
           </p:cNvSpPr>
@@ -3236,22 +3196,22 @@
         <p:spPr>
           <a:xfrm>
             <a:off x="504000" y="1768680"/>
-            <a:ext cx="4426920" cy="2090880"/>
-          </a:xfrm>
-          <a:prstGeom prst="rect">
-            <a:avLst/>
-          </a:prstGeom>
-        </p:spPr>
-        <p:txBody>
-          <a:bodyPr lIns="0" rIns="0" tIns="0" bIns="0"/>
-          <a:p>
-            <a:endParaRPr/>
-          </a:p>
-        </p:txBody>
-      </p:sp>
-      <p:sp>
-        <p:nvSpPr>
-          <p:cNvPr id="64" name="PlaceHolder 3"/>
+            <a:ext cx="4328280" cy="2090880"/>
+          </a:xfrm>
+          <a:prstGeom prst="rect">
+            <a:avLst/>
+          </a:prstGeom>
+        </p:spPr>
+        <p:txBody>
+          <a:bodyPr bIns="0" lIns="0" rIns="0" tIns="0" wrap="none"/>
+          <a:p>
+            <a:endParaRPr/>
+          </a:p>
+        </p:txBody>
+      </p:sp>
+      <p:sp>
+        <p:nvSpPr>
+          <p:cNvPr id="62" name="PlaceHolder 3"/>
           <p:cNvSpPr>
             <a:spLocks noGrp="1"/>
           </p:cNvSpPr>
@@ -3261,23 +3221,23 @@
         </p:nvSpPr>
         <p:spPr>
           <a:xfrm>
-            <a:off x="5152680" y="1768680"/>
-            <a:ext cx="4426920" cy="2090880"/>
-          </a:xfrm>
-          <a:prstGeom prst="rect">
-            <a:avLst/>
-          </a:prstGeom>
-        </p:spPr>
-        <p:txBody>
-          <a:bodyPr lIns="0" rIns="0" tIns="0" bIns="0"/>
-          <a:p>
-            <a:endParaRPr/>
-          </a:p>
-        </p:txBody>
-      </p:sp>
-      <p:sp>
-        <p:nvSpPr>
-          <p:cNvPr id="65" name="PlaceHolder 4"/>
+            <a:off x="5049000" y="1768680"/>
+            <a:ext cx="4328280" cy="2090880"/>
+          </a:xfrm>
+          <a:prstGeom prst="rect">
+            <a:avLst/>
+          </a:prstGeom>
+        </p:spPr>
+        <p:txBody>
+          <a:bodyPr bIns="0" lIns="0" rIns="0" tIns="0" wrap="none"/>
+          <a:p>
+            <a:endParaRPr/>
+          </a:p>
+        </p:txBody>
+      </p:sp>
+      <p:sp>
+        <p:nvSpPr>
+          <p:cNvPr id="63" name="PlaceHolder 4"/>
           <p:cNvSpPr>
             <a:spLocks noGrp="1"/>
           </p:cNvSpPr>
@@ -3287,23 +3247,23 @@
         </p:nvSpPr>
         <p:spPr>
           <a:xfrm>
-            <a:off x="5152680" y="4058640"/>
-            <a:ext cx="4426920" cy="2090880"/>
-          </a:xfrm>
-          <a:prstGeom prst="rect">
-            <a:avLst/>
-          </a:prstGeom>
-        </p:spPr>
-        <p:txBody>
-          <a:bodyPr lIns="0" rIns="0" tIns="0" bIns="0"/>
-          <a:p>
-            <a:endParaRPr/>
-          </a:p>
-        </p:txBody>
-      </p:sp>
-      <p:sp>
-        <p:nvSpPr>
-          <p:cNvPr id="66" name="PlaceHolder 5"/>
+            <a:off x="5049000" y="4058280"/>
+            <a:ext cx="4328280" cy="2090880"/>
+          </a:xfrm>
+          <a:prstGeom prst="rect">
+            <a:avLst/>
+          </a:prstGeom>
+        </p:spPr>
+        <p:txBody>
+          <a:bodyPr bIns="0" lIns="0" rIns="0" tIns="0" wrap="none"/>
+          <a:p>
+            <a:endParaRPr/>
+          </a:p>
+        </p:txBody>
+      </p:sp>
+      <p:sp>
+        <p:nvSpPr>
+          <p:cNvPr id="64" name="PlaceHolder 5"/>
           <p:cNvSpPr>
             <a:spLocks noGrp="1"/>
           </p:cNvSpPr>
@@ -3313,15 +3273,15 @@
         </p:nvSpPr>
         <p:spPr>
           <a:xfrm>
-            <a:off x="504000" y="4058640"/>
-            <a:ext cx="4426920" cy="2090880"/>
-          </a:xfrm>
-          <a:prstGeom prst="rect">
-            <a:avLst/>
-          </a:prstGeom>
-        </p:spPr>
-        <p:txBody>
-          <a:bodyPr lIns="0" rIns="0" tIns="0" bIns="0"/>
+            <a:off x="504000" y="4058280"/>
+            <a:ext cx="4328280" cy="2090880"/>
+          </a:xfrm>
+          <a:prstGeom prst="rect">
+            <a:avLst/>
+          </a:prstGeom>
+        </p:spPr>
+        <p:txBody>
+          <a:bodyPr bIns="0" lIns="0" rIns="0" tIns="0" wrap="none"/>
           <a:p>
             <a:endParaRPr/>
           </a:p>
@@ -3333,7 +3293,7 @@
 </file>
 
 <file path=ppt/slideLayouts/slideLayout24.xml><?xml version="1.0" encoding="utf-8"?>
-<p:sldLayout xmlns:a="http://schemas.openxmlformats.org/drawingml/2006/main" xmlns:p="http://schemas.openxmlformats.org/presentationml/2006/main" xmlns:r="http://schemas.openxmlformats.org/officeDocument/2006/relationships" type="blank" preserve="1">
+<p:sldLayout xmlns:a="http://schemas.openxmlformats.org/drawingml/2006/main" xmlns:p="http://schemas.openxmlformats.org/presentationml/2006/main" xmlns:r="http://schemas.openxmlformats.org/officeDocument/2006/relationships" preserve="1" type="blank">
   <p:cSld name="Title, 6 Content">
     <p:spTree>
       <p:nvGrpSpPr>
@@ -3351,7 +3311,7 @@
       </p:grpSpPr>
       <p:sp>
         <p:nvSpPr>
-          <p:cNvPr id="67" name="PlaceHolder 1"/>
+          <p:cNvPr id="65" name="PlaceHolder 1"/>
           <p:cNvSpPr>
             <a:spLocks noGrp="1"/>
           </p:cNvSpPr>
@@ -3362,14 +3322,14 @@
         <p:spPr>
           <a:xfrm>
             <a:off x="504000" y="301320"/>
-            <a:ext cx="9072000" cy="1261800"/>
-          </a:xfrm>
-          <a:prstGeom prst="rect">
-            <a:avLst/>
-          </a:prstGeom>
-        </p:spPr>
-        <p:txBody>
-          <a:bodyPr lIns="0" rIns="0" tIns="0" bIns="0" anchor="ctr"/>
+            <a:ext cx="9072000" cy="1262160"/>
+          </a:xfrm>
+          <a:prstGeom prst="rect">
+            <a:avLst/>
+          </a:prstGeom>
+        </p:spPr>
+        <p:txBody>
+          <a:bodyPr anchor="ctr" bIns="0" lIns="0" rIns="0" tIns="0" wrap="none"/>
           <a:p>
             <a:pPr algn="ctr"/>
             <a:endParaRPr/>
@@ -3378,7 +3338,7 @@
       </p:sp>
       <p:sp>
         <p:nvSpPr>
-          <p:cNvPr id="68" name="PlaceHolder 2"/>
+          <p:cNvPr id="66" name="PlaceHolder 2"/>
           <p:cNvSpPr>
             <a:spLocks noGrp="1"/>
           </p:cNvSpPr>
@@ -3389,22 +3349,22 @@
         <p:spPr>
           <a:xfrm>
             <a:off x="504000" y="1768680"/>
-            <a:ext cx="9072000" cy="4384080"/>
-          </a:xfrm>
-          <a:prstGeom prst="rect">
-            <a:avLst/>
-          </a:prstGeom>
-        </p:spPr>
-        <p:txBody>
-          <a:bodyPr lIns="0" rIns="0" tIns="0" bIns="0"/>
-          <a:p>
-            <a:endParaRPr/>
-          </a:p>
-        </p:txBody>
-      </p:sp>
-      <p:sp>
-        <p:nvSpPr>
-          <p:cNvPr id="69" name="PlaceHolder 3"/>
+            <a:ext cx="4328280" cy="2090880"/>
+          </a:xfrm>
+          <a:prstGeom prst="rect">
+            <a:avLst/>
+          </a:prstGeom>
+        </p:spPr>
+        <p:txBody>
+          <a:bodyPr bIns="0" lIns="0" rIns="0" tIns="0" wrap="none"/>
+          <a:p>
+            <a:endParaRPr/>
+          </a:p>
+        </p:txBody>
+      </p:sp>
+      <p:sp>
+        <p:nvSpPr>
+          <p:cNvPr id="67" name="PlaceHolder 3"/>
           <p:cNvSpPr>
             <a:spLocks noGrp="1"/>
           </p:cNvSpPr>
@@ -3414,73 +3374,27 @@
         </p:nvSpPr>
         <p:spPr>
           <a:xfrm>
-            <a:off x="504000" y="1768680"/>
-            <a:ext cx="9072000" cy="4384080"/>
-          </a:xfrm>
-          <a:prstGeom prst="rect">
-            <a:avLst/>
-          </a:prstGeom>
-        </p:spPr>
-        <p:txBody>
-          <a:bodyPr lIns="0" rIns="0" tIns="0" bIns="0"/>
-          <a:p>
-            <a:endParaRPr/>
-          </a:p>
-        </p:txBody>
-      </p:sp>
-      <p:pic>
-        <p:nvPicPr>
-          <p:cNvPr id="70" name="" descr=""/>
-          <p:cNvPicPr/>
-          <p:nvPr/>
-        </p:nvPicPr>
-        <p:blipFill>
-          <a:blip r:embed="rId2"/>
-          <a:stretch/>
-        </p:blipFill>
-        <p:spPr>
-          <a:xfrm>
-            <a:off x="2292120" y="1768680"/>
-            <a:ext cx="5495400" cy="4384080"/>
-          </a:xfrm>
-          <a:prstGeom prst="rect">
-            <a:avLst/>
-          </a:prstGeom>
-          <a:ln>
-            <a:noFill/>
-          </a:ln>
-        </p:spPr>
-      </p:pic>
-      <p:pic>
-        <p:nvPicPr>
-          <p:cNvPr id="71" name="" descr=""/>
-          <p:cNvPicPr/>
-          <p:nvPr/>
-        </p:nvPicPr>
-        <p:blipFill>
-          <a:blip r:embed="rId3"/>
-          <a:stretch/>
-        </p:blipFill>
-        <p:spPr>
-          <a:xfrm>
-            <a:off x="2292120" y="1768680"/>
-            <a:ext cx="5495400" cy="4384080"/>
-          </a:xfrm>
-          <a:prstGeom prst="rect">
-            <a:avLst/>
-          </a:prstGeom>
-          <a:ln>
-            <a:noFill/>
-          </a:ln>
-        </p:spPr>
-      </p:pic>
+            <a:off x="5049000" y="1768680"/>
+            <a:ext cx="4328280" cy="2090880"/>
+          </a:xfrm>
+          <a:prstGeom prst="rect">
+            <a:avLst/>
+          </a:prstGeom>
+        </p:spPr>
+        <p:txBody>
+          <a:bodyPr bIns="0" lIns="0" rIns="0" tIns="0" wrap="none"/>
+          <a:p>
+            <a:endParaRPr/>
+          </a:p>
+        </p:txBody>
+      </p:sp>
     </p:spTree>
   </p:cSld>
 </p:sldLayout>
 </file>
 
 <file path=ppt/slideLayouts/slideLayout25.xml><?xml version="1.0" encoding="utf-8"?>
-<p:sldLayout xmlns:a="http://schemas.openxmlformats.org/drawingml/2006/main" xmlns:p="http://schemas.openxmlformats.org/presentationml/2006/main" xmlns:r="http://schemas.openxmlformats.org/officeDocument/2006/relationships" type="blank" preserve="1">
+<p:sldLayout xmlns:a="http://schemas.openxmlformats.org/drawingml/2006/main" xmlns:p="http://schemas.openxmlformats.org/presentationml/2006/main" xmlns:r="http://schemas.openxmlformats.org/officeDocument/2006/relationships" preserve="1" type="blank">
   <p:cSld name="Blank Slide">
     <p:spTree>
       <p:nvGrpSpPr>
@@ -3502,7 +3416,7 @@
 </file>
 
 <file path=ppt/slideLayouts/slideLayout26.xml><?xml version="1.0" encoding="utf-8"?>
-<p:sldLayout xmlns:a="http://schemas.openxmlformats.org/drawingml/2006/main" xmlns:p="http://schemas.openxmlformats.org/presentationml/2006/main" xmlns:r="http://schemas.openxmlformats.org/officeDocument/2006/relationships" type="tx" preserve="1">
+<p:sldLayout xmlns:a="http://schemas.openxmlformats.org/drawingml/2006/main" xmlns:p="http://schemas.openxmlformats.org/presentationml/2006/main" xmlns:r="http://schemas.openxmlformats.org/officeDocument/2006/relationships" preserve="1" type="tx">
   <p:cSld name="Title Slide">
     <p:spTree>
       <p:nvGrpSpPr>
@@ -3520,7 +3434,7 @@
       </p:grpSpPr>
       <p:sp>
         <p:nvSpPr>
-          <p:cNvPr id="77" name="PlaceHolder 1"/>
+          <p:cNvPr id="70" name="PlaceHolder 1"/>
           <p:cNvSpPr>
             <a:spLocks noGrp="1"/>
           </p:cNvSpPr>
@@ -3531,14 +3445,14 @@
         <p:spPr>
           <a:xfrm>
             <a:off x="504000" y="301320"/>
-            <a:ext cx="9072000" cy="1261800"/>
-          </a:xfrm>
-          <a:prstGeom prst="rect">
-            <a:avLst/>
-          </a:prstGeom>
-        </p:spPr>
-        <p:txBody>
-          <a:bodyPr lIns="0" rIns="0" tIns="0" bIns="0" anchor="ctr"/>
+            <a:ext cx="9072000" cy="1262160"/>
+          </a:xfrm>
+          <a:prstGeom prst="rect">
+            <a:avLst/>
+          </a:prstGeom>
+        </p:spPr>
+        <p:txBody>
+          <a:bodyPr anchor="ctr" bIns="0" lIns="0" rIns="0" tIns="0" wrap="none"/>
           <a:p>
             <a:pPr algn="ctr"/>
             <a:endParaRPr/>
@@ -3547,7 +3461,7 @@
       </p:sp>
       <p:sp>
         <p:nvSpPr>
-          <p:cNvPr id="78" name="PlaceHolder 2"/>
+          <p:cNvPr id="71" name="PlaceHolder 2"/>
           <p:cNvSpPr>
             <a:spLocks noGrp="1"/>
           </p:cNvSpPr>
@@ -3558,14 +3472,14 @@
         <p:spPr>
           <a:xfrm>
             <a:off x="504000" y="1768680"/>
-            <a:ext cx="9072000" cy="4384080"/>
-          </a:xfrm>
-          <a:prstGeom prst="rect">
-            <a:avLst/>
-          </a:prstGeom>
-        </p:spPr>
-        <p:txBody>
-          <a:bodyPr lIns="0" rIns="0" tIns="0" bIns="0" anchor="ctr"/>
+            <a:ext cx="8870400" cy="4384440"/>
+          </a:xfrm>
+          <a:prstGeom prst="rect">
+            <a:avLst/>
+          </a:prstGeom>
+        </p:spPr>
+        <p:txBody>
+          <a:bodyPr anchor="ctr" bIns="0" lIns="0" rIns="0" tIns="0" wrap="none"/>
           <a:p>
             <a:pPr algn="ctr"/>
             <a:endParaRPr/>
@@ -3578,7 +3492,7 @@
 </file>
 
 <file path=ppt/slideLayouts/slideLayout27.xml><?xml version="1.0" encoding="utf-8"?>
-<p:sldLayout xmlns:a="http://schemas.openxmlformats.org/drawingml/2006/main" xmlns:p="http://schemas.openxmlformats.org/presentationml/2006/main" xmlns:r="http://schemas.openxmlformats.org/officeDocument/2006/relationships" type="obj" preserve="1">
+<p:sldLayout xmlns:a="http://schemas.openxmlformats.org/drawingml/2006/main" xmlns:p="http://schemas.openxmlformats.org/presentationml/2006/main" xmlns:r="http://schemas.openxmlformats.org/officeDocument/2006/relationships" preserve="1" type="obj">
   <p:cSld name="Title, Content">
     <p:spTree>
       <p:nvGrpSpPr>
@@ -3596,7 +3510,7 @@
       </p:grpSpPr>
       <p:sp>
         <p:nvSpPr>
-          <p:cNvPr id="79" name="PlaceHolder 1"/>
+          <p:cNvPr id="72" name="PlaceHolder 1"/>
           <p:cNvSpPr>
             <a:spLocks noGrp="1"/>
           </p:cNvSpPr>
@@ -3607,14 +3521,14 @@
         <p:spPr>
           <a:xfrm>
             <a:off x="504000" y="301320"/>
-            <a:ext cx="9072000" cy="1261800"/>
-          </a:xfrm>
-          <a:prstGeom prst="rect">
-            <a:avLst/>
-          </a:prstGeom>
-        </p:spPr>
-        <p:txBody>
-          <a:bodyPr lIns="0" rIns="0" tIns="0" bIns="0" anchor="ctr"/>
+            <a:ext cx="9072000" cy="1262160"/>
+          </a:xfrm>
+          <a:prstGeom prst="rect">
+            <a:avLst/>
+          </a:prstGeom>
+        </p:spPr>
+        <p:txBody>
+          <a:bodyPr anchor="ctr" bIns="0" lIns="0" rIns="0" tIns="0" wrap="none"/>
           <a:p>
             <a:pPr algn="ctr"/>
             <a:endParaRPr/>
@@ -3623,7 +3537,7 @@
       </p:sp>
       <p:sp>
         <p:nvSpPr>
-          <p:cNvPr id="80" name="PlaceHolder 2"/>
+          <p:cNvPr id="73" name="PlaceHolder 2"/>
           <p:cNvSpPr>
             <a:spLocks noGrp="1"/>
           </p:cNvSpPr>
@@ -3634,14 +3548,14 @@
         <p:spPr>
           <a:xfrm>
             <a:off x="504000" y="1768680"/>
-            <a:ext cx="9072000" cy="4384080"/>
-          </a:xfrm>
-          <a:prstGeom prst="rect">
-            <a:avLst/>
-          </a:prstGeom>
-        </p:spPr>
-        <p:txBody>
-          <a:bodyPr lIns="0" rIns="0" tIns="0" bIns="0"/>
+            <a:ext cx="8870400" cy="4384080"/>
+          </a:xfrm>
+          <a:prstGeom prst="rect">
+            <a:avLst/>
+          </a:prstGeom>
+        </p:spPr>
+        <p:txBody>
+          <a:bodyPr bIns="0" lIns="0" rIns="0" tIns="0" wrap="none"/>
           <a:p>
             <a:endParaRPr/>
           </a:p>
@@ -3653,7 +3567,7 @@
 </file>
 
 <file path=ppt/slideLayouts/slideLayout28.xml><?xml version="1.0" encoding="utf-8"?>
-<p:sldLayout xmlns:a="http://schemas.openxmlformats.org/drawingml/2006/main" xmlns:p="http://schemas.openxmlformats.org/presentationml/2006/main" xmlns:r="http://schemas.openxmlformats.org/officeDocument/2006/relationships" type="twoObj" preserve="1">
+<p:sldLayout xmlns:a="http://schemas.openxmlformats.org/drawingml/2006/main" xmlns:p="http://schemas.openxmlformats.org/presentationml/2006/main" xmlns:r="http://schemas.openxmlformats.org/officeDocument/2006/relationships" preserve="1" type="twoObj">
   <p:cSld name="Title, 2 Content">
     <p:spTree>
       <p:nvGrpSpPr>
@@ -3671,7 +3585,7 @@
       </p:grpSpPr>
       <p:sp>
         <p:nvSpPr>
-          <p:cNvPr id="81" name="PlaceHolder 1"/>
+          <p:cNvPr id="74" name="PlaceHolder 1"/>
           <p:cNvSpPr>
             <a:spLocks noGrp="1"/>
           </p:cNvSpPr>
@@ -3682,14 +3596,14 @@
         <p:spPr>
           <a:xfrm>
             <a:off x="504000" y="301320"/>
-            <a:ext cx="9072000" cy="1261800"/>
-          </a:xfrm>
-          <a:prstGeom prst="rect">
-            <a:avLst/>
-          </a:prstGeom>
-        </p:spPr>
-        <p:txBody>
-          <a:bodyPr lIns="0" rIns="0" tIns="0" bIns="0" anchor="ctr"/>
+            <a:ext cx="9072000" cy="1262160"/>
+          </a:xfrm>
+          <a:prstGeom prst="rect">
+            <a:avLst/>
+          </a:prstGeom>
+        </p:spPr>
+        <p:txBody>
+          <a:bodyPr anchor="ctr" bIns="0" lIns="0" rIns="0" tIns="0" wrap="none"/>
           <a:p>
             <a:pPr algn="ctr"/>
             <a:endParaRPr/>
@@ -3698,7 +3612,7 @@
       </p:sp>
       <p:sp>
         <p:nvSpPr>
-          <p:cNvPr id="82" name="PlaceHolder 2"/>
+          <p:cNvPr id="75" name="PlaceHolder 2"/>
           <p:cNvSpPr>
             <a:spLocks noGrp="1"/>
           </p:cNvSpPr>
@@ -3709,22 +3623,22 @@
         <p:spPr>
           <a:xfrm>
             <a:off x="504000" y="1768680"/>
-            <a:ext cx="4426920" cy="4384080"/>
-          </a:xfrm>
-          <a:prstGeom prst="rect">
-            <a:avLst/>
-          </a:prstGeom>
-        </p:spPr>
-        <p:txBody>
-          <a:bodyPr lIns="0" rIns="0" tIns="0" bIns="0"/>
-          <a:p>
-            <a:endParaRPr/>
-          </a:p>
-        </p:txBody>
-      </p:sp>
-      <p:sp>
-        <p:nvSpPr>
-          <p:cNvPr id="83" name="PlaceHolder 3"/>
+            <a:ext cx="4328280" cy="4384080"/>
+          </a:xfrm>
+          <a:prstGeom prst="rect">
+            <a:avLst/>
+          </a:prstGeom>
+        </p:spPr>
+        <p:txBody>
+          <a:bodyPr bIns="0" lIns="0" rIns="0" tIns="0" wrap="none"/>
+          <a:p>
+            <a:endParaRPr/>
+          </a:p>
+        </p:txBody>
+      </p:sp>
+      <p:sp>
+        <p:nvSpPr>
+          <p:cNvPr id="76" name="PlaceHolder 3"/>
           <p:cNvSpPr>
             <a:spLocks noGrp="1"/>
           </p:cNvSpPr>
@@ -3734,15 +3648,15 @@
         </p:nvSpPr>
         <p:spPr>
           <a:xfrm>
-            <a:off x="5152680" y="1768680"/>
-            <a:ext cx="4426920" cy="4384080"/>
-          </a:xfrm>
-          <a:prstGeom prst="rect">
-            <a:avLst/>
-          </a:prstGeom>
-        </p:spPr>
-        <p:txBody>
-          <a:bodyPr lIns="0" rIns="0" tIns="0" bIns="0"/>
+            <a:off x="5049000" y="1768680"/>
+            <a:ext cx="4328280" cy="4384080"/>
+          </a:xfrm>
+          <a:prstGeom prst="rect">
+            <a:avLst/>
+          </a:prstGeom>
+        </p:spPr>
+        <p:txBody>
+          <a:bodyPr bIns="0" lIns="0" rIns="0" tIns="0" wrap="none"/>
           <a:p>
             <a:endParaRPr/>
           </a:p>
@@ -3754,7 +3668,7 @@
 </file>
 
 <file path=ppt/slideLayouts/slideLayout29.xml><?xml version="1.0" encoding="utf-8"?>
-<p:sldLayout xmlns:a="http://schemas.openxmlformats.org/drawingml/2006/main" xmlns:p="http://schemas.openxmlformats.org/presentationml/2006/main" xmlns:r="http://schemas.openxmlformats.org/officeDocument/2006/relationships" type="titleOnly" preserve="1">
+<p:sldLayout xmlns:a="http://schemas.openxmlformats.org/drawingml/2006/main" xmlns:p="http://schemas.openxmlformats.org/presentationml/2006/main" xmlns:r="http://schemas.openxmlformats.org/officeDocument/2006/relationships" preserve="1" type="titleOnly">
   <p:cSld name="Title Only">
     <p:spTree>
       <p:nvGrpSpPr>
@@ -3772,7 +3686,7 @@
       </p:grpSpPr>
       <p:sp>
         <p:nvSpPr>
-          <p:cNvPr id="84" name="PlaceHolder 1"/>
+          <p:cNvPr id="77" name="PlaceHolder 1"/>
           <p:cNvSpPr>
             <a:spLocks noGrp="1"/>
           </p:cNvSpPr>
@@ -3783,14 +3697,14 @@
         <p:spPr>
           <a:xfrm>
             <a:off x="504000" y="301320"/>
-            <a:ext cx="9072000" cy="1261800"/>
-          </a:xfrm>
-          <a:prstGeom prst="rect">
-            <a:avLst/>
-          </a:prstGeom>
-        </p:spPr>
-        <p:txBody>
-          <a:bodyPr lIns="0" rIns="0" tIns="0" bIns="0" anchor="ctr"/>
+            <a:ext cx="9072000" cy="1262160"/>
+          </a:xfrm>
+          <a:prstGeom prst="rect">
+            <a:avLst/>
+          </a:prstGeom>
+        </p:spPr>
+        <p:txBody>
+          <a:bodyPr anchor="ctr" bIns="0" lIns="0" rIns="0" tIns="0" wrap="none"/>
           <a:p>
             <a:pPr algn="ctr"/>
             <a:endParaRPr/>
@@ -3803,7 +3717,7 @@
 </file>
 
 <file path=ppt/slideLayouts/slideLayout3.xml><?xml version="1.0" encoding="utf-8"?>
-<p:sldLayout xmlns:a="http://schemas.openxmlformats.org/drawingml/2006/main" xmlns:p="http://schemas.openxmlformats.org/presentationml/2006/main" xmlns:r="http://schemas.openxmlformats.org/officeDocument/2006/relationships" type="obj" preserve="1">
+<p:sldLayout xmlns:a="http://schemas.openxmlformats.org/drawingml/2006/main" xmlns:p="http://schemas.openxmlformats.org/presentationml/2006/main" xmlns:r="http://schemas.openxmlformats.org/officeDocument/2006/relationships" preserve="1" type="obj">
   <p:cSld name="Title, Content">
     <p:spTree>
       <p:nvGrpSpPr>
@@ -3832,14 +3746,14 @@
         <p:spPr>
           <a:xfrm>
             <a:off x="504000" y="301320"/>
-            <a:ext cx="9072000" cy="1261800"/>
-          </a:xfrm>
-          <a:prstGeom prst="rect">
-            <a:avLst/>
-          </a:prstGeom>
-        </p:spPr>
-        <p:txBody>
-          <a:bodyPr lIns="0" rIns="0" tIns="0" bIns="0" anchor="ctr"/>
+            <a:ext cx="9072000" cy="1262160"/>
+          </a:xfrm>
+          <a:prstGeom prst="rect">
+            <a:avLst/>
+          </a:prstGeom>
+        </p:spPr>
+        <p:txBody>
+          <a:bodyPr anchor="ctr" bIns="0" lIns="0" rIns="0" tIns="0" wrap="none"/>
           <a:p>
             <a:pPr algn="ctr"/>
             <a:endParaRPr/>
@@ -3859,14 +3773,14 @@
         <p:spPr>
           <a:xfrm>
             <a:off x="504000" y="1768680"/>
-            <a:ext cx="9072000" cy="4384080"/>
-          </a:xfrm>
-          <a:prstGeom prst="rect">
-            <a:avLst/>
-          </a:prstGeom>
-        </p:spPr>
-        <p:txBody>
-          <a:bodyPr lIns="0" rIns="0" tIns="0" bIns="0"/>
+            <a:ext cx="8870400" cy="4384080"/>
+          </a:xfrm>
+          <a:prstGeom prst="rect">
+            <a:avLst/>
+          </a:prstGeom>
+        </p:spPr>
+        <p:txBody>
+          <a:bodyPr bIns="0" lIns="0" rIns="0" tIns="0" wrap="none"/>
           <a:p>
             <a:endParaRPr/>
           </a:p>
@@ -3878,7 +3792,7 @@
 </file>
 
 <file path=ppt/slideLayouts/slideLayout30.xml><?xml version="1.0" encoding="utf-8"?>
-<p:sldLayout xmlns:a="http://schemas.openxmlformats.org/drawingml/2006/main" xmlns:p="http://schemas.openxmlformats.org/presentationml/2006/main" xmlns:r="http://schemas.openxmlformats.org/officeDocument/2006/relationships" type="objOnly" preserve="1">
+<p:sldLayout xmlns:a="http://schemas.openxmlformats.org/drawingml/2006/main" xmlns:p="http://schemas.openxmlformats.org/presentationml/2006/main" xmlns:r="http://schemas.openxmlformats.org/officeDocument/2006/relationships" preserve="1" type="objOnly">
   <p:cSld name="Centered Text">
     <p:spTree>
       <p:nvGrpSpPr>
@@ -3896,7 +3810,7 @@
       </p:grpSpPr>
       <p:sp>
         <p:nvSpPr>
-          <p:cNvPr id="85" name="PlaceHolder 1"/>
+          <p:cNvPr id="78" name="PlaceHolder 1"/>
           <p:cNvSpPr>
             <a:spLocks noGrp="1"/>
           </p:cNvSpPr>
@@ -3907,14 +3821,14 @@
         <p:spPr>
           <a:xfrm>
             <a:off x="504000" y="301320"/>
-            <a:ext cx="9072000" cy="5850360"/>
-          </a:xfrm>
-          <a:prstGeom prst="rect">
-            <a:avLst/>
-          </a:prstGeom>
-        </p:spPr>
-        <p:txBody>
-          <a:bodyPr lIns="0" rIns="0" tIns="0" bIns="0" anchor="ctr"/>
+            <a:ext cx="9072000" cy="5851440"/>
+          </a:xfrm>
+          <a:prstGeom prst="rect">
+            <a:avLst/>
+          </a:prstGeom>
+        </p:spPr>
+        <p:txBody>
+          <a:bodyPr anchor="ctr" bIns="0" lIns="0" rIns="0" tIns="0" wrap="none"/>
           <a:p>
             <a:pPr algn="ctr"/>
             <a:endParaRPr/>
@@ -3927,7 +3841,7 @@
 </file>
 
 <file path=ppt/slideLayouts/slideLayout31.xml><?xml version="1.0" encoding="utf-8"?>
-<p:sldLayout xmlns:a="http://schemas.openxmlformats.org/drawingml/2006/main" xmlns:p="http://schemas.openxmlformats.org/presentationml/2006/main" xmlns:r="http://schemas.openxmlformats.org/officeDocument/2006/relationships" type="twoObjAndObj" preserve="1">
+<p:sldLayout xmlns:a="http://schemas.openxmlformats.org/drawingml/2006/main" xmlns:p="http://schemas.openxmlformats.org/presentationml/2006/main" xmlns:r="http://schemas.openxmlformats.org/officeDocument/2006/relationships" preserve="1" type="twoObjAndObj">
   <p:cSld name="Title, 2 Content and Content">
     <p:spTree>
       <p:nvGrpSpPr>
@@ -3945,7 +3859,7 @@
       </p:grpSpPr>
       <p:sp>
         <p:nvSpPr>
-          <p:cNvPr id="86" name="PlaceHolder 1"/>
+          <p:cNvPr id="79" name="PlaceHolder 1"/>
           <p:cNvSpPr>
             <a:spLocks noGrp="1"/>
           </p:cNvSpPr>
@@ -3956,14 +3870,14 @@
         <p:spPr>
           <a:xfrm>
             <a:off x="504000" y="301320"/>
-            <a:ext cx="9072000" cy="1261800"/>
-          </a:xfrm>
-          <a:prstGeom prst="rect">
-            <a:avLst/>
-          </a:prstGeom>
-        </p:spPr>
-        <p:txBody>
-          <a:bodyPr lIns="0" rIns="0" tIns="0" bIns="0" anchor="ctr"/>
+            <a:ext cx="9072000" cy="1262160"/>
+          </a:xfrm>
+          <a:prstGeom prst="rect">
+            <a:avLst/>
+          </a:prstGeom>
+        </p:spPr>
+        <p:txBody>
+          <a:bodyPr anchor="ctr" bIns="0" lIns="0" rIns="0" tIns="0" wrap="none"/>
           <a:p>
             <a:pPr algn="ctr"/>
             <a:endParaRPr/>
@@ -3972,7 +3886,7 @@
       </p:sp>
       <p:sp>
         <p:nvSpPr>
-          <p:cNvPr id="87" name="PlaceHolder 2"/>
+          <p:cNvPr id="80" name="PlaceHolder 2"/>
           <p:cNvSpPr>
             <a:spLocks noGrp="1"/>
           </p:cNvSpPr>
@@ -3983,22 +3897,22 @@
         <p:spPr>
           <a:xfrm>
             <a:off x="504000" y="1768680"/>
-            <a:ext cx="4426920" cy="2090880"/>
-          </a:xfrm>
-          <a:prstGeom prst="rect">
-            <a:avLst/>
-          </a:prstGeom>
-        </p:spPr>
-        <p:txBody>
-          <a:bodyPr lIns="0" rIns="0" tIns="0" bIns="0"/>
-          <a:p>
-            <a:endParaRPr/>
-          </a:p>
-        </p:txBody>
-      </p:sp>
-      <p:sp>
-        <p:nvSpPr>
-          <p:cNvPr id="88" name="PlaceHolder 3"/>
+            <a:ext cx="4328280" cy="2090880"/>
+          </a:xfrm>
+          <a:prstGeom prst="rect">
+            <a:avLst/>
+          </a:prstGeom>
+        </p:spPr>
+        <p:txBody>
+          <a:bodyPr bIns="0" lIns="0" rIns="0" tIns="0" wrap="none"/>
+          <a:p>
+            <a:endParaRPr/>
+          </a:p>
+        </p:txBody>
+      </p:sp>
+      <p:sp>
+        <p:nvSpPr>
+          <p:cNvPr id="81" name="PlaceHolder 3"/>
           <p:cNvSpPr>
             <a:spLocks noGrp="1"/>
           </p:cNvSpPr>
@@ -4008,23 +3922,23 @@
         </p:nvSpPr>
         <p:spPr>
           <a:xfrm>
-            <a:off x="504000" y="4058640"/>
-            <a:ext cx="4426920" cy="2090880"/>
-          </a:xfrm>
-          <a:prstGeom prst="rect">
-            <a:avLst/>
-          </a:prstGeom>
-        </p:spPr>
-        <p:txBody>
-          <a:bodyPr lIns="0" rIns="0" tIns="0" bIns="0"/>
-          <a:p>
-            <a:endParaRPr/>
-          </a:p>
-        </p:txBody>
-      </p:sp>
-      <p:sp>
-        <p:nvSpPr>
-          <p:cNvPr id="89" name="PlaceHolder 4"/>
+            <a:off x="504000" y="4058280"/>
+            <a:ext cx="4328280" cy="2090880"/>
+          </a:xfrm>
+          <a:prstGeom prst="rect">
+            <a:avLst/>
+          </a:prstGeom>
+        </p:spPr>
+        <p:txBody>
+          <a:bodyPr bIns="0" lIns="0" rIns="0" tIns="0" wrap="none"/>
+          <a:p>
+            <a:endParaRPr/>
+          </a:p>
+        </p:txBody>
+      </p:sp>
+      <p:sp>
+        <p:nvSpPr>
+          <p:cNvPr id="82" name="PlaceHolder 4"/>
           <p:cNvSpPr>
             <a:spLocks noGrp="1"/>
           </p:cNvSpPr>
@@ -4034,15 +3948,15 @@
         </p:nvSpPr>
         <p:spPr>
           <a:xfrm>
-            <a:off x="5152680" y="1768680"/>
-            <a:ext cx="4426920" cy="4384080"/>
-          </a:xfrm>
-          <a:prstGeom prst="rect">
-            <a:avLst/>
-          </a:prstGeom>
-        </p:spPr>
-        <p:txBody>
-          <a:bodyPr lIns="0" rIns="0" tIns="0" bIns="0"/>
+            <a:off x="5049000" y="1768680"/>
+            <a:ext cx="4328280" cy="4384080"/>
+          </a:xfrm>
+          <a:prstGeom prst="rect">
+            <a:avLst/>
+          </a:prstGeom>
+        </p:spPr>
+        <p:txBody>
+          <a:bodyPr bIns="0" lIns="0" rIns="0" tIns="0" wrap="none"/>
           <a:p>
             <a:endParaRPr/>
           </a:p>
@@ -4054,7 +3968,7 @@
 </file>
 
 <file path=ppt/slideLayouts/slideLayout32.xml><?xml version="1.0" encoding="utf-8"?>
-<p:sldLayout xmlns:a="http://schemas.openxmlformats.org/drawingml/2006/main" xmlns:p="http://schemas.openxmlformats.org/presentationml/2006/main" xmlns:r="http://schemas.openxmlformats.org/officeDocument/2006/relationships" type="objAndTwoObj" preserve="1">
+<p:sldLayout xmlns:a="http://schemas.openxmlformats.org/drawingml/2006/main" xmlns:p="http://schemas.openxmlformats.org/presentationml/2006/main" xmlns:r="http://schemas.openxmlformats.org/officeDocument/2006/relationships" preserve="1" type="objAndTwoObj">
   <p:cSld name="Title Content and 2 Content">
     <p:spTree>
       <p:nvGrpSpPr>
@@ -4072,7 +3986,7 @@
       </p:grpSpPr>
       <p:sp>
         <p:nvSpPr>
-          <p:cNvPr id="90" name="PlaceHolder 1"/>
+          <p:cNvPr id="83" name="PlaceHolder 1"/>
           <p:cNvSpPr>
             <a:spLocks noGrp="1"/>
           </p:cNvSpPr>
@@ -4083,14 +3997,14 @@
         <p:spPr>
           <a:xfrm>
             <a:off x="504000" y="301320"/>
-            <a:ext cx="9072000" cy="1261800"/>
-          </a:xfrm>
-          <a:prstGeom prst="rect">
-            <a:avLst/>
-          </a:prstGeom>
-        </p:spPr>
-        <p:txBody>
-          <a:bodyPr lIns="0" rIns="0" tIns="0" bIns="0" anchor="ctr"/>
+            <a:ext cx="9072000" cy="1262160"/>
+          </a:xfrm>
+          <a:prstGeom prst="rect">
+            <a:avLst/>
+          </a:prstGeom>
+        </p:spPr>
+        <p:txBody>
+          <a:bodyPr anchor="ctr" bIns="0" lIns="0" rIns="0" tIns="0" wrap="none"/>
           <a:p>
             <a:pPr algn="ctr"/>
             <a:endParaRPr/>
@@ -4099,7 +4013,7 @@
       </p:sp>
       <p:sp>
         <p:nvSpPr>
-          <p:cNvPr id="91" name="PlaceHolder 2"/>
+          <p:cNvPr id="84" name="PlaceHolder 2"/>
           <p:cNvSpPr>
             <a:spLocks noGrp="1"/>
           </p:cNvSpPr>
@@ -4110,22 +4024,22 @@
         <p:spPr>
           <a:xfrm>
             <a:off x="504000" y="1768680"/>
-            <a:ext cx="4426920" cy="4384080"/>
-          </a:xfrm>
-          <a:prstGeom prst="rect">
-            <a:avLst/>
-          </a:prstGeom>
-        </p:spPr>
-        <p:txBody>
-          <a:bodyPr lIns="0" rIns="0" tIns="0" bIns="0"/>
-          <a:p>
-            <a:endParaRPr/>
-          </a:p>
-        </p:txBody>
-      </p:sp>
-      <p:sp>
-        <p:nvSpPr>
-          <p:cNvPr id="92" name="PlaceHolder 3"/>
+            <a:ext cx="4328280" cy="4384080"/>
+          </a:xfrm>
+          <a:prstGeom prst="rect">
+            <a:avLst/>
+          </a:prstGeom>
+        </p:spPr>
+        <p:txBody>
+          <a:bodyPr bIns="0" lIns="0" rIns="0" tIns="0" wrap="none"/>
+          <a:p>
+            <a:endParaRPr/>
+          </a:p>
+        </p:txBody>
+      </p:sp>
+      <p:sp>
+        <p:nvSpPr>
+          <p:cNvPr id="85" name="PlaceHolder 3"/>
           <p:cNvSpPr>
             <a:spLocks noGrp="1"/>
           </p:cNvSpPr>
@@ -4135,23 +4049,23 @@
         </p:nvSpPr>
         <p:spPr>
           <a:xfrm>
-            <a:off x="5152680" y="1768680"/>
-            <a:ext cx="4426920" cy="2090880"/>
-          </a:xfrm>
-          <a:prstGeom prst="rect">
-            <a:avLst/>
-          </a:prstGeom>
-        </p:spPr>
-        <p:txBody>
-          <a:bodyPr lIns="0" rIns="0" tIns="0" bIns="0"/>
-          <a:p>
-            <a:endParaRPr/>
-          </a:p>
-        </p:txBody>
-      </p:sp>
-      <p:sp>
-        <p:nvSpPr>
-          <p:cNvPr id="93" name="PlaceHolder 4"/>
+            <a:off x="5049000" y="1768680"/>
+            <a:ext cx="4328280" cy="2090880"/>
+          </a:xfrm>
+          <a:prstGeom prst="rect">
+            <a:avLst/>
+          </a:prstGeom>
+        </p:spPr>
+        <p:txBody>
+          <a:bodyPr bIns="0" lIns="0" rIns="0" tIns="0" wrap="none"/>
+          <a:p>
+            <a:endParaRPr/>
+          </a:p>
+        </p:txBody>
+      </p:sp>
+      <p:sp>
+        <p:nvSpPr>
+          <p:cNvPr id="86" name="PlaceHolder 4"/>
           <p:cNvSpPr>
             <a:spLocks noGrp="1"/>
           </p:cNvSpPr>
@@ -4161,15 +4075,15 @@
         </p:nvSpPr>
         <p:spPr>
           <a:xfrm>
-            <a:off x="5152680" y="4058640"/>
-            <a:ext cx="4426920" cy="2090880"/>
-          </a:xfrm>
-          <a:prstGeom prst="rect">
-            <a:avLst/>
-          </a:prstGeom>
-        </p:spPr>
-        <p:txBody>
-          <a:bodyPr lIns="0" rIns="0" tIns="0" bIns="0"/>
+            <a:off x="5049000" y="4058280"/>
+            <a:ext cx="4328280" cy="2090880"/>
+          </a:xfrm>
+          <a:prstGeom prst="rect">
+            <a:avLst/>
+          </a:prstGeom>
+        </p:spPr>
+        <p:txBody>
+          <a:bodyPr bIns="0" lIns="0" rIns="0" tIns="0" wrap="none"/>
           <a:p>
             <a:endParaRPr/>
           </a:p>
@@ -4181,7 +4095,7 @@
 </file>
 
 <file path=ppt/slideLayouts/slideLayout33.xml><?xml version="1.0" encoding="utf-8"?>
-<p:sldLayout xmlns:a="http://schemas.openxmlformats.org/drawingml/2006/main" xmlns:p="http://schemas.openxmlformats.org/presentationml/2006/main" xmlns:r="http://schemas.openxmlformats.org/officeDocument/2006/relationships" type="twoObjOverTx" preserve="1">
+<p:sldLayout xmlns:a="http://schemas.openxmlformats.org/drawingml/2006/main" xmlns:p="http://schemas.openxmlformats.org/presentationml/2006/main" xmlns:r="http://schemas.openxmlformats.org/officeDocument/2006/relationships" preserve="1" type="twoObjOverTx">
   <p:cSld name="Title, 2 Content over Content">
     <p:spTree>
       <p:nvGrpSpPr>
@@ -4199,7 +4113,7 @@
       </p:grpSpPr>
       <p:sp>
         <p:nvSpPr>
-          <p:cNvPr id="94" name="PlaceHolder 1"/>
+          <p:cNvPr id="87" name="PlaceHolder 1"/>
           <p:cNvSpPr>
             <a:spLocks noGrp="1"/>
           </p:cNvSpPr>
@@ -4210,14 +4124,14 @@
         <p:spPr>
           <a:xfrm>
             <a:off x="504000" y="301320"/>
-            <a:ext cx="9072000" cy="1261800"/>
-          </a:xfrm>
-          <a:prstGeom prst="rect">
-            <a:avLst/>
-          </a:prstGeom>
-        </p:spPr>
-        <p:txBody>
-          <a:bodyPr lIns="0" rIns="0" tIns="0" bIns="0" anchor="ctr"/>
+            <a:ext cx="9072000" cy="1262160"/>
+          </a:xfrm>
+          <a:prstGeom prst="rect">
+            <a:avLst/>
+          </a:prstGeom>
+        </p:spPr>
+        <p:txBody>
+          <a:bodyPr anchor="ctr" bIns="0" lIns="0" rIns="0" tIns="0" wrap="none"/>
           <a:p>
             <a:pPr algn="ctr"/>
             <a:endParaRPr/>
@@ -4226,7 +4140,7 @@
       </p:sp>
       <p:sp>
         <p:nvSpPr>
-          <p:cNvPr id="95" name="PlaceHolder 2"/>
+          <p:cNvPr id="88" name="PlaceHolder 2"/>
           <p:cNvSpPr>
             <a:spLocks noGrp="1"/>
           </p:cNvSpPr>
@@ -4237,22 +4151,22 @@
         <p:spPr>
           <a:xfrm>
             <a:off x="504000" y="1768680"/>
-            <a:ext cx="4426920" cy="2090880"/>
-          </a:xfrm>
-          <a:prstGeom prst="rect">
-            <a:avLst/>
-          </a:prstGeom>
-        </p:spPr>
-        <p:txBody>
-          <a:bodyPr lIns="0" rIns="0" tIns="0" bIns="0"/>
-          <a:p>
-            <a:endParaRPr/>
-          </a:p>
-        </p:txBody>
-      </p:sp>
-      <p:sp>
-        <p:nvSpPr>
-          <p:cNvPr id="96" name="PlaceHolder 3"/>
+            <a:ext cx="4328280" cy="2090880"/>
+          </a:xfrm>
+          <a:prstGeom prst="rect">
+            <a:avLst/>
+          </a:prstGeom>
+        </p:spPr>
+        <p:txBody>
+          <a:bodyPr bIns="0" lIns="0" rIns="0" tIns="0" wrap="none"/>
+          <a:p>
+            <a:endParaRPr/>
+          </a:p>
+        </p:txBody>
+      </p:sp>
+      <p:sp>
+        <p:nvSpPr>
+          <p:cNvPr id="89" name="PlaceHolder 3"/>
           <p:cNvSpPr>
             <a:spLocks noGrp="1"/>
           </p:cNvSpPr>
@@ -4262,23 +4176,23 @@
         </p:nvSpPr>
         <p:spPr>
           <a:xfrm>
-            <a:off x="5152680" y="1768680"/>
-            <a:ext cx="4426920" cy="2090880"/>
-          </a:xfrm>
-          <a:prstGeom prst="rect">
-            <a:avLst/>
-          </a:prstGeom>
-        </p:spPr>
-        <p:txBody>
-          <a:bodyPr lIns="0" rIns="0" tIns="0" bIns="0"/>
-          <a:p>
-            <a:endParaRPr/>
-          </a:p>
-        </p:txBody>
-      </p:sp>
-      <p:sp>
-        <p:nvSpPr>
-          <p:cNvPr id="97" name="PlaceHolder 4"/>
+            <a:off x="5049000" y="1768680"/>
+            <a:ext cx="4328280" cy="2090880"/>
+          </a:xfrm>
+          <a:prstGeom prst="rect">
+            <a:avLst/>
+          </a:prstGeom>
+        </p:spPr>
+        <p:txBody>
+          <a:bodyPr bIns="0" lIns="0" rIns="0" tIns="0" wrap="none"/>
+          <a:p>
+            <a:endParaRPr/>
+          </a:p>
+        </p:txBody>
+      </p:sp>
+      <p:sp>
+        <p:nvSpPr>
+          <p:cNvPr id="90" name="PlaceHolder 4"/>
           <p:cNvSpPr>
             <a:spLocks noGrp="1"/>
           </p:cNvSpPr>
@@ -4288,15 +4202,15 @@
         </p:nvSpPr>
         <p:spPr>
           <a:xfrm>
-            <a:off x="504000" y="4058640"/>
-            <a:ext cx="9072000" cy="2090880"/>
-          </a:xfrm>
-          <a:prstGeom prst="rect">
-            <a:avLst/>
-          </a:prstGeom>
-        </p:spPr>
-        <p:txBody>
-          <a:bodyPr lIns="0" rIns="0" tIns="0" bIns="0"/>
+            <a:off x="504000" y="4058280"/>
+            <a:ext cx="8869680" cy="2090880"/>
+          </a:xfrm>
+          <a:prstGeom prst="rect">
+            <a:avLst/>
+          </a:prstGeom>
+        </p:spPr>
+        <p:txBody>
+          <a:bodyPr bIns="0" lIns="0" rIns="0" tIns="0" wrap="none"/>
           <a:p>
             <a:endParaRPr/>
           </a:p>
@@ -4308,7 +4222,7 @@
 </file>
 
 <file path=ppt/slideLayouts/slideLayout34.xml><?xml version="1.0" encoding="utf-8"?>
-<p:sldLayout xmlns:a="http://schemas.openxmlformats.org/drawingml/2006/main" xmlns:p="http://schemas.openxmlformats.org/presentationml/2006/main" xmlns:r="http://schemas.openxmlformats.org/officeDocument/2006/relationships" type="objOverTx" preserve="1">
+<p:sldLayout xmlns:a="http://schemas.openxmlformats.org/drawingml/2006/main" xmlns:p="http://schemas.openxmlformats.org/presentationml/2006/main" xmlns:r="http://schemas.openxmlformats.org/officeDocument/2006/relationships" preserve="1" type="objOverTx">
   <p:cSld name="Title, Content over Content">
     <p:spTree>
       <p:nvGrpSpPr>
@@ -4326,7 +4240,7 @@
       </p:grpSpPr>
       <p:sp>
         <p:nvSpPr>
-          <p:cNvPr id="98" name="PlaceHolder 1"/>
+          <p:cNvPr id="91" name="PlaceHolder 1"/>
           <p:cNvSpPr>
             <a:spLocks noGrp="1"/>
           </p:cNvSpPr>
@@ -4337,14 +4251,14 @@
         <p:spPr>
           <a:xfrm>
             <a:off x="504000" y="301320"/>
-            <a:ext cx="9072000" cy="1261800"/>
-          </a:xfrm>
-          <a:prstGeom prst="rect">
-            <a:avLst/>
-          </a:prstGeom>
-        </p:spPr>
-        <p:txBody>
-          <a:bodyPr lIns="0" rIns="0" tIns="0" bIns="0" anchor="ctr"/>
+            <a:ext cx="9072000" cy="1262160"/>
+          </a:xfrm>
+          <a:prstGeom prst="rect">
+            <a:avLst/>
+          </a:prstGeom>
+        </p:spPr>
+        <p:txBody>
+          <a:bodyPr anchor="ctr" bIns="0" lIns="0" rIns="0" tIns="0" wrap="none"/>
           <a:p>
             <a:pPr algn="ctr"/>
             <a:endParaRPr/>
@@ -4353,7 +4267,7 @@
       </p:sp>
       <p:sp>
         <p:nvSpPr>
-          <p:cNvPr id="99" name="PlaceHolder 2"/>
+          <p:cNvPr id="92" name="PlaceHolder 2"/>
           <p:cNvSpPr>
             <a:spLocks noGrp="1"/>
           </p:cNvSpPr>
@@ -4364,22 +4278,22 @@
         <p:spPr>
           <a:xfrm>
             <a:off x="504000" y="1768680"/>
-            <a:ext cx="9072000" cy="2090880"/>
-          </a:xfrm>
-          <a:prstGeom prst="rect">
-            <a:avLst/>
-          </a:prstGeom>
-        </p:spPr>
-        <p:txBody>
-          <a:bodyPr lIns="0" rIns="0" tIns="0" bIns="0"/>
-          <a:p>
-            <a:endParaRPr/>
-          </a:p>
-        </p:txBody>
-      </p:sp>
-      <p:sp>
-        <p:nvSpPr>
-          <p:cNvPr id="100" name="PlaceHolder 3"/>
+            <a:ext cx="8870400" cy="2090880"/>
+          </a:xfrm>
+          <a:prstGeom prst="rect">
+            <a:avLst/>
+          </a:prstGeom>
+        </p:spPr>
+        <p:txBody>
+          <a:bodyPr bIns="0" lIns="0" rIns="0" tIns="0" wrap="none"/>
+          <a:p>
+            <a:endParaRPr/>
+          </a:p>
+        </p:txBody>
+      </p:sp>
+      <p:sp>
+        <p:nvSpPr>
+          <p:cNvPr id="93" name="PlaceHolder 3"/>
           <p:cNvSpPr>
             <a:spLocks noGrp="1"/>
           </p:cNvSpPr>
@@ -4389,15 +4303,15 @@
         </p:nvSpPr>
         <p:spPr>
           <a:xfrm>
-            <a:off x="504000" y="4058640"/>
-            <a:ext cx="9072000" cy="2090880"/>
-          </a:xfrm>
-          <a:prstGeom prst="rect">
-            <a:avLst/>
-          </a:prstGeom>
-        </p:spPr>
-        <p:txBody>
-          <a:bodyPr lIns="0" rIns="0" tIns="0" bIns="0"/>
+            <a:off x="504000" y="4058280"/>
+            <a:ext cx="8870400" cy="2090880"/>
+          </a:xfrm>
+          <a:prstGeom prst="rect">
+            <a:avLst/>
+          </a:prstGeom>
+        </p:spPr>
+        <p:txBody>
+          <a:bodyPr bIns="0" lIns="0" rIns="0" tIns="0" wrap="none"/>
           <a:p>
             <a:endParaRPr/>
           </a:p>
@@ -4409,7 +4323,7 @@
 </file>
 
 <file path=ppt/slideLayouts/slideLayout35.xml><?xml version="1.0" encoding="utf-8"?>
-<p:sldLayout xmlns:a="http://schemas.openxmlformats.org/drawingml/2006/main" xmlns:p="http://schemas.openxmlformats.org/presentationml/2006/main" xmlns:r="http://schemas.openxmlformats.org/officeDocument/2006/relationships" type="fourObj" preserve="1">
+<p:sldLayout xmlns:a="http://schemas.openxmlformats.org/drawingml/2006/main" xmlns:p="http://schemas.openxmlformats.org/presentationml/2006/main" xmlns:r="http://schemas.openxmlformats.org/officeDocument/2006/relationships" preserve="1" type="fourObj">
   <p:cSld name="Title, 4 Content">
     <p:spTree>
       <p:nvGrpSpPr>
@@ -4427,7 +4341,7 @@
       </p:grpSpPr>
       <p:sp>
         <p:nvSpPr>
-          <p:cNvPr id="101" name="PlaceHolder 1"/>
+          <p:cNvPr id="94" name="PlaceHolder 1"/>
           <p:cNvSpPr>
             <a:spLocks noGrp="1"/>
           </p:cNvSpPr>
@@ -4438,14 +4352,14 @@
         <p:spPr>
           <a:xfrm>
             <a:off x="504000" y="301320"/>
-            <a:ext cx="9072000" cy="1261800"/>
-          </a:xfrm>
-          <a:prstGeom prst="rect">
-            <a:avLst/>
-          </a:prstGeom>
-        </p:spPr>
-        <p:txBody>
-          <a:bodyPr lIns="0" rIns="0" tIns="0" bIns="0" anchor="ctr"/>
+            <a:ext cx="9072000" cy="1262160"/>
+          </a:xfrm>
+          <a:prstGeom prst="rect">
+            <a:avLst/>
+          </a:prstGeom>
+        </p:spPr>
+        <p:txBody>
+          <a:bodyPr anchor="ctr" bIns="0" lIns="0" rIns="0" tIns="0" wrap="none"/>
           <a:p>
             <a:pPr algn="ctr"/>
             <a:endParaRPr/>
@@ -4454,7 +4368,7 @@
       </p:sp>
       <p:sp>
         <p:nvSpPr>
-          <p:cNvPr id="102" name="PlaceHolder 2"/>
+          <p:cNvPr id="95" name="PlaceHolder 2"/>
           <p:cNvSpPr>
             <a:spLocks noGrp="1"/>
           </p:cNvSpPr>
@@ -4465,22 +4379,22 @@
         <p:spPr>
           <a:xfrm>
             <a:off x="504000" y="1768680"/>
-            <a:ext cx="4426920" cy="2090880"/>
-          </a:xfrm>
-          <a:prstGeom prst="rect">
-            <a:avLst/>
-          </a:prstGeom>
-        </p:spPr>
-        <p:txBody>
-          <a:bodyPr lIns="0" rIns="0" tIns="0" bIns="0"/>
-          <a:p>
-            <a:endParaRPr/>
-          </a:p>
-        </p:txBody>
-      </p:sp>
-      <p:sp>
-        <p:nvSpPr>
-          <p:cNvPr id="103" name="PlaceHolder 3"/>
+            <a:ext cx="4328280" cy="2090880"/>
+          </a:xfrm>
+          <a:prstGeom prst="rect">
+            <a:avLst/>
+          </a:prstGeom>
+        </p:spPr>
+        <p:txBody>
+          <a:bodyPr bIns="0" lIns="0" rIns="0" tIns="0" wrap="none"/>
+          <a:p>
+            <a:endParaRPr/>
+          </a:p>
+        </p:txBody>
+      </p:sp>
+      <p:sp>
+        <p:nvSpPr>
+          <p:cNvPr id="96" name="PlaceHolder 3"/>
           <p:cNvSpPr>
             <a:spLocks noGrp="1"/>
           </p:cNvSpPr>
@@ -4490,23 +4404,23 @@
         </p:nvSpPr>
         <p:spPr>
           <a:xfrm>
-            <a:off x="5152680" y="1768680"/>
-            <a:ext cx="4426920" cy="2090880"/>
-          </a:xfrm>
-          <a:prstGeom prst="rect">
-            <a:avLst/>
-          </a:prstGeom>
-        </p:spPr>
-        <p:txBody>
-          <a:bodyPr lIns="0" rIns="0" tIns="0" bIns="0"/>
-          <a:p>
-            <a:endParaRPr/>
-          </a:p>
-        </p:txBody>
-      </p:sp>
-      <p:sp>
-        <p:nvSpPr>
-          <p:cNvPr id="104" name="PlaceHolder 4"/>
+            <a:off x="5049000" y="1768680"/>
+            <a:ext cx="4328280" cy="2090880"/>
+          </a:xfrm>
+          <a:prstGeom prst="rect">
+            <a:avLst/>
+          </a:prstGeom>
+        </p:spPr>
+        <p:txBody>
+          <a:bodyPr bIns="0" lIns="0" rIns="0" tIns="0" wrap="none"/>
+          <a:p>
+            <a:endParaRPr/>
+          </a:p>
+        </p:txBody>
+      </p:sp>
+      <p:sp>
+        <p:nvSpPr>
+          <p:cNvPr id="97" name="PlaceHolder 4"/>
           <p:cNvSpPr>
             <a:spLocks noGrp="1"/>
           </p:cNvSpPr>
@@ -4516,23 +4430,23 @@
         </p:nvSpPr>
         <p:spPr>
           <a:xfrm>
-            <a:off x="5152680" y="4058640"/>
-            <a:ext cx="4426920" cy="2090880"/>
-          </a:xfrm>
-          <a:prstGeom prst="rect">
-            <a:avLst/>
-          </a:prstGeom>
-        </p:spPr>
-        <p:txBody>
-          <a:bodyPr lIns="0" rIns="0" tIns="0" bIns="0"/>
-          <a:p>
-            <a:endParaRPr/>
-          </a:p>
-        </p:txBody>
-      </p:sp>
-      <p:sp>
-        <p:nvSpPr>
-          <p:cNvPr id="105" name="PlaceHolder 5"/>
+            <a:off x="5049000" y="4058280"/>
+            <a:ext cx="4328280" cy="2090880"/>
+          </a:xfrm>
+          <a:prstGeom prst="rect">
+            <a:avLst/>
+          </a:prstGeom>
+        </p:spPr>
+        <p:txBody>
+          <a:bodyPr bIns="0" lIns="0" rIns="0" tIns="0" wrap="none"/>
+          <a:p>
+            <a:endParaRPr/>
+          </a:p>
+        </p:txBody>
+      </p:sp>
+      <p:sp>
+        <p:nvSpPr>
+          <p:cNvPr id="98" name="PlaceHolder 5"/>
           <p:cNvSpPr>
             <a:spLocks noGrp="1"/>
           </p:cNvSpPr>
@@ -4542,15 +4456,15 @@
         </p:nvSpPr>
         <p:spPr>
           <a:xfrm>
-            <a:off x="504000" y="4058640"/>
-            <a:ext cx="4426920" cy="2090880"/>
-          </a:xfrm>
-          <a:prstGeom prst="rect">
-            <a:avLst/>
-          </a:prstGeom>
-        </p:spPr>
-        <p:txBody>
-          <a:bodyPr lIns="0" rIns="0" tIns="0" bIns="0"/>
+            <a:off x="504000" y="4058280"/>
+            <a:ext cx="4328280" cy="2090880"/>
+          </a:xfrm>
+          <a:prstGeom prst="rect">
+            <a:avLst/>
+          </a:prstGeom>
+        </p:spPr>
+        <p:txBody>
+          <a:bodyPr bIns="0" lIns="0" rIns="0" tIns="0" wrap="none"/>
           <a:p>
             <a:endParaRPr/>
           </a:p>
@@ -4562,7 +4476,7 @@
 </file>
 
 <file path=ppt/slideLayouts/slideLayout36.xml><?xml version="1.0" encoding="utf-8"?>
-<p:sldLayout xmlns:a="http://schemas.openxmlformats.org/drawingml/2006/main" xmlns:p="http://schemas.openxmlformats.org/presentationml/2006/main" xmlns:r="http://schemas.openxmlformats.org/officeDocument/2006/relationships" type="blank" preserve="1">
+<p:sldLayout xmlns:a="http://schemas.openxmlformats.org/drawingml/2006/main" xmlns:p="http://schemas.openxmlformats.org/presentationml/2006/main" xmlns:r="http://schemas.openxmlformats.org/officeDocument/2006/relationships" preserve="1" type="blank">
   <p:cSld name="Title, 6 Content">
     <p:spTree>
       <p:nvGrpSpPr>
@@ -4580,7 +4494,7 @@
       </p:grpSpPr>
       <p:sp>
         <p:nvSpPr>
-          <p:cNvPr id="106" name="PlaceHolder 1"/>
+          <p:cNvPr id="99" name="PlaceHolder 1"/>
           <p:cNvSpPr>
             <a:spLocks noGrp="1"/>
           </p:cNvSpPr>
@@ -4591,14 +4505,14 @@
         <p:spPr>
           <a:xfrm>
             <a:off x="504000" y="301320"/>
-            <a:ext cx="9072000" cy="1261800"/>
-          </a:xfrm>
-          <a:prstGeom prst="rect">
-            <a:avLst/>
-          </a:prstGeom>
-        </p:spPr>
-        <p:txBody>
-          <a:bodyPr lIns="0" rIns="0" tIns="0" bIns="0" anchor="ctr"/>
+            <a:ext cx="9072000" cy="1262160"/>
+          </a:xfrm>
+          <a:prstGeom prst="rect">
+            <a:avLst/>
+          </a:prstGeom>
+        </p:spPr>
+        <p:txBody>
+          <a:bodyPr anchor="ctr" bIns="0" lIns="0" rIns="0" tIns="0" wrap="none"/>
           <a:p>
             <a:pPr algn="ctr"/>
             <a:endParaRPr/>
@@ -4607,7 +4521,7 @@
       </p:sp>
       <p:sp>
         <p:nvSpPr>
-          <p:cNvPr id="107" name="PlaceHolder 2"/>
+          <p:cNvPr id="100" name="PlaceHolder 2"/>
           <p:cNvSpPr>
             <a:spLocks noGrp="1"/>
           </p:cNvSpPr>
@@ -4618,22 +4532,22 @@
         <p:spPr>
           <a:xfrm>
             <a:off x="504000" y="1768680"/>
-            <a:ext cx="9072000" cy="4384080"/>
-          </a:xfrm>
-          <a:prstGeom prst="rect">
-            <a:avLst/>
-          </a:prstGeom>
-        </p:spPr>
-        <p:txBody>
-          <a:bodyPr lIns="0" rIns="0" tIns="0" bIns="0"/>
-          <a:p>
-            <a:endParaRPr/>
-          </a:p>
-        </p:txBody>
-      </p:sp>
-      <p:sp>
-        <p:nvSpPr>
-          <p:cNvPr id="108" name="PlaceHolder 3"/>
+            <a:ext cx="4328280" cy="2090880"/>
+          </a:xfrm>
+          <a:prstGeom prst="rect">
+            <a:avLst/>
+          </a:prstGeom>
+        </p:spPr>
+        <p:txBody>
+          <a:bodyPr bIns="0" lIns="0" rIns="0" tIns="0" wrap="none"/>
+          <a:p>
+            <a:endParaRPr/>
+          </a:p>
+        </p:txBody>
+      </p:sp>
+      <p:sp>
+        <p:nvSpPr>
+          <p:cNvPr id="101" name="PlaceHolder 3"/>
           <p:cNvSpPr>
             <a:spLocks noGrp="1"/>
           </p:cNvSpPr>
@@ -4643,73 +4557,27 @@
         </p:nvSpPr>
         <p:spPr>
           <a:xfrm>
-            <a:off x="504000" y="1768680"/>
-            <a:ext cx="9072000" cy="4384080"/>
-          </a:xfrm>
-          <a:prstGeom prst="rect">
-            <a:avLst/>
-          </a:prstGeom>
-        </p:spPr>
-        <p:txBody>
-          <a:bodyPr lIns="0" rIns="0" tIns="0" bIns="0"/>
-          <a:p>
-            <a:endParaRPr/>
-          </a:p>
-        </p:txBody>
-      </p:sp>
-      <p:pic>
-        <p:nvPicPr>
-          <p:cNvPr id="109" name="" descr=""/>
-          <p:cNvPicPr/>
-          <p:nvPr/>
-        </p:nvPicPr>
-        <p:blipFill>
-          <a:blip r:embed="rId2"/>
-          <a:stretch/>
-        </p:blipFill>
-        <p:spPr>
-          <a:xfrm>
-            <a:off x="2292120" y="1768680"/>
-            <a:ext cx="5495400" cy="4384080"/>
-          </a:xfrm>
-          <a:prstGeom prst="rect">
-            <a:avLst/>
-          </a:prstGeom>
-          <a:ln>
-            <a:noFill/>
-          </a:ln>
-        </p:spPr>
-      </p:pic>
-      <p:pic>
-        <p:nvPicPr>
-          <p:cNvPr id="110" name="" descr=""/>
-          <p:cNvPicPr/>
-          <p:nvPr/>
-        </p:nvPicPr>
-        <p:blipFill>
-          <a:blip r:embed="rId3"/>
-          <a:stretch/>
-        </p:blipFill>
-        <p:spPr>
-          <a:xfrm>
-            <a:off x="2292120" y="1768680"/>
-            <a:ext cx="5495400" cy="4384080"/>
-          </a:xfrm>
-          <a:prstGeom prst="rect">
-            <a:avLst/>
-          </a:prstGeom>
-          <a:ln>
-            <a:noFill/>
-          </a:ln>
-        </p:spPr>
-      </p:pic>
+            <a:off x="5049000" y="1768680"/>
+            <a:ext cx="4328280" cy="2090880"/>
+          </a:xfrm>
+          <a:prstGeom prst="rect">
+            <a:avLst/>
+          </a:prstGeom>
+        </p:spPr>
+        <p:txBody>
+          <a:bodyPr bIns="0" lIns="0" rIns="0" tIns="0" wrap="none"/>
+          <a:p>
+            <a:endParaRPr/>
+          </a:p>
+        </p:txBody>
+      </p:sp>
     </p:spTree>
   </p:cSld>
 </p:sldLayout>
 </file>
 
 <file path=ppt/slideLayouts/slideLayout4.xml><?xml version="1.0" encoding="utf-8"?>
-<p:sldLayout xmlns:a="http://schemas.openxmlformats.org/drawingml/2006/main" xmlns:p="http://schemas.openxmlformats.org/presentationml/2006/main" xmlns:r="http://schemas.openxmlformats.org/officeDocument/2006/relationships" type="twoObj" preserve="1">
+<p:sldLayout xmlns:a="http://schemas.openxmlformats.org/drawingml/2006/main" xmlns:p="http://schemas.openxmlformats.org/presentationml/2006/main" xmlns:r="http://schemas.openxmlformats.org/officeDocument/2006/relationships" preserve="1" type="twoObj">
   <p:cSld name="Title, 2 Content">
     <p:spTree>
       <p:nvGrpSpPr>
@@ -4738,14 +4606,14 @@
         <p:spPr>
           <a:xfrm>
             <a:off x="504000" y="301320"/>
-            <a:ext cx="9072000" cy="1261800"/>
-          </a:xfrm>
-          <a:prstGeom prst="rect">
-            <a:avLst/>
-          </a:prstGeom>
-        </p:spPr>
-        <p:txBody>
-          <a:bodyPr lIns="0" rIns="0" tIns="0" bIns="0" anchor="ctr"/>
+            <a:ext cx="9072000" cy="1262160"/>
+          </a:xfrm>
+          <a:prstGeom prst="rect">
+            <a:avLst/>
+          </a:prstGeom>
+        </p:spPr>
+        <p:txBody>
+          <a:bodyPr anchor="ctr" bIns="0" lIns="0" rIns="0" tIns="0" wrap="none"/>
           <a:p>
             <a:pPr algn="ctr"/>
             <a:endParaRPr/>
@@ -4765,14 +4633,14 @@
         <p:spPr>
           <a:xfrm>
             <a:off x="504000" y="1768680"/>
-            <a:ext cx="4426920" cy="4384080"/>
-          </a:xfrm>
-          <a:prstGeom prst="rect">
-            <a:avLst/>
-          </a:prstGeom>
-        </p:spPr>
-        <p:txBody>
-          <a:bodyPr lIns="0" rIns="0" tIns="0" bIns="0"/>
+            <a:ext cx="4328280" cy="4384080"/>
+          </a:xfrm>
+          <a:prstGeom prst="rect">
+            <a:avLst/>
+          </a:prstGeom>
+        </p:spPr>
+        <p:txBody>
+          <a:bodyPr bIns="0" lIns="0" rIns="0" tIns="0" wrap="none"/>
           <a:p>
             <a:endParaRPr/>
           </a:p>
@@ -4790,15 +4658,15 @@
         </p:nvSpPr>
         <p:spPr>
           <a:xfrm>
-            <a:off x="5152680" y="1768680"/>
-            <a:ext cx="4426920" cy="4384080"/>
-          </a:xfrm>
-          <a:prstGeom prst="rect">
-            <a:avLst/>
-          </a:prstGeom>
-        </p:spPr>
-        <p:txBody>
-          <a:bodyPr lIns="0" rIns="0" tIns="0" bIns="0"/>
+            <a:off x="5049000" y="1768680"/>
+            <a:ext cx="4328280" cy="4384080"/>
+          </a:xfrm>
+          <a:prstGeom prst="rect">
+            <a:avLst/>
+          </a:prstGeom>
+        </p:spPr>
+        <p:txBody>
+          <a:bodyPr bIns="0" lIns="0" rIns="0" tIns="0" wrap="none"/>
           <a:p>
             <a:endParaRPr/>
           </a:p>
@@ -4810,7 +4678,7 @@
 </file>
 
 <file path=ppt/slideLayouts/slideLayout5.xml><?xml version="1.0" encoding="utf-8"?>
-<p:sldLayout xmlns:a="http://schemas.openxmlformats.org/drawingml/2006/main" xmlns:p="http://schemas.openxmlformats.org/presentationml/2006/main" xmlns:r="http://schemas.openxmlformats.org/officeDocument/2006/relationships" type="titleOnly" preserve="1">
+<p:sldLayout xmlns:a="http://schemas.openxmlformats.org/drawingml/2006/main" xmlns:p="http://schemas.openxmlformats.org/presentationml/2006/main" xmlns:r="http://schemas.openxmlformats.org/officeDocument/2006/relationships" preserve="1" type="titleOnly">
   <p:cSld name="Title Only">
     <p:spTree>
       <p:nvGrpSpPr>
@@ -4839,14 +4707,14 @@
         <p:spPr>
           <a:xfrm>
             <a:off x="504000" y="301320"/>
-            <a:ext cx="9072000" cy="1261800"/>
-          </a:xfrm>
-          <a:prstGeom prst="rect">
-            <a:avLst/>
-          </a:prstGeom>
-        </p:spPr>
-        <p:txBody>
-          <a:bodyPr lIns="0" rIns="0" tIns="0" bIns="0" anchor="ctr"/>
+            <a:ext cx="9072000" cy="1262160"/>
+          </a:xfrm>
+          <a:prstGeom prst="rect">
+            <a:avLst/>
+          </a:prstGeom>
+        </p:spPr>
+        <p:txBody>
+          <a:bodyPr anchor="ctr" bIns="0" lIns="0" rIns="0" tIns="0" wrap="none"/>
           <a:p>
             <a:pPr algn="ctr"/>
             <a:endParaRPr/>
@@ -4859,7 +4727,7 @@
 </file>
 
 <file path=ppt/slideLayouts/slideLayout6.xml><?xml version="1.0" encoding="utf-8"?>
-<p:sldLayout xmlns:a="http://schemas.openxmlformats.org/drawingml/2006/main" xmlns:p="http://schemas.openxmlformats.org/presentationml/2006/main" xmlns:r="http://schemas.openxmlformats.org/officeDocument/2006/relationships" type="objOnly" preserve="1">
+<p:sldLayout xmlns:a="http://schemas.openxmlformats.org/drawingml/2006/main" xmlns:p="http://schemas.openxmlformats.org/presentationml/2006/main" xmlns:r="http://schemas.openxmlformats.org/officeDocument/2006/relationships" preserve="1" type="objOnly">
   <p:cSld name="Centered Text">
     <p:spTree>
       <p:nvGrpSpPr>
@@ -4888,14 +4756,14 @@
         <p:spPr>
           <a:xfrm>
             <a:off x="504000" y="301320"/>
-            <a:ext cx="9072000" cy="5850360"/>
-          </a:xfrm>
-          <a:prstGeom prst="rect">
-            <a:avLst/>
-          </a:prstGeom>
-        </p:spPr>
-        <p:txBody>
-          <a:bodyPr lIns="0" rIns="0" tIns="0" bIns="0" anchor="ctr"/>
+            <a:ext cx="9072000" cy="5851440"/>
+          </a:xfrm>
+          <a:prstGeom prst="rect">
+            <a:avLst/>
+          </a:prstGeom>
+        </p:spPr>
+        <p:txBody>
+          <a:bodyPr anchor="ctr" bIns="0" lIns="0" rIns="0" tIns="0" wrap="none"/>
           <a:p>
             <a:pPr algn="ctr"/>
             <a:endParaRPr/>
@@ -4908,7 +4776,7 @@
 </file>
 
 <file path=ppt/slideLayouts/slideLayout7.xml><?xml version="1.0" encoding="utf-8"?>
-<p:sldLayout xmlns:a="http://schemas.openxmlformats.org/drawingml/2006/main" xmlns:p="http://schemas.openxmlformats.org/presentationml/2006/main" xmlns:r="http://schemas.openxmlformats.org/officeDocument/2006/relationships" type="twoObjAndObj" preserve="1">
+<p:sldLayout xmlns:a="http://schemas.openxmlformats.org/drawingml/2006/main" xmlns:p="http://schemas.openxmlformats.org/presentationml/2006/main" xmlns:r="http://schemas.openxmlformats.org/officeDocument/2006/relationships" preserve="1" type="twoObjAndObj">
   <p:cSld name="Title, 2 Content and Content">
     <p:spTree>
       <p:nvGrpSpPr>
@@ -4937,14 +4805,14 @@
         <p:spPr>
           <a:xfrm>
             <a:off x="504000" y="301320"/>
-            <a:ext cx="9072000" cy="1261800"/>
-          </a:xfrm>
-          <a:prstGeom prst="rect">
-            <a:avLst/>
-          </a:prstGeom>
-        </p:spPr>
-        <p:txBody>
-          <a:bodyPr lIns="0" rIns="0" tIns="0" bIns="0" anchor="ctr"/>
+            <a:ext cx="9072000" cy="1262160"/>
+          </a:xfrm>
+          <a:prstGeom prst="rect">
+            <a:avLst/>
+          </a:prstGeom>
+        </p:spPr>
+        <p:txBody>
+          <a:bodyPr anchor="ctr" bIns="0" lIns="0" rIns="0" tIns="0" wrap="none"/>
           <a:p>
             <a:pPr algn="ctr"/>
             <a:endParaRPr/>
@@ -4964,14 +4832,14 @@
         <p:spPr>
           <a:xfrm>
             <a:off x="504000" y="1768680"/>
-            <a:ext cx="4426920" cy="2090880"/>
-          </a:xfrm>
-          <a:prstGeom prst="rect">
-            <a:avLst/>
-          </a:prstGeom>
-        </p:spPr>
-        <p:txBody>
-          <a:bodyPr lIns="0" rIns="0" tIns="0" bIns="0"/>
+            <a:ext cx="4328280" cy="2090880"/>
+          </a:xfrm>
+          <a:prstGeom prst="rect">
+            <a:avLst/>
+          </a:prstGeom>
+        </p:spPr>
+        <p:txBody>
+          <a:bodyPr bIns="0" lIns="0" rIns="0" tIns="0" wrap="none"/>
           <a:p>
             <a:endParaRPr/>
           </a:p>
@@ -4989,15 +4857,15 @@
         </p:nvSpPr>
         <p:spPr>
           <a:xfrm>
-            <a:off x="504000" y="4058640"/>
-            <a:ext cx="4426920" cy="2090880"/>
-          </a:xfrm>
-          <a:prstGeom prst="rect">
-            <a:avLst/>
-          </a:prstGeom>
-        </p:spPr>
-        <p:txBody>
-          <a:bodyPr lIns="0" rIns="0" tIns="0" bIns="0"/>
+            <a:off x="504000" y="4058280"/>
+            <a:ext cx="4328280" cy="2090880"/>
+          </a:xfrm>
+          <a:prstGeom prst="rect">
+            <a:avLst/>
+          </a:prstGeom>
+        </p:spPr>
+        <p:txBody>
+          <a:bodyPr bIns="0" lIns="0" rIns="0" tIns="0" wrap="none"/>
           <a:p>
             <a:endParaRPr/>
           </a:p>
@@ -5015,15 +4883,15 @@
         </p:nvSpPr>
         <p:spPr>
           <a:xfrm>
-            <a:off x="5152680" y="1768680"/>
-            <a:ext cx="4426920" cy="4384080"/>
-          </a:xfrm>
-          <a:prstGeom prst="rect">
-            <a:avLst/>
-          </a:prstGeom>
-        </p:spPr>
-        <p:txBody>
-          <a:bodyPr lIns="0" rIns="0" tIns="0" bIns="0"/>
+            <a:off x="5049000" y="1768680"/>
+            <a:ext cx="4328280" cy="4384080"/>
+          </a:xfrm>
+          <a:prstGeom prst="rect">
+            <a:avLst/>
+          </a:prstGeom>
+        </p:spPr>
+        <p:txBody>
+          <a:bodyPr bIns="0" lIns="0" rIns="0" tIns="0" wrap="none"/>
           <a:p>
             <a:endParaRPr/>
           </a:p>
@@ -5035,7 +4903,7 @@
 </file>
 
 <file path=ppt/slideLayouts/slideLayout8.xml><?xml version="1.0" encoding="utf-8"?>
-<p:sldLayout xmlns:a="http://schemas.openxmlformats.org/drawingml/2006/main" xmlns:p="http://schemas.openxmlformats.org/presentationml/2006/main" xmlns:r="http://schemas.openxmlformats.org/officeDocument/2006/relationships" type="objAndTwoObj" preserve="1">
+<p:sldLayout xmlns:a="http://schemas.openxmlformats.org/drawingml/2006/main" xmlns:p="http://schemas.openxmlformats.org/presentationml/2006/main" xmlns:r="http://schemas.openxmlformats.org/officeDocument/2006/relationships" preserve="1" type="objAndTwoObj">
   <p:cSld name="Title Content and 2 Content">
     <p:spTree>
       <p:nvGrpSpPr>
@@ -5064,14 +4932,14 @@
         <p:spPr>
           <a:xfrm>
             <a:off x="504000" y="301320"/>
-            <a:ext cx="9072000" cy="1261800"/>
-          </a:xfrm>
-          <a:prstGeom prst="rect">
-            <a:avLst/>
-          </a:prstGeom>
-        </p:spPr>
-        <p:txBody>
-          <a:bodyPr lIns="0" rIns="0" tIns="0" bIns="0" anchor="ctr"/>
+            <a:ext cx="9072000" cy="1262160"/>
+          </a:xfrm>
+          <a:prstGeom prst="rect">
+            <a:avLst/>
+          </a:prstGeom>
+        </p:spPr>
+        <p:txBody>
+          <a:bodyPr anchor="ctr" bIns="0" lIns="0" rIns="0" tIns="0" wrap="none"/>
           <a:p>
             <a:pPr algn="ctr"/>
             <a:endParaRPr/>
@@ -5091,14 +4959,14 @@
         <p:spPr>
           <a:xfrm>
             <a:off x="504000" y="1768680"/>
-            <a:ext cx="4426920" cy="4384080"/>
-          </a:xfrm>
-          <a:prstGeom prst="rect">
-            <a:avLst/>
-          </a:prstGeom>
-        </p:spPr>
-        <p:txBody>
-          <a:bodyPr lIns="0" rIns="0" tIns="0" bIns="0"/>
+            <a:ext cx="4328280" cy="4384080"/>
+          </a:xfrm>
+          <a:prstGeom prst="rect">
+            <a:avLst/>
+          </a:prstGeom>
+        </p:spPr>
+        <p:txBody>
+          <a:bodyPr bIns="0" lIns="0" rIns="0" tIns="0" wrap="none"/>
           <a:p>
             <a:endParaRPr/>
           </a:p>
@@ -5116,15 +4984,15 @@
         </p:nvSpPr>
         <p:spPr>
           <a:xfrm>
-            <a:off x="5152680" y="1768680"/>
-            <a:ext cx="4426920" cy="2090880"/>
-          </a:xfrm>
-          <a:prstGeom prst="rect">
-            <a:avLst/>
-          </a:prstGeom>
-        </p:spPr>
-        <p:txBody>
-          <a:bodyPr lIns="0" rIns="0" tIns="0" bIns="0"/>
+            <a:off x="5049000" y="1768680"/>
+            <a:ext cx="4328280" cy="2090880"/>
+          </a:xfrm>
+          <a:prstGeom prst="rect">
+            <a:avLst/>
+          </a:prstGeom>
+        </p:spPr>
+        <p:txBody>
+          <a:bodyPr bIns="0" lIns="0" rIns="0" tIns="0" wrap="none"/>
           <a:p>
             <a:endParaRPr/>
           </a:p>
@@ -5142,15 +5010,15 @@
         </p:nvSpPr>
         <p:spPr>
           <a:xfrm>
-            <a:off x="5152680" y="4058640"/>
-            <a:ext cx="4426920" cy="2090880"/>
-          </a:xfrm>
-          <a:prstGeom prst="rect">
-            <a:avLst/>
-          </a:prstGeom>
-        </p:spPr>
-        <p:txBody>
-          <a:bodyPr lIns="0" rIns="0" tIns="0" bIns="0"/>
+            <a:off x="5049000" y="4058280"/>
+            <a:ext cx="4328280" cy="2090880"/>
+          </a:xfrm>
+          <a:prstGeom prst="rect">
+            <a:avLst/>
+          </a:prstGeom>
+        </p:spPr>
+        <p:txBody>
+          <a:bodyPr bIns="0" lIns="0" rIns="0" tIns="0" wrap="none"/>
           <a:p>
             <a:endParaRPr/>
           </a:p>
@@ -5162,7 +5030,7 @@
 </file>
 
 <file path=ppt/slideLayouts/slideLayout9.xml><?xml version="1.0" encoding="utf-8"?>
-<p:sldLayout xmlns:a="http://schemas.openxmlformats.org/drawingml/2006/main" xmlns:p="http://schemas.openxmlformats.org/presentationml/2006/main" xmlns:r="http://schemas.openxmlformats.org/officeDocument/2006/relationships" type="twoObjOverTx" preserve="1">
+<p:sldLayout xmlns:a="http://schemas.openxmlformats.org/drawingml/2006/main" xmlns:p="http://schemas.openxmlformats.org/presentationml/2006/main" xmlns:r="http://schemas.openxmlformats.org/officeDocument/2006/relationships" preserve="1" type="twoObjOverTx">
   <p:cSld name="Title, 2 Content over Content">
     <p:spTree>
       <p:nvGrpSpPr>
@@ -5191,14 +5059,14 @@
         <p:spPr>
           <a:xfrm>
             <a:off x="504000" y="301320"/>
-            <a:ext cx="9072000" cy="1261800"/>
-          </a:xfrm>
-          <a:prstGeom prst="rect">
-            <a:avLst/>
-          </a:prstGeom>
-        </p:spPr>
-        <p:txBody>
-          <a:bodyPr lIns="0" rIns="0" tIns="0" bIns="0" anchor="ctr"/>
+            <a:ext cx="9072000" cy="1262160"/>
+          </a:xfrm>
+          <a:prstGeom prst="rect">
+            <a:avLst/>
+          </a:prstGeom>
+        </p:spPr>
+        <p:txBody>
+          <a:bodyPr anchor="ctr" bIns="0" lIns="0" rIns="0" tIns="0" wrap="none"/>
           <a:p>
             <a:pPr algn="ctr"/>
             <a:endParaRPr/>
@@ -5218,14 +5086,14 @@
         <p:spPr>
           <a:xfrm>
             <a:off x="504000" y="1768680"/>
-            <a:ext cx="4426920" cy="2090880"/>
-          </a:xfrm>
-          <a:prstGeom prst="rect">
-            <a:avLst/>
-          </a:prstGeom>
-        </p:spPr>
-        <p:txBody>
-          <a:bodyPr lIns="0" rIns="0" tIns="0" bIns="0"/>
+            <a:ext cx="4328280" cy="2090880"/>
+          </a:xfrm>
+          <a:prstGeom prst="rect">
+            <a:avLst/>
+          </a:prstGeom>
+        </p:spPr>
+        <p:txBody>
+          <a:bodyPr bIns="0" lIns="0" rIns="0" tIns="0" wrap="none"/>
           <a:p>
             <a:endParaRPr/>
           </a:p>
@@ -5243,15 +5111,15 @@
         </p:nvSpPr>
         <p:spPr>
           <a:xfrm>
-            <a:off x="5152680" y="1768680"/>
-            <a:ext cx="4426920" cy="2090880"/>
-          </a:xfrm>
-          <a:prstGeom prst="rect">
-            <a:avLst/>
-          </a:prstGeom>
-        </p:spPr>
-        <p:txBody>
-          <a:bodyPr lIns="0" rIns="0" tIns="0" bIns="0"/>
+            <a:off x="5049000" y="1768680"/>
+            <a:ext cx="4328280" cy="2090880"/>
+          </a:xfrm>
+          <a:prstGeom prst="rect">
+            <a:avLst/>
+          </a:prstGeom>
+        </p:spPr>
+        <p:txBody>
+          <a:bodyPr bIns="0" lIns="0" rIns="0" tIns="0" wrap="none"/>
           <a:p>
             <a:endParaRPr/>
           </a:p>
@@ -5269,15 +5137,15 @@
         </p:nvSpPr>
         <p:spPr>
           <a:xfrm>
-            <a:off x="504000" y="4058640"/>
-            <a:ext cx="9072000" cy="2090880"/>
-          </a:xfrm>
-          <a:prstGeom prst="rect">
-            <a:avLst/>
-          </a:prstGeom>
-        </p:spPr>
-        <p:txBody>
-          <a:bodyPr lIns="0" rIns="0" tIns="0" bIns="0"/>
+            <a:off x="504000" y="4058280"/>
+            <a:ext cx="8869680" cy="2090880"/>
+          </a:xfrm>
+          <a:prstGeom prst="rect">
+            <a:avLst/>
+          </a:prstGeom>
+        </p:spPr>
+        <p:txBody>
+          <a:bodyPr bIns="0" lIns="0" rIns="0" tIns="0" wrap="none"/>
           <a:p>
             <a:endParaRPr/>
           </a:p>
@@ -5318,19 +5186,18 @@
         <p:spPr>
           <a:xfrm>
             <a:off x="504000" y="301320"/>
-            <a:ext cx="9070920" cy="1261440"/>
-          </a:xfrm>
-          <a:prstGeom prst="rect">
-            <a:avLst/>
-          </a:prstGeom>
-        </p:spPr>
-        <p:txBody>
-          <a:bodyPr lIns="0" rIns="0" tIns="0" bIns="0" anchor="ctr"/>
-          <a:p>
-            <a:r>
-              <a:rPr lang="en-AU">
-                <a:latin typeface="Arial"/>
-              </a:rPr>
+            <a:ext cx="9072000" cy="1261800"/>
+          </a:xfrm>
+          <a:prstGeom prst="rect">
+            <a:avLst/>
+          </a:prstGeom>
+        </p:spPr>
+        <p:txBody>
+          <a:bodyPr anchor="ctr" bIns="0" lIns="0" rIns="0" tIns="0" wrap="none"/>
+          <a:p>
+            <a:pPr algn="ctr"/>
+            <a:r>
+              <a:rPr lang="en-AU"/>
               <a:t>Click to edit the title text format</a:t>
             </a:r>
             <a:endParaRPr/>
@@ -5349,15 +5216,15 @@
         </p:nvSpPr>
         <p:spPr>
           <a:xfrm>
-            <a:off x="504000" y="1769040"/>
-            <a:ext cx="9070920" cy="4383720"/>
-          </a:xfrm>
-          <a:prstGeom prst="rect">
-            <a:avLst/>
-          </a:prstGeom>
-        </p:spPr>
-        <p:txBody>
-          <a:bodyPr lIns="0" rIns="0" tIns="0" bIns="0"/>
+            <a:off x="504000" y="1768680"/>
+            <a:ext cx="8870400" cy="4384080"/>
+          </a:xfrm>
+          <a:prstGeom prst="rect">
+            <a:avLst/>
+          </a:prstGeom>
+        </p:spPr>
+        <p:txBody>
+          <a:bodyPr bIns="0" lIns="0" rIns="0" tIns="0" wrap="none"/>
           <a:p>
             <a:pPr>
               <a:buSzPct val="45000"/>
@@ -5365,9 +5232,7 @@
               <a:buChar char=""/>
             </a:pPr>
             <a:r>
-              <a:rPr lang="en-AU">
-                <a:latin typeface="Arial"/>
-              </a:rPr>
+              <a:rPr lang="en-AU"/>
               <a:t>Click to edit the outline text format</a:t>
             </a:r>
             <a:endParaRPr/>
@@ -5379,9 +5244,7 @@
               <a:buChar char=""/>
             </a:pPr>
             <a:r>
-              <a:rPr lang="en-AU">
-                <a:latin typeface="Arial"/>
-              </a:rPr>
+              <a:rPr lang="en-AU"/>
               <a:t>Second Outline Level</a:t>
             </a:r>
             <a:endParaRPr/>
@@ -5393,9 +5256,7 @@
               <a:buChar char=""/>
             </a:pPr>
             <a:r>
-              <a:rPr lang="en-AU">
-                <a:latin typeface="Arial"/>
-              </a:rPr>
+              <a:rPr lang="en-AU"/>
               <a:t>Third Outline Level</a:t>
             </a:r>
             <a:endParaRPr/>
@@ -5407,9 +5268,7 @@
               <a:buChar char=""/>
             </a:pPr>
             <a:r>
-              <a:rPr lang="en-AU">
-                <a:latin typeface="Arial"/>
-              </a:rPr>
+              <a:rPr lang="en-AU"/>
               <a:t>Fourth Outline Level</a:t>
             </a:r>
             <a:endParaRPr/>
@@ -5421,9 +5280,7 @@
               <a:buChar char=""/>
             </a:pPr>
             <a:r>
-              <a:rPr lang="en-AU">
-                <a:latin typeface="Arial"/>
-              </a:rPr>
+              <a:rPr lang="en-AU"/>
               <a:t>Fifth Outline Level</a:t>
             </a:r>
             <a:endParaRPr/>
@@ -5435,9 +5292,7 @@
               <a:buChar char=""/>
             </a:pPr>
             <a:r>
-              <a:rPr lang="en-AU">
-                <a:latin typeface="Arial"/>
-              </a:rPr>
+              <a:rPr lang="en-AU"/>
               <a:t>Sixth Outline Level</a:t>
             </a:r>
             <a:endParaRPr/>
@@ -5449,9 +5304,7 @@
               <a:buChar char=""/>
             </a:pPr>
             <a:r>
-              <a:rPr lang="en-AU">
-                <a:latin typeface="Arial"/>
-              </a:rPr>
+              <a:rPr lang="en-AU"/>
               <a:t>Seventh Outline Level</a:t>
             </a:r>
             <a:endParaRPr/>
@@ -5460,7 +5313,7 @@
       </p:sp>
     </p:spTree>
   </p:cSld>
-  <p:clrMap bg1="lt1" bg2="lt2" tx1="dk1" tx2="dk2" accent1="accent1" accent2="accent2" accent3="accent3" accent4="accent4" accent5="accent5" accent6="accent6" hlink="hlink" folHlink="folHlink"/>
+  <p:clrMap accent1="accent1" accent2="accent2" accent3="accent3" accent4="accent4" accent5="accent5" accent6="accent6" bg1="lt1" bg2="lt2" folHlink="folHlink" hlink="hlink" tx1="dk1" tx2="dk2"/>
   <p:sldLayoutIdLst>
     <p:sldLayoutId id="2147483649" r:id="rId2"/>
     <p:sldLayoutId id="2147483650" r:id="rId3"/>
@@ -5497,7 +5350,7 @@
       </p:grpSpPr>
       <p:sp>
         <p:nvSpPr>
-          <p:cNvPr id="36" name="PlaceHolder 1"/>
+          <p:cNvPr id="34" name="PlaceHolder 1"/>
           <p:cNvSpPr>
             <a:spLocks noGrp="1"/>
           </p:cNvSpPr>
@@ -5515,13 +5368,11 @@
           </a:prstGeom>
         </p:spPr>
         <p:txBody>
-          <a:bodyPr lIns="0" rIns="0" tIns="0" bIns="0" anchor="ctr"/>
+          <a:bodyPr anchor="ctr" bIns="0" lIns="0" rIns="0" tIns="0" wrap="none"/>
           <a:p>
             <a:pPr algn="ctr"/>
             <a:r>
-              <a:rPr lang="en-AU" sz="4400">
-                <a:latin typeface="Arial"/>
-              </a:rPr>
+              <a:rPr lang="en-AU"/>
               <a:t>Click to edit the title text format</a:t>
             </a:r>
             <a:endParaRPr/>
@@ -5530,7 +5381,7 @@
       </p:sp>
       <p:sp>
         <p:nvSpPr>
-          <p:cNvPr id="37" name="PlaceHolder 2"/>
+          <p:cNvPr id="35" name="PlaceHolder 2"/>
           <p:cNvSpPr>
             <a:spLocks noGrp="1"/>
           </p:cNvSpPr>
@@ -5541,14 +5392,14 @@
         <p:spPr>
           <a:xfrm>
             <a:off x="504000" y="1768680"/>
-            <a:ext cx="9072000" cy="4384080"/>
-          </a:xfrm>
-          <a:prstGeom prst="rect">
-            <a:avLst/>
-          </a:prstGeom>
-        </p:spPr>
-        <p:txBody>
-          <a:bodyPr lIns="0" rIns="0" tIns="0" bIns="0"/>
+            <a:ext cx="8870400" cy="4384080"/>
+          </a:xfrm>
+          <a:prstGeom prst="rect">
+            <a:avLst/>
+          </a:prstGeom>
+        </p:spPr>
+        <p:txBody>
+          <a:bodyPr bIns="0" lIns="0" rIns="0" tIns="0" wrap="none"/>
           <a:p>
             <a:pPr>
               <a:buSzPct val="45000"/>
@@ -5556,9 +5407,7 @@
               <a:buChar char=""/>
             </a:pPr>
             <a:r>
-              <a:rPr lang="en-AU" sz="3200">
-                <a:latin typeface="Arial"/>
-              </a:rPr>
+              <a:rPr lang="en-AU"/>
               <a:t>Click to edit the outline text format</a:t>
             </a:r>
             <a:endParaRPr/>
@@ -5570,9 +5419,7 @@
               <a:buChar char=""/>
             </a:pPr>
             <a:r>
-              <a:rPr lang="en-AU" sz="2800">
-                <a:latin typeface="Arial"/>
-              </a:rPr>
+              <a:rPr lang="en-AU"/>
               <a:t>Second Outline Level</a:t>
             </a:r>
             <a:endParaRPr/>
@@ -5584,9 +5431,7 @@
               <a:buChar char=""/>
             </a:pPr>
             <a:r>
-              <a:rPr lang="en-AU" sz="2400">
-                <a:latin typeface="Arial"/>
-              </a:rPr>
+              <a:rPr lang="en-AU"/>
               <a:t>Third Outline Level</a:t>
             </a:r>
             <a:endParaRPr/>
@@ -5598,9 +5443,7 @@
               <a:buChar char=""/>
             </a:pPr>
             <a:r>
-              <a:rPr lang="en-AU" sz="2000">
-                <a:latin typeface="Arial"/>
-              </a:rPr>
+              <a:rPr lang="en-AU"/>
               <a:t>Fourth Outline Level</a:t>
             </a:r>
             <a:endParaRPr/>
@@ -5612,9 +5455,7 @@
               <a:buChar char=""/>
             </a:pPr>
             <a:r>
-              <a:rPr lang="en-AU" sz="2000">
-                <a:latin typeface="Arial"/>
-              </a:rPr>
+              <a:rPr lang="en-AU"/>
               <a:t>Fifth Outline Level</a:t>
             </a:r>
             <a:endParaRPr/>
@@ -5626,9 +5467,7 @@
               <a:buChar char=""/>
             </a:pPr>
             <a:r>
-              <a:rPr lang="en-AU" sz="2000">
-                <a:latin typeface="Arial"/>
-              </a:rPr>
+              <a:rPr lang="en-AU"/>
               <a:t>Sixth Outline Level</a:t>
             </a:r>
             <a:endParaRPr/>
@@ -5640,9 +5479,7 @@
               <a:buChar char=""/>
             </a:pPr>
             <a:r>
-              <a:rPr lang="en-AU" sz="2000">
-                <a:latin typeface="Arial"/>
-              </a:rPr>
+              <a:rPr lang="en-AU"/>
               <a:t>Seventh Outline Level</a:t>
             </a:r>
             <a:endParaRPr/>
@@ -5651,7 +5488,7 @@
       </p:sp>
     </p:spTree>
   </p:cSld>
-  <p:clrMap bg1="lt1" bg2="lt2" tx1="dk1" tx2="dk2" accent1="accent1" accent2="accent2" accent3="accent3" accent4="accent4" accent5="accent5" accent6="accent6" hlink="hlink" folHlink="folHlink"/>
+  <p:clrMap accent1="accent1" accent2="accent2" accent3="accent3" accent4="accent4" accent5="accent5" accent6="accent6" bg1="lt1" bg2="lt2" folHlink="folHlink" hlink="hlink" tx1="dk1" tx2="dk2"/>
   <p:sldLayoutIdLst>
     <p:sldLayoutId id="2147483662" r:id="rId2"/>
     <p:sldLayoutId id="2147483663" r:id="rId3"/>
@@ -5688,7 +5525,7 @@
       </p:grpSpPr>
       <p:sp>
         <p:nvSpPr>
-          <p:cNvPr id="72" name="PlaceHolder 1"/>
+          <p:cNvPr id="68" name="PlaceHolder 1"/>
           <p:cNvSpPr>
             <a:spLocks noGrp="1"/>
           </p:cNvSpPr>
@@ -5706,13 +5543,11 @@
           </a:prstGeom>
         </p:spPr>
         <p:txBody>
-          <a:bodyPr lIns="0" rIns="0" tIns="0" bIns="0" anchor="ctr"/>
+          <a:bodyPr anchor="ctr" bIns="0" lIns="0" rIns="0" tIns="0" wrap="none"/>
           <a:p>
             <a:pPr algn="ctr"/>
             <a:r>
-              <a:rPr lang="en-AU" sz="4400">
-                <a:latin typeface="Arial"/>
-              </a:rPr>
+              <a:rPr lang="en-AU"/>
               <a:t>Click to edit the title text format</a:t>
             </a:r>
             <a:endParaRPr/>
@@ -5721,7 +5556,7 @@
       </p:sp>
       <p:sp>
         <p:nvSpPr>
-          <p:cNvPr id="73" name="PlaceHolder 2"/>
+          <p:cNvPr id="69" name="PlaceHolder 2"/>
           <p:cNvSpPr>
             <a:spLocks noGrp="1"/>
           </p:cNvSpPr>
@@ -5732,14 +5567,14 @@
         <p:spPr>
           <a:xfrm>
             <a:off x="504000" y="1768680"/>
-            <a:ext cx="9072000" cy="4384080"/>
-          </a:xfrm>
-          <a:prstGeom prst="rect">
-            <a:avLst/>
-          </a:prstGeom>
-        </p:spPr>
-        <p:txBody>
-          <a:bodyPr lIns="0" rIns="0" tIns="0" bIns="0"/>
+            <a:ext cx="8870400" cy="4384080"/>
+          </a:xfrm>
+          <a:prstGeom prst="rect">
+            <a:avLst/>
+          </a:prstGeom>
+        </p:spPr>
+        <p:txBody>
+          <a:bodyPr bIns="0" lIns="0" rIns="0" tIns="0" wrap="none"/>
           <a:p>
             <a:pPr>
               <a:buSzPct val="45000"/>
@@ -5747,9 +5582,7 @@
               <a:buChar char=""/>
             </a:pPr>
             <a:r>
-              <a:rPr lang="en-AU" sz="3200">
-                <a:latin typeface="Arial"/>
-              </a:rPr>
+              <a:rPr lang="en-AU"/>
               <a:t>Click to edit the outline text format</a:t>
             </a:r>
             <a:endParaRPr/>
@@ -5761,9 +5594,7 @@
               <a:buChar char=""/>
             </a:pPr>
             <a:r>
-              <a:rPr lang="en-AU" sz="2800">
-                <a:latin typeface="Arial"/>
-              </a:rPr>
+              <a:rPr lang="en-AU"/>
               <a:t>Second Outline Level</a:t>
             </a:r>
             <a:endParaRPr/>
@@ -5775,9 +5606,7 @@
               <a:buChar char=""/>
             </a:pPr>
             <a:r>
-              <a:rPr lang="en-AU" sz="2400">
-                <a:latin typeface="Arial"/>
-              </a:rPr>
+              <a:rPr lang="en-AU"/>
               <a:t>Third Outline Level</a:t>
             </a:r>
             <a:endParaRPr/>
@@ -5789,9 +5618,7 @@
               <a:buChar char=""/>
             </a:pPr>
             <a:r>
-              <a:rPr lang="en-AU" sz="2000">
-                <a:latin typeface="Arial"/>
-              </a:rPr>
+              <a:rPr lang="en-AU"/>
               <a:t>Fourth Outline Level</a:t>
             </a:r>
             <a:endParaRPr/>
@@ -5803,9 +5630,7 @@
               <a:buChar char=""/>
             </a:pPr>
             <a:r>
-              <a:rPr lang="en-AU" sz="2000">
-                <a:latin typeface="Arial"/>
-              </a:rPr>
+              <a:rPr lang="en-AU"/>
               <a:t>Fifth Outline Level</a:t>
             </a:r>
             <a:endParaRPr/>
@@ -5817,9 +5642,7 @@
               <a:buChar char=""/>
             </a:pPr>
             <a:r>
-              <a:rPr lang="en-AU" sz="2000">
-                <a:latin typeface="Arial"/>
-              </a:rPr>
+              <a:rPr lang="en-AU"/>
               <a:t>Sixth Outline Level</a:t>
             </a:r>
             <a:endParaRPr/>
@@ -5831,116 +5654,16 @@
               <a:buChar char=""/>
             </a:pPr>
             <a:r>
-              <a:rPr lang="en-AU" sz="2000">
-                <a:latin typeface="Arial"/>
-              </a:rPr>
+              <a:rPr lang="en-AU"/>
               <a:t>Seventh Outline Level</a:t>
             </a:r>
-            <a:endParaRPr/>
-          </a:p>
-        </p:txBody>
-      </p:sp>
-      <p:sp>
-        <p:nvSpPr>
-          <p:cNvPr id="74" name="PlaceHolder 3"/>
-          <p:cNvSpPr>
-            <a:spLocks noGrp="1"/>
-          </p:cNvSpPr>
-          <p:nvPr>
-            <p:ph type="dt"/>
-          </p:nvPr>
-        </p:nvSpPr>
-        <p:spPr>
-          <a:xfrm>
-            <a:off x="504000" y="6886800"/>
-            <a:ext cx="2348280" cy="520920"/>
-          </a:xfrm>
-          <a:prstGeom prst="rect">
-            <a:avLst/>
-          </a:prstGeom>
-        </p:spPr>
-        <p:txBody>
-          <a:bodyPr lIns="0" rIns="0" tIns="0" bIns="0"/>
-          <a:p>
-            <a:r>
-              <a:rPr lang="en-AU" sz="1400">
-                <a:latin typeface="Times New Roman"/>
-              </a:rPr>
-              <a:t>&lt;date/time&gt;</a:t>
-            </a:r>
-            <a:endParaRPr/>
-          </a:p>
-        </p:txBody>
-      </p:sp>
-      <p:sp>
-        <p:nvSpPr>
-          <p:cNvPr id="75" name="PlaceHolder 4"/>
-          <p:cNvSpPr>
-            <a:spLocks noGrp="1"/>
-          </p:cNvSpPr>
-          <p:nvPr>
-            <p:ph type="ftr"/>
-          </p:nvPr>
-        </p:nvSpPr>
-        <p:spPr>
-          <a:xfrm>
-            <a:off x="3447360" y="6886800"/>
-            <a:ext cx="3195000" cy="520920"/>
-          </a:xfrm>
-          <a:prstGeom prst="rect">
-            <a:avLst/>
-          </a:prstGeom>
-        </p:spPr>
-        <p:txBody>
-          <a:bodyPr lIns="0" rIns="0" tIns="0" bIns="0"/>
-          <a:p>
-            <a:pPr algn="ctr"/>
-            <a:r>
-              <a:rPr lang="en-AU" sz="1400">
-                <a:latin typeface="Times New Roman"/>
-              </a:rPr>
-              <a:t>&lt;footer&gt;</a:t>
-            </a:r>
-            <a:endParaRPr/>
-          </a:p>
-        </p:txBody>
-      </p:sp>
-      <p:sp>
-        <p:nvSpPr>
-          <p:cNvPr id="76" name="PlaceHolder 5"/>
-          <p:cNvSpPr>
-            <a:spLocks noGrp="1"/>
-          </p:cNvSpPr>
-          <p:nvPr>
-            <p:ph type="sldNum"/>
-          </p:nvPr>
-        </p:nvSpPr>
-        <p:spPr>
-          <a:xfrm>
-            <a:off x="7227720" y="6886800"/>
-            <a:ext cx="2348280" cy="520920"/>
-          </a:xfrm>
-          <a:prstGeom prst="rect">
-            <a:avLst/>
-          </a:prstGeom>
-        </p:spPr>
-        <p:txBody>
-          <a:bodyPr lIns="0" rIns="0" tIns="0" bIns="0"/>
-          <a:p>
-            <a:pPr algn="r"/>
-            <a:fld id="{88F5EB75-9D97-4973-8D96-88CB0A75570A}" type="slidenum">
-              <a:rPr lang="en-AU" sz="1400">
-                <a:latin typeface="Times New Roman"/>
-              </a:rPr>
-              <a:t>&lt;number&gt;</a:t>
-            </a:fld>
             <a:endParaRPr/>
           </a:p>
         </p:txBody>
       </p:sp>
     </p:spTree>
   </p:cSld>
-  <p:clrMap bg1="lt1" bg2="lt2" tx1="dk1" tx2="dk2" accent1="accent1" accent2="accent2" accent3="accent3" accent4="accent4" accent5="accent5" accent6="accent6" hlink="hlink" folHlink="folHlink"/>
+  <p:clrMap accent1="accent1" accent2="accent2" accent3="accent3" accent4="accent4" accent5="accent5" accent6="accent6" bg1="lt1" bg2="lt2" folHlink="folHlink" hlink="hlink" tx1="dk1" tx2="dk2"/>
   <p:sldLayoutIdLst>
     <p:sldLayoutId id="2147483675" r:id="rId2"/>
     <p:sldLayoutId id="2147483676" r:id="rId3"/>
@@ -5977,34 +5700,24 @@
       </p:grpSpPr>
       <p:sp>
         <p:nvSpPr>
-          <p:cNvPr id="116" name="CustomShape 1"/>
+          <p:cNvPr id="107" name="CustomShape 1"/>
           <p:cNvSpPr/>
           <p:nvPr/>
         </p:nvSpPr>
         <p:spPr>
           <a:xfrm>
             <a:off x="504000" y="151200"/>
-            <a:ext cx="9070920" cy="1562040"/>
-          </a:xfrm>
-          <a:prstGeom prst="rect">
-            <a:avLst/>
-          </a:prstGeom>
-          <a:noFill/>
-          <a:ln>
-            <a:noFill/>
-          </a:ln>
-        </p:spPr>
-        <p:style>
-          <a:lnRef idx="0"/>
-          <a:fillRef idx="0"/>
-          <a:effectRef idx="0"/>
-          <a:fontRef idx="minor"/>
-        </p:style>
-        <p:txBody>
-          <a:bodyPr lIns="0" rIns="0" tIns="0" bIns="0" anchor="ctr"/>
-          <a:p>
-            <a:r>
-              <a:rPr lang="en-AU" sz="4400" strike="noStrike">
+            <a:ext cx="9070560" cy="1561680"/>
+          </a:xfrm>
+          <a:prstGeom prst="rect">
+            <a:avLst/>
+          </a:prstGeom>
+        </p:spPr>
+        <p:txBody>
+          <a:bodyPr anchor="ctr" bIns="0" lIns="0" rIns="0" tIns="0"/>
+          <a:p>
+            <a:r>
+              <a:rPr lang="en-AU" sz="4400">
                 <a:solidFill>
                   <a:srgbClr val="000000"/>
                 </a:solidFill>
@@ -6017,133 +5730,104 @@
           </a:p>
           <a:p>
             <a:r>
-              <a:rPr lang="en-AU" sz="2200" strike="noStrike">
+              <a:rPr lang="en-AU" sz="2200">
                 <a:solidFill>
                   <a:srgbClr val="000000"/>
                 </a:solidFill>
                 <a:latin typeface="Arial"/>
                 <a:ea typeface="DejaVu Sans"/>
               </a:rPr>
-              <a:t>(or A Tour Through My Encryption Adventure)</a:t>
-            </a:r>
-            <a:endParaRPr/>
-          </a:p>
-          <a:p>
-            <a:pPr algn="ctr">
-              <a:lnSpc>
-                <a:spcPct val="100000"/>
-              </a:lnSpc>
-            </a:pPr>
-            <a:endParaRPr/>
-          </a:p>
-        </p:txBody>
-      </p:sp>
-      <p:sp>
-        <p:nvSpPr>
-          <p:cNvPr id="117" name="CustomShape 2"/>
+              <a:t>(no monetary gain guaranteed)</a:t>
+            </a:r>
+            <a:endParaRPr/>
+          </a:p>
+        </p:txBody>
+      </p:sp>
+      <p:sp>
+        <p:nvSpPr>
+          <p:cNvPr id="108" name="CustomShape 2"/>
           <p:cNvSpPr/>
           <p:nvPr/>
         </p:nvSpPr>
         <p:spPr>
           <a:xfrm>
             <a:off x="504000" y="1769040"/>
-            <a:ext cx="9070920" cy="4383720"/>
-          </a:xfrm>
-          <a:prstGeom prst="rect">
-            <a:avLst/>
-          </a:prstGeom>
-          <a:noFill/>
-          <a:ln>
-            <a:noFill/>
-          </a:ln>
-        </p:spPr>
-        <p:style>
-          <a:lnRef idx="0"/>
-          <a:fillRef idx="0"/>
-          <a:effectRef idx="0"/>
-          <a:fontRef idx="minor"/>
-        </p:style>
+            <a:ext cx="9070560" cy="4383360"/>
+          </a:xfrm>
+          <a:prstGeom prst="rect">
+            <a:avLst/>
+          </a:prstGeom>
+        </p:spPr>
       </p:sp>
       <p:pic>
         <p:nvPicPr>
-          <p:cNvPr id="118" name="" descr=""/>
+          <p:cNvPr descr="" id="109" name=""/>
           <p:cNvPicPr/>
           <p:nvPr/>
         </p:nvPicPr>
         <p:blipFill>
           <a:blip r:embed="rId1"/>
-          <a:stretch/>
+          <a:stretch>
+            <a:fillRect/>
+          </a:stretch>
         </p:blipFill>
         <p:spPr>
           <a:xfrm>
             <a:off x="936000" y="1800000"/>
-            <a:ext cx="8495280" cy="3959280"/>
-          </a:xfrm>
-          <a:prstGeom prst="rect">
-            <a:avLst/>
-          </a:prstGeom>
-          <a:ln>
-            <a:noFill/>
-          </a:ln>
+            <a:ext cx="8494920" cy="3958920"/>
+          </a:xfrm>
+          <a:prstGeom prst="rect">
+            <a:avLst/>
+          </a:prstGeom>
         </p:spPr>
       </p:pic>
       <p:sp>
         <p:nvSpPr>
-          <p:cNvPr id="119" name="CustomShape 3"/>
+          <p:cNvPr id="110" name="CustomShape 3"/>
           <p:cNvSpPr/>
           <p:nvPr/>
         </p:nvSpPr>
         <p:spPr>
           <a:xfrm>
             <a:off x="117360" y="3413520"/>
-            <a:ext cx="9994680" cy="2905200"/>
-          </a:xfrm>
-          <a:prstGeom prst="rect">
-            <a:avLst/>
-          </a:prstGeom>
-          <a:noFill/>
-          <a:ln>
-            <a:noFill/>
-          </a:ln>
-        </p:spPr>
-        <p:style>
-          <a:lnRef idx="0"/>
-          <a:fillRef idx="0"/>
-          <a:effectRef idx="0"/>
-          <a:fontRef idx="minor"/>
-        </p:style>
-        <p:txBody>
-          <a:bodyPr lIns="90000" rIns="90000" tIns="45000" bIns="45000"/>
-          <a:p>
-            <a:endParaRPr/>
-          </a:p>
-          <a:p>
-            <a:endParaRPr/>
-          </a:p>
-          <a:p>
-            <a:endParaRPr/>
-          </a:p>
-          <a:p>
-            <a:endParaRPr/>
-          </a:p>
-          <a:p>
-            <a:endParaRPr/>
-          </a:p>
-          <a:p>
-            <a:endParaRPr/>
-          </a:p>
-          <a:p>
-            <a:endParaRPr/>
-          </a:p>
-          <a:p>
-            <a:endParaRPr/>
-          </a:p>
-          <a:p>
-            <a:endParaRPr/>
-          </a:p>
-          <a:p>
-            <a:r>
-              <a:rPr lang="en-AU" strike="noStrike">
+            <a:ext cx="9994320" cy="2904840"/>
+          </a:xfrm>
+          <a:prstGeom prst="rect">
+            <a:avLst/>
+          </a:prstGeom>
+        </p:spPr>
+        <p:txBody>
+          <a:bodyPr bIns="45000" lIns="90000" rIns="90000" tIns="45000"/>
+          <a:p>
+            <a:endParaRPr/>
+          </a:p>
+          <a:p>
+            <a:endParaRPr/>
+          </a:p>
+          <a:p>
+            <a:endParaRPr/>
+          </a:p>
+          <a:p>
+            <a:endParaRPr/>
+          </a:p>
+          <a:p>
+            <a:endParaRPr/>
+          </a:p>
+          <a:p>
+            <a:endParaRPr/>
+          </a:p>
+          <a:p>
+            <a:endParaRPr/>
+          </a:p>
+          <a:p>
+            <a:endParaRPr/>
+          </a:p>
+          <a:p>
+            <a:endParaRPr/>
+          </a:p>
+          <a:p>
+            <a:r>
+              <a:rPr lang="en-AU">
                 <a:solidFill>
                   <a:srgbClr val="000000"/>
                 </a:solidFill>
@@ -6161,10 +5845,12 @@
   <p:timing>
     <p:tnLst>
       <p:par>
-        <p:cTn id="1" dur="indefinite" restart="never" nodeType="tmRoot">
+        <p:cTn dur="indefinite" id="1" nodeType="tmRoot" restart="never">
           <p:childTnLst>
             <p:seq>
-              <p:cTn id="2" nodeType="mainSeq"/>
+              <p:cTn id="2" nodeType="mainSeq">
+                <p:childTnLst/>
+              </p:cTn>
               <p:prevCondLst>
                 <p:cond delay="0" evt="onPrev">
                   <p:tgtEl>
@@ -6207,31 +5893,21 @@
       </p:grpSpPr>
       <p:sp>
         <p:nvSpPr>
-          <p:cNvPr id="144" name="CustomShape 1"/>
+          <p:cNvPr id="135" name="CustomShape 1"/>
           <p:cNvSpPr/>
           <p:nvPr/>
         </p:nvSpPr>
         <p:spPr>
           <a:xfrm>
             <a:off x="504000" y="301320"/>
-            <a:ext cx="9070920" cy="1261440"/>
-          </a:xfrm>
-          <a:prstGeom prst="rect">
-            <a:avLst/>
-          </a:prstGeom>
-          <a:noFill/>
-          <a:ln>
-            <a:noFill/>
-          </a:ln>
-        </p:spPr>
-        <p:style>
-          <a:lnRef idx="0"/>
-          <a:fillRef idx="0"/>
-          <a:effectRef idx="0"/>
-          <a:fontRef idx="minor"/>
-        </p:style>
-        <p:txBody>
-          <a:bodyPr lIns="0" rIns="0" tIns="0" bIns="0" anchor="ctr"/>
+            <a:ext cx="9070560" cy="1261080"/>
+          </a:xfrm>
+          <a:prstGeom prst="rect">
+            <a:avLst/>
+          </a:prstGeom>
+        </p:spPr>
+        <p:txBody>
+          <a:bodyPr anchor="ctr" bIns="0" lIns="0" rIns="0" tIns="0"/>
           <a:p>
             <a:pPr algn="ctr">
               <a:lnSpc>
@@ -6239,7 +5915,7 @@
               </a:lnSpc>
             </a:pPr>
             <a:r>
-              <a:rPr lang="en-AU" sz="4400" strike="noStrike">
+              <a:rPr lang="en-AU" sz="4400">
                 <a:solidFill>
                   <a:srgbClr val="000000"/>
                 </a:solidFill>
@@ -6254,42 +5930,32 @@
       </p:sp>
       <p:sp>
         <p:nvSpPr>
-          <p:cNvPr id="145" name="CustomShape 2"/>
+          <p:cNvPr id="136" name="CustomShape 2"/>
           <p:cNvSpPr/>
           <p:nvPr/>
         </p:nvSpPr>
         <p:spPr>
           <a:xfrm>
             <a:off x="504000" y="1769040"/>
-            <a:ext cx="9070920" cy="4383720"/>
-          </a:xfrm>
-          <a:prstGeom prst="rect">
-            <a:avLst/>
-          </a:prstGeom>
-          <a:noFill/>
-          <a:ln>
-            <a:noFill/>
-          </a:ln>
-        </p:spPr>
-        <p:style>
-          <a:lnRef idx="0"/>
-          <a:fillRef idx="0"/>
-          <a:effectRef idx="0"/>
-          <a:fontRef idx="minor"/>
-        </p:style>
-        <p:txBody>
-          <a:bodyPr lIns="0" rIns="0" tIns="0" bIns="0"/>
-          <a:p>
-            <a:pPr>
-              <a:lnSpc>
-                <a:spcPct val="100000"/>
-              </a:lnSpc>
-              <a:buSzPct val="45000"/>
-              <a:buFont typeface="StarSymbol"/>
-              <a:buChar char="l"/>
-            </a:pPr>
-            <a:r>
-              <a:rPr lang="en-AU" sz="3200" strike="noStrike">
+            <a:ext cx="9070560" cy="4383360"/>
+          </a:xfrm>
+          <a:prstGeom prst="rect">
+            <a:avLst/>
+          </a:prstGeom>
+        </p:spPr>
+        <p:txBody>
+          <a:bodyPr bIns="0" lIns="0" rIns="0" tIns="0"/>
+          <a:p>
+            <a:pPr>
+              <a:lnSpc>
+                <a:spcPct val="100000"/>
+              </a:lnSpc>
+              <a:buSzPct val="45000"/>
+              <a:buFont typeface="StarSymbol"/>
+              <a:buChar char="l"/>
+            </a:pPr>
+            <a:r>
+              <a:rPr lang="en-AU" sz="3200">
                 <a:solidFill>
                   <a:srgbClr val="000000"/>
                 </a:solidFill>
@@ -6310,7 +5976,7 @@
               <a:buChar char="l"/>
             </a:pPr>
             <a:r>
-              <a:rPr lang="en-AU" sz="3200" strike="noStrike">
+              <a:rPr lang="en-AU" sz="3200">
                 <a:solidFill>
                   <a:srgbClr val="000000"/>
                 </a:solidFill>
@@ -6331,7 +5997,7 @@
               <a:buChar char="l"/>
             </a:pPr>
             <a:r>
-              <a:rPr lang="en-AU" sz="3200" strike="noStrike">
+              <a:rPr lang="en-AU" sz="3200">
                 <a:solidFill>
                   <a:srgbClr val="000000"/>
                 </a:solidFill>
@@ -6349,10 +6015,12 @@
   <p:timing>
     <p:tnLst>
       <p:par>
-        <p:cTn id="19" dur="indefinite" restart="never" nodeType="tmRoot">
+        <p:cTn dur="indefinite" id="19" nodeType="tmRoot" restart="never">
           <p:childTnLst>
             <p:seq>
-              <p:cTn id="20" nodeType="mainSeq"/>
+              <p:cTn id="20" nodeType="mainSeq">
+                <p:childTnLst/>
+              </p:cTn>
               <p:prevCondLst>
                 <p:cond delay="0" evt="onPrev">
                   <p:tgtEl>
@@ -6395,31 +6063,21 @@
       </p:grpSpPr>
       <p:sp>
         <p:nvSpPr>
-          <p:cNvPr id="146" name="CustomShape 1"/>
+          <p:cNvPr id="137" name="CustomShape 1"/>
           <p:cNvSpPr/>
           <p:nvPr/>
         </p:nvSpPr>
         <p:spPr>
           <a:xfrm>
             <a:off x="504000" y="301320"/>
-            <a:ext cx="9070920" cy="1261440"/>
-          </a:xfrm>
-          <a:prstGeom prst="rect">
-            <a:avLst/>
-          </a:prstGeom>
-          <a:noFill/>
-          <a:ln>
-            <a:noFill/>
-          </a:ln>
-        </p:spPr>
-        <p:style>
-          <a:lnRef idx="0"/>
-          <a:fillRef idx="0"/>
-          <a:effectRef idx="0"/>
-          <a:fontRef idx="minor"/>
-        </p:style>
-        <p:txBody>
-          <a:bodyPr lIns="0" rIns="0" tIns="0" bIns="0" anchor="ctr"/>
+            <a:ext cx="9070560" cy="1261080"/>
+          </a:xfrm>
+          <a:prstGeom prst="rect">
+            <a:avLst/>
+          </a:prstGeom>
+        </p:spPr>
+        <p:txBody>
+          <a:bodyPr anchor="ctr" bIns="0" lIns="0" rIns="0" tIns="0"/>
           <a:p>
             <a:pPr algn="ctr">
               <a:lnSpc>
@@ -6427,7 +6085,7 @@
               </a:lnSpc>
             </a:pPr>
             <a:r>
-              <a:rPr lang="en-AU" sz="4400" strike="noStrike">
+              <a:rPr lang="en-AU" sz="4400">
                 <a:solidFill>
                   <a:srgbClr val="000000"/>
                 </a:solidFill>
@@ -6442,74 +6100,59 @@
       </p:sp>
       <p:sp>
         <p:nvSpPr>
-          <p:cNvPr id="147" name="CustomShape 2"/>
+          <p:cNvPr id="138" name="CustomShape 2"/>
           <p:cNvSpPr/>
           <p:nvPr/>
         </p:nvSpPr>
         <p:spPr>
           <a:xfrm>
             <a:off x="504000" y="1769040"/>
-            <a:ext cx="9070920" cy="4383720"/>
-          </a:xfrm>
-          <a:prstGeom prst="rect">
-            <a:avLst/>
-          </a:prstGeom>
-          <a:noFill/>
-          <a:ln>
-            <a:noFill/>
-          </a:ln>
-        </p:spPr>
-        <p:style>
-          <a:lnRef idx="0"/>
-          <a:fillRef idx="0"/>
-          <a:effectRef idx="0"/>
-          <a:fontRef idx="minor"/>
-        </p:style>
+            <a:ext cx="9070560" cy="4383360"/>
+          </a:xfrm>
+          <a:prstGeom prst="rect">
+            <a:avLst/>
+          </a:prstGeom>
+        </p:spPr>
       </p:sp>
       <p:pic>
         <p:nvPicPr>
-          <p:cNvPr id="148" name="" descr=""/>
+          <p:cNvPr descr="" id="139" name=""/>
           <p:cNvPicPr/>
           <p:nvPr/>
         </p:nvPicPr>
         <p:blipFill>
           <a:blip r:embed="rId1"/>
-          <a:stretch/>
+          <a:stretch>
+            <a:fillRect/>
+          </a:stretch>
         </p:blipFill>
         <p:spPr>
           <a:xfrm>
             <a:off x="1584000" y="1296000"/>
-            <a:ext cx="6696000" cy="5400000"/>
-          </a:xfrm>
-          <a:prstGeom prst="rect">
-            <a:avLst/>
-          </a:prstGeom>
-          <a:ln>
-            <a:noFill/>
-          </a:ln>
+            <a:ext cx="6695640" cy="5399640"/>
+          </a:xfrm>
+          <a:prstGeom prst="rect">
+            <a:avLst/>
+          </a:prstGeom>
         </p:spPr>
       </p:pic>
       <p:sp>
         <p:nvSpPr>
-          <p:cNvPr id="149" name="TextShape 3"/>
-          <p:cNvSpPr txBox="1"/>
+          <p:cNvPr id="140" name="CustomShape 3"/>
+          <p:cNvSpPr/>
           <p:nvPr/>
         </p:nvSpPr>
         <p:spPr>
           <a:xfrm>
             <a:off x="1804320" y="3600720"/>
-            <a:ext cx="6621120" cy="3417840"/>
-          </a:xfrm>
-          <a:prstGeom prst="rect">
-            <a:avLst/>
-          </a:prstGeom>
-          <a:noFill/>
-          <a:ln>
-            <a:noFill/>
-          </a:ln>
-        </p:spPr>
-        <p:txBody>
-          <a:bodyPr lIns="90000" rIns="90000" tIns="45000" bIns="45000"/>
+            <a:ext cx="6620760" cy="3417480"/>
+          </a:xfrm>
+          <a:prstGeom prst="rect">
+            <a:avLst/>
+          </a:prstGeom>
+        </p:spPr>
+        <p:txBody>
+          <a:bodyPr bIns="45000" lIns="90000" rIns="90000" tIns="45000"/>
           <a:p>
             <a:endParaRPr/>
           </a:p>
@@ -6562,10 +6205,12 @@
   <p:timing>
     <p:tnLst>
       <p:par>
-        <p:cTn id="21" dur="indefinite" restart="never" nodeType="tmRoot">
+        <p:cTn dur="indefinite" id="21" nodeType="tmRoot" restart="never">
           <p:childTnLst>
             <p:seq>
-              <p:cTn id="22" nodeType="mainSeq"/>
+              <p:cTn id="22" nodeType="mainSeq">
+                <p:childTnLst/>
+              </p:cTn>
               <p:prevCondLst>
                 <p:cond delay="0" evt="onPrev">
                   <p:tgtEl>
@@ -6608,31 +6253,21 @@
       </p:grpSpPr>
       <p:sp>
         <p:nvSpPr>
-          <p:cNvPr id="150" name="CustomShape 1"/>
+          <p:cNvPr id="141" name="CustomShape 1"/>
           <p:cNvSpPr/>
           <p:nvPr/>
         </p:nvSpPr>
         <p:spPr>
           <a:xfrm>
             <a:off x="504000" y="301320"/>
-            <a:ext cx="9070920" cy="1261440"/>
-          </a:xfrm>
-          <a:prstGeom prst="rect">
-            <a:avLst/>
-          </a:prstGeom>
-          <a:noFill/>
-          <a:ln>
-            <a:noFill/>
-          </a:ln>
-        </p:spPr>
-        <p:style>
-          <a:lnRef idx="0"/>
-          <a:fillRef idx="0"/>
-          <a:effectRef idx="0"/>
-          <a:fontRef idx="minor"/>
-        </p:style>
-        <p:txBody>
-          <a:bodyPr lIns="0" rIns="0" tIns="0" bIns="0" anchor="ctr"/>
+            <a:ext cx="9070560" cy="1261080"/>
+          </a:xfrm>
+          <a:prstGeom prst="rect">
+            <a:avLst/>
+          </a:prstGeom>
+        </p:spPr>
+        <p:txBody>
+          <a:bodyPr anchor="ctr" bIns="0" lIns="0" rIns="0" tIns="0"/>
           <a:p>
             <a:pPr algn="ctr">
               <a:lnSpc>
@@ -6640,7 +6275,7 @@
               </a:lnSpc>
             </a:pPr>
             <a:r>
-              <a:rPr lang="en-AU" sz="4400" strike="noStrike">
+              <a:rPr lang="en-AU" sz="4400">
                 <a:solidFill>
                   <a:srgbClr val="000000"/>
                 </a:solidFill>
@@ -6655,42 +6290,32 @@
       </p:sp>
       <p:sp>
         <p:nvSpPr>
-          <p:cNvPr id="151" name="CustomShape 2"/>
+          <p:cNvPr id="142" name="CustomShape 2"/>
           <p:cNvSpPr/>
           <p:nvPr/>
         </p:nvSpPr>
         <p:spPr>
           <a:xfrm>
             <a:off x="504000" y="1769040"/>
-            <a:ext cx="9070920" cy="4383720"/>
-          </a:xfrm>
-          <a:prstGeom prst="rect">
-            <a:avLst/>
-          </a:prstGeom>
-          <a:noFill/>
-          <a:ln>
-            <a:noFill/>
-          </a:ln>
-        </p:spPr>
-        <p:style>
-          <a:lnRef idx="0"/>
-          <a:fillRef idx="0"/>
-          <a:effectRef idx="0"/>
-          <a:fontRef idx="minor"/>
-        </p:style>
-        <p:txBody>
-          <a:bodyPr lIns="0" rIns="0" tIns="0" bIns="0"/>
-          <a:p>
-            <a:pPr>
-              <a:lnSpc>
-                <a:spcPct val="100000"/>
-              </a:lnSpc>
-              <a:buSzPct val="45000"/>
-              <a:buFont typeface="StarSymbol"/>
-              <a:buChar char="l"/>
-            </a:pPr>
-            <a:r>
-              <a:rPr lang="en-AU" sz="3200" strike="noStrike">
+            <a:ext cx="9070560" cy="4383360"/>
+          </a:xfrm>
+          <a:prstGeom prst="rect">
+            <a:avLst/>
+          </a:prstGeom>
+        </p:spPr>
+        <p:txBody>
+          <a:bodyPr bIns="0" lIns="0" rIns="0" tIns="0"/>
+          <a:p>
+            <a:pPr>
+              <a:lnSpc>
+                <a:spcPct val="100000"/>
+              </a:lnSpc>
+              <a:buSzPct val="45000"/>
+              <a:buFont typeface="StarSymbol"/>
+              <a:buChar char="l"/>
+            </a:pPr>
+            <a:r>
+              <a:rPr lang="en-AU" sz="3200">
                 <a:solidFill>
                   <a:srgbClr val="000000"/>
                 </a:solidFill>
@@ -6711,7 +6336,7 @@
               <a:buChar char="l"/>
             </a:pPr>
             <a:r>
-              <a:rPr lang="en-AU" sz="3200" strike="noStrike">
+              <a:rPr lang="en-AU" sz="3200">
                 <a:solidFill>
                   <a:srgbClr val="000000"/>
                 </a:solidFill>
@@ -6732,7 +6357,7 @@
               <a:buChar char="l"/>
             </a:pPr>
             <a:r>
-              <a:rPr lang="en-AU" sz="2800" strike="noStrike">
+              <a:rPr lang="en-AU" sz="2800">
                 <a:solidFill>
                   <a:srgbClr val="000000"/>
                 </a:solidFill>
@@ -6753,7 +6378,7 @@
               <a:buChar char="l"/>
             </a:pPr>
             <a:r>
-              <a:rPr lang="en-AU" sz="3200" strike="noStrike">
+              <a:rPr lang="en-AU" sz="3200">
                 <a:solidFill>
                   <a:srgbClr val="000000"/>
                 </a:solidFill>
@@ -6774,7 +6399,7 @@
               <a:buChar char="l"/>
             </a:pPr>
             <a:r>
-              <a:rPr lang="en-AU" sz="2800" strike="noStrike">
+              <a:rPr lang="en-AU" sz="2800">
                 <a:solidFill>
                   <a:srgbClr val="000000"/>
                 </a:solidFill>
@@ -6792,10 +6417,12 @@
   <p:timing>
     <p:tnLst>
       <p:par>
-        <p:cTn id="23" dur="indefinite" restart="never" nodeType="tmRoot">
+        <p:cTn dur="indefinite" id="23" nodeType="tmRoot" restart="never">
           <p:childTnLst>
             <p:seq>
-              <p:cTn id="24" nodeType="mainSeq"/>
+              <p:cTn id="24" nodeType="mainSeq">
+                <p:childTnLst/>
+              </p:cTn>
               <p:prevCondLst>
                 <p:cond delay="0" evt="onPrev">
                   <p:tgtEl>
@@ -6838,31 +6465,21 @@
       </p:grpSpPr>
       <p:sp>
         <p:nvSpPr>
-          <p:cNvPr id="152" name="CustomShape 1"/>
+          <p:cNvPr id="143" name="CustomShape 1"/>
           <p:cNvSpPr/>
           <p:nvPr/>
         </p:nvSpPr>
         <p:spPr>
           <a:xfrm>
             <a:off x="504000" y="301320"/>
-            <a:ext cx="9070920" cy="1261440"/>
-          </a:xfrm>
-          <a:prstGeom prst="rect">
-            <a:avLst/>
-          </a:prstGeom>
-          <a:noFill/>
-          <a:ln>
-            <a:noFill/>
-          </a:ln>
-        </p:spPr>
-        <p:style>
-          <a:lnRef idx="0"/>
-          <a:fillRef idx="0"/>
-          <a:effectRef idx="0"/>
-          <a:fontRef idx="minor"/>
-        </p:style>
-        <p:txBody>
-          <a:bodyPr lIns="0" rIns="0" tIns="0" bIns="0" anchor="ctr"/>
+            <a:ext cx="9070560" cy="1261080"/>
+          </a:xfrm>
+          <a:prstGeom prst="rect">
+            <a:avLst/>
+          </a:prstGeom>
+        </p:spPr>
+        <p:txBody>
+          <a:bodyPr anchor="ctr" bIns="0" lIns="0" rIns="0" tIns="0"/>
           <a:p>
             <a:pPr algn="ctr">
               <a:lnSpc>
@@ -6870,7 +6487,7 @@
               </a:lnSpc>
             </a:pPr>
             <a:r>
-              <a:rPr lang="en-AU" sz="4400" strike="noStrike">
+              <a:rPr lang="en-AU" sz="4400">
                 <a:solidFill>
                   <a:srgbClr val="000000"/>
                 </a:solidFill>
@@ -6885,42 +6502,32 @@
       </p:sp>
       <p:sp>
         <p:nvSpPr>
-          <p:cNvPr id="153" name="CustomShape 2"/>
+          <p:cNvPr id="144" name="CustomShape 2"/>
           <p:cNvSpPr/>
           <p:nvPr/>
         </p:nvSpPr>
         <p:spPr>
           <a:xfrm>
             <a:off x="504000" y="1769040"/>
-            <a:ext cx="9070920" cy="4383720"/>
-          </a:xfrm>
-          <a:prstGeom prst="rect">
-            <a:avLst/>
-          </a:prstGeom>
-          <a:noFill/>
-          <a:ln>
-            <a:noFill/>
-          </a:ln>
-        </p:spPr>
-        <p:style>
-          <a:lnRef idx="0"/>
-          <a:fillRef idx="0"/>
-          <a:effectRef idx="0"/>
-          <a:fontRef idx="minor"/>
-        </p:style>
-        <p:txBody>
-          <a:bodyPr lIns="0" rIns="0" tIns="0" bIns="0"/>
-          <a:p>
-            <a:pPr>
-              <a:lnSpc>
-                <a:spcPct val="100000"/>
-              </a:lnSpc>
-              <a:buSzPct val="45000"/>
-              <a:buFont typeface="StarSymbol"/>
-              <a:buChar char="l"/>
-            </a:pPr>
-            <a:r>
-              <a:rPr lang="en-AU" sz="3200" strike="noStrike">
+            <a:ext cx="9070560" cy="4383360"/>
+          </a:xfrm>
+          <a:prstGeom prst="rect">
+            <a:avLst/>
+          </a:prstGeom>
+        </p:spPr>
+        <p:txBody>
+          <a:bodyPr bIns="0" lIns="0" rIns="0" tIns="0"/>
+          <a:p>
+            <a:pPr>
+              <a:lnSpc>
+                <a:spcPct val="100000"/>
+              </a:lnSpc>
+              <a:buSzPct val="45000"/>
+              <a:buFont typeface="StarSymbol"/>
+              <a:buChar char="l"/>
+            </a:pPr>
+            <a:r>
+              <a:rPr lang="en-AU" sz="3200">
                 <a:solidFill>
                   <a:srgbClr val="000000"/>
                 </a:solidFill>
@@ -6941,7 +6548,7 @@
               <a:buChar char="l"/>
             </a:pPr>
             <a:r>
-              <a:rPr lang="en-AU" sz="2800" strike="noStrike">
+              <a:rPr lang="en-AU" sz="2800">
                 <a:solidFill>
                   <a:srgbClr val="000000"/>
                 </a:solidFill>
@@ -6962,7 +6569,7 @@
               <a:buChar char="l"/>
             </a:pPr>
             <a:r>
-              <a:rPr lang="en-AU" sz="3200" strike="noStrike">
+              <a:rPr lang="en-AU" sz="3200">
                 <a:solidFill>
                   <a:srgbClr val="000000"/>
                 </a:solidFill>
@@ -6983,7 +6590,7 @@
               <a:buChar char="l"/>
             </a:pPr>
             <a:r>
-              <a:rPr lang="en-AU" sz="2800" strike="noStrike">
+              <a:rPr lang="en-AU" sz="2800">
                 <a:solidFill>
                   <a:srgbClr val="000000"/>
                 </a:solidFill>
@@ -7004,7 +6611,7 @@
               <a:buChar char="l"/>
             </a:pPr>
             <a:r>
-              <a:rPr lang="en-AU" sz="3200" strike="noStrike">
+              <a:rPr lang="en-AU" sz="3200">
                 <a:solidFill>
                   <a:srgbClr val="000000"/>
                 </a:solidFill>
@@ -7025,7 +6632,7 @@
               <a:buChar char="l"/>
             </a:pPr>
             <a:r>
-              <a:rPr lang="en-AU" sz="2800" strike="noStrike">
+              <a:rPr lang="en-AU" sz="2800">
                 <a:solidFill>
                   <a:srgbClr val="000000"/>
                 </a:solidFill>
@@ -7046,7 +6653,7 @@
               <a:buChar char="l"/>
             </a:pPr>
             <a:r>
-              <a:rPr lang="en-AU" sz="2800" strike="noStrike">
+              <a:rPr lang="en-AU" sz="2800">
                 <a:solidFill>
                   <a:srgbClr val="000000"/>
                 </a:solidFill>
@@ -7067,7 +6674,7 @@
               <a:buChar char="l"/>
             </a:pPr>
             <a:r>
-              <a:rPr lang="en-AU" sz="3200" strike="noStrike">
+              <a:rPr lang="en-AU" sz="3200">
                 <a:solidFill>
                   <a:srgbClr val="000000"/>
                 </a:solidFill>
@@ -7088,7 +6695,7 @@
               <a:buChar char="l"/>
             </a:pPr>
             <a:r>
-              <a:rPr lang="en-AU" sz="2800" strike="noStrike">
+              <a:rPr lang="en-AU" sz="2800">
                 <a:solidFill>
                   <a:srgbClr val="000000"/>
                 </a:solidFill>
@@ -7106,10 +6713,12 @@
   <p:timing>
     <p:tnLst>
       <p:par>
-        <p:cTn id="25" dur="indefinite" restart="never" nodeType="tmRoot">
+        <p:cTn dur="indefinite" id="25" nodeType="tmRoot" restart="never">
           <p:childTnLst>
             <p:seq>
-              <p:cTn id="26" nodeType="mainSeq"/>
+              <p:cTn id="26" nodeType="mainSeq">
+                <p:childTnLst/>
+              </p:cTn>
               <p:prevCondLst>
                 <p:cond delay="0" evt="onPrev">
                   <p:tgtEl>
@@ -7152,31 +6761,21 @@
       </p:grpSpPr>
       <p:sp>
         <p:nvSpPr>
-          <p:cNvPr id="154" name="CustomShape 1"/>
+          <p:cNvPr id="145" name="CustomShape 1"/>
           <p:cNvSpPr/>
           <p:nvPr/>
         </p:nvSpPr>
         <p:spPr>
           <a:xfrm>
             <a:off x="504000" y="301320"/>
-            <a:ext cx="9070920" cy="1261440"/>
-          </a:xfrm>
-          <a:prstGeom prst="rect">
-            <a:avLst/>
-          </a:prstGeom>
-          <a:noFill/>
-          <a:ln>
-            <a:noFill/>
-          </a:ln>
-        </p:spPr>
-        <p:style>
-          <a:lnRef idx="0"/>
-          <a:fillRef idx="0"/>
-          <a:effectRef idx="0"/>
-          <a:fontRef idx="minor"/>
-        </p:style>
-        <p:txBody>
-          <a:bodyPr lIns="0" rIns="0" tIns="0" bIns="0" anchor="ctr"/>
+            <a:ext cx="9070560" cy="1261080"/>
+          </a:xfrm>
+          <a:prstGeom prst="rect">
+            <a:avLst/>
+          </a:prstGeom>
+        </p:spPr>
+        <p:txBody>
+          <a:bodyPr anchor="ctr" bIns="0" lIns="0" rIns="0" tIns="0"/>
           <a:p>
             <a:pPr algn="ctr">
               <a:lnSpc>
@@ -7184,7 +6783,7 @@
               </a:lnSpc>
             </a:pPr>
             <a:r>
-              <a:rPr lang="en-AU" sz="4400" strike="noStrike">
+              <a:rPr lang="en-AU" sz="4400">
                 <a:solidFill>
                   <a:srgbClr val="000000"/>
                 </a:solidFill>
@@ -7199,42 +6798,32 @@
       </p:sp>
       <p:sp>
         <p:nvSpPr>
-          <p:cNvPr id="155" name="CustomShape 2"/>
+          <p:cNvPr id="146" name="CustomShape 2"/>
           <p:cNvSpPr/>
           <p:nvPr/>
         </p:nvSpPr>
         <p:spPr>
           <a:xfrm>
             <a:off x="504000" y="1769040"/>
-            <a:ext cx="9070920" cy="4383720"/>
-          </a:xfrm>
-          <a:prstGeom prst="rect">
-            <a:avLst/>
-          </a:prstGeom>
-          <a:noFill/>
-          <a:ln>
-            <a:noFill/>
-          </a:ln>
-        </p:spPr>
-        <p:style>
-          <a:lnRef idx="0"/>
-          <a:fillRef idx="0"/>
-          <a:effectRef idx="0"/>
-          <a:fontRef idx="minor"/>
-        </p:style>
-        <p:txBody>
-          <a:bodyPr lIns="0" rIns="0" tIns="0" bIns="0"/>
-          <a:p>
-            <a:pPr>
-              <a:lnSpc>
-                <a:spcPct val="100000"/>
-              </a:lnSpc>
-              <a:buSzPct val="45000"/>
-              <a:buFont typeface="StarSymbol"/>
-              <a:buChar char="l"/>
-            </a:pPr>
-            <a:r>
-              <a:rPr lang="en-AU" sz="3200" strike="noStrike">
+            <a:ext cx="9070560" cy="4383360"/>
+          </a:xfrm>
+          <a:prstGeom prst="rect">
+            <a:avLst/>
+          </a:prstGeom>
+        </p:spPr>
+        <p:txBody>
+          <a:bodyPr bIns="0" lIns="0" rIns="0" tIns="0"/>
+          <a:p>
+            <a:pPr>
+              <a:lnSpc>
+                <a:spcPct val="100000"/>
+              </a:lnSpc>
+              <a:buSzPct val="45000"/>
+              <a:buFont typeface="StarSymbol"/>
+              <a:buChar char="l"/>
+            </a:pPr>
+            <a:r>
+              <a:rPr lang="en-AU" sz="3200">
                 <a:solidFill>
                   <a:srgbClr val="000000"/>
                 </a:solidFill>
@@ -7255,7 +6844,7 @@
               <a:buChar char="l"/>
             </a:pPr>
             <a:r>
-              <a:rPr lang="en-AU" sz="3200" strike="noStrike">
+              <a:rPr lang="en-AU" sz="3200">
                 <a:solidFill>
                   <a:srgbClr val="000000"/>
                 </a:solidFill>
@@ -7276,7 +6865,7 @@
               <a:buChar char="l"/>
             </a:pPr>
             <a:r>
-              <a:rPr lang="en-AU" sz="2800" strike="noStrike">
+              <a:rPr lang="en-AU" sz="2800">
                 <a:solidFill>
                   <a:srgbClr val="000000"/>
                 </a:solidFill>
@@ -7297,7 +6886,7 @@
               <a:buChar char="l"/>
             </a:pPr>
             <a:r>
-              <a:rPr lang="en-AU" sz="2800" strike="noStrike">
+              <a:rPr lang="en-AU" sz="2800">
                 <a:solidFill>
                   <a:srgbClr val="000000"/>
                 </a:solidFill>
@@ -7318,7 +6907,7 @@
               <a:buChar char="l"/>
             </a:pPr>
             <a:r>
-              <a:rPr lang="en-AU" sz="3200" strike="noStrike">
+              <a:rPr lang="en-AU" sz="3200">
                 <a:solidFill>
                   <a:srgbClr val="000000"/>
                 </a:solidFill>
@@ -7339,7 +6928,7 @@
               <a:buChar char="l"/>
             </a:pPr>
             <a:r>
-              <a:rPr lang="en-AU" sz="2800" strike="noStrike">
+              <a:rPr lang="en-AU" sz="2800">
                 <a:solidFill>
                   <a:srgbClr val="000000"/>
                 </a:solidFill>
@@ -7357,10 +6946,12 @@
   <p:timing>
     <p:tnLst>
       <p:par>
-        <p:cTn id="27" dur="indefinite" restart="never" nodeType="tmRoot">
+        <p:cTn dur="indefinite" id="27" nodeType="tmRoot" restart="never">
           <p:childTnLst>
             <p:seq>
-              <p:cTn id="28" nodeType="mainSeq"/>
+              <p:cTn id="28" nodeType="mainSeq">
+                <p:childTnLst/>
+              </p:cTn>
               <p:prevCondLst>
                 <p:cond delay="0" evt="onPrev">
                   <p:tgtEl>
@@ -7403,31 +6994,21 @@
       </p:grpSpPr>
       <p:sp>
         <p:nvSpPr>
-          <p:cNvPr id="156" name="CustomShape 1"/>
+          <p:cNvPr id="147" name="CustomShape 1"/>
           <p:cNvSpPr/>
           <p:nvPr/>
         </p:nvSpPr>
         <p:spPr>
           <a:xfrm>
             <a:off x="504000" y="301320"/>
-            <a:ext cx="9070920" cy="1261440"/>
-          </a:xfrm>
-          <a:prstGeom prst="rect">
-            <a:avLst/>
-          </a:prstGeom>
-          <a:noFill/>
-          <a:ln>
-            <a:noFill/>
-          </a:ln>
-        </p:spPr>
-        <p:style>
-          <a:lnRef idx="0"/>
-          <a:fillRef idx="0"/>
-          <a:effectRef idx="0"/>
-          <a:fontRef idx="minor"/>
-        </p:style>
-        <p:txBody>
-          <a:bodyPr lIns="0" rIns="0" tIns="0" bIns="0" anchor="ctr"/>
+            <a:ext cx="9070560" cy="1261080"/>
+          </a:xfrm>
+          <a:prstGeom prst="rect">
+            <a:avLst/>
+          </a:prstGeom>
+        </p:spPr>
+        <p:txBody>
+          <a:bodyPr anchor="ctr" bIns="0" lIns="0" rIns="0" tIns="0"/>
           <a:p>
             <a:pPr algn="ctr">
               <a:lnSpc>
@@ -7435,8 +7016,12 @@
               </a:lnSpc>
             </a:pPr>
             <a:r>
-              <a:rPr lang="en-AU" sz="4400" strike="noStrike">
-                <a:latin typeface="Arial"/>
+              <a:rPr lang="en-AU" sz="4400">
+                <a:solidFill>
+                  <a:srgbClr val="000000"/>
+                </a:solidFill>
+                <a:latin typeface="Arial"/>
+                <a:ea typeface="DejaVu Sans"/>
               </a:rPr>
               <a:t>Questions?</a:t>
             </a:r>
@@ -7449,10 +7034,12 @@
   <p:timing>
     <p:tnLst>
       <p:par>
-        <p:cTn id="29" dur="indefinite" restart="never" nodeType="tmRoot">
+        <p:cTn dur="indefinite" id="29" nodeType="tmRoot" restart="never">
           <p:childTnLst>
             <p:seq>
-              <p:cTn id="30" nodeType="mainSeq"/>
+              <p:cTn id="30" nodeType="mainSeq">
+                <p:childTnLst/>
+              </p:cTn>
               <p:prevCondLst>
                 <p:cond delay="0" evt="onPrev">
                   <p:tgtEl>
@@ -7495,57 +7082,37 @@
       </p:grpSpPr>
       <p:sp>
         <p:nvSpPr>
-          <p:cNvPr id="157" name="CustomShape 1"/>
+          <p:cNvPr id="148" name="CustomShape 1"/>
           <p:cNvSpPr/>
           <p:nvPr/>
         </p:nvSpPr>
         <p:spPr>
           <a:xfrm>
             <a:off x="504000" y="301320"/>
-            <a:ext cx="9070920" cy="1261440"/>
-          </a:xfrm>
-          <a:prstGeom prst="rect">
-            <a:avLst/>
-          </a:prstGeom>
-          <a:noFill/>
-          <a:ln>
-            <a:noFill/>
-          </a:ln>
-        </p:spPr>
-        <p:style>
-          <a:lnRef idx="0"/>
-          <a:fillRef idx="0"/>
-          <a:effectRef idx="0"/>
-          <a:fontRef idx="minor"/>
-        </p:style>
-      </p:sp>
-      <p:sp>
-        <p:nvSpPr>
-          <p:cNvPr id="158" name="CustomShape 2"/>
+            <a:ext cx="9070560" cy="1261080"/>
+          </a:xfrm>
+          <a:prstGeom prst="rect">
+            <a:avLst/>
+          </a:prstGeom>
+        </p:spPr>
+      </p:sp>
+      <p:sp>
+        <p:nvSpPr>
+          <p:cNvPr id="149" name="CustomShape 2"/>
           <p:cNvSpPr/>
           <p:nvPr/>
         </p:nvSpPr>
         <p:spPr>
           <a:xfrm>
             <a:off x="504000" y="1769040"/>
-            <a:ext cx="9070920" cy="4383720"/>
-          </a:xfrm>
-          <a:prstGeom prst="rect">
-            <a:avLst/>
-          </a:prstGeom>
-          <a:noFill/>
-          <a:ln>
-            <a:noFill/>
-          </a:ln>
-        </p:spPr>
-        <p:style>
-          <a:lnRef idx="0"/>
-          <a:fillRef idx="0"/>
-          <a:effectRef idx="0"/>
-          <a:fontRef idx="minor"/>
-        </p:style>
-        <p:txBody>
-          <a:bodyPr lIns="0" rIns="0" tIns="0" bIns="0"/>
+            <a:ext cx="9070560" cy="4383360"/>
+          </a:xfrm>
+          <a:prstGeom prst="rect">
+            <a:avLst/>
+          </a:prstGeom>
+        </p:spPr>
+        <p:txBody>
+          <a:bodyPr bIns="0" lIns="0" rIns="0" tIns="0"/>
           <a:p>
             <a:pPr>
               <a:lnSpc>
@@ -7614,87 +7181,76 @@
       </p:sp>
       <p:pic>
         <p:nvPicPr>
-          <p:cNvPr id="159" name="" descr=""/>
+          <p:cNvPr descr="" id="150" name=""/>
           <p:cNvPicPr/>
           <p:nvPr/>
         </p:nvPicPr>
         <p:blipFill>
           <a:blip r:embed="rId1"/>
-          <a:stretch/>
+          <a:stretch>
+            <a:fillRect/>
+          </a:stretch>
         </p:blipFill>
         <p:spPr>
           <a:xfrm>
             <a:off x="1296000" y="1329480"/>
-            <a:ext cx="7559280" cy="4823280"/>
-          </a:xfrm>
-          <a:prstGeom prst="rect">
-            <a:avLst/>
-          </a:prstGeom>
-          <a:ln>
-            <a:noFill/>
-          </a:ln>
+            <a:ext cx="7558920" cy="4822920"/>
+          </a:xfrm>
+          <a:prstGeom prst="rect">
+            <a:avLst/>
+          </a:prstGeom>
         </p:spPr>
       </p:pic>
       <p:sp>
         <p:nvSpPr>
-          <p:cNvPr id="160" name="CustomShape 3"/>
+          <p:cNvPr id="151" name="CustomShape 3"/>
           <p:cNvSpPr/>
           <p:nvPr/>
         </p:nvSpPr>
         <p:spPr>
           <a:xfrm>
             <a:off x="2503800" y="3827520"/>
-            <a:ext cx="5221440" cy="3161160"/>
-          </a:xfrm>
-          <a:prstGeom prst="rect">
-            <a:avLst/>
-          </a:prstGeom>
-          <a:noFill/>
-          <a:ln>
-            <a:noFill/>
-          </a:ln>
-        </p:spPr>
-        <p:style>
-          <a:lnRef idx="0"/>
-          <a:fillRef idx="0"/>
-          <a:effectRef idx="0"/>
-          <a:fontRef idx="minor"/>
-        </p:style>
-        <p:txBody>
-          <a:bodyPr lIns="90000" rIns="90000" tIns="45000" bIns="45000"/>
-          <a:p>
-            <a:endParaRPr/>
-          </a:p>
-          <a:p>
-            <a:endParaRPr/>
-          </a:p>
-          <a:p>
-            <a:endParaRPr/>
-          </a:p>
-          <a:p>
-            <a:endParaRPr/>
-          </a:p>
-          <a:p>
-            <a:endParaRPr/>
-          </a:p>
-          <a:p>
-            <a:endParaRPr/>
-          </a:p>
-          <a:p>
-            <a:endParaRPr/>
-          </a:p>
-          <a:p>
-            <a:endParaRPr/>
-          </a:p>
-          <a:p>
-            <a:endParaRPr/>
-          </a:p>
-          <a:p>
-            <a:endParaRPr/>
-          </a:p>
-          <a:p>
-            <a:r>
-              <a:rPr lang="en-AU" strike="noStrike">
+            <a:ext cx="5221080" cy="3160800"/>
+          </a:xfrm>
+          <a:prstGeom prst="rect">
+            <a:avLst/>
+          </a:prstGeom>
+        </p:spPr>
+        <p:txBody>
+          <a:bodyPr bIns="45000" lIns="90000" rIns="90000" tIns="45000"/>
+          <a:p>
+            <a:endParaRPr/>
+          </a:p>
+          <a:p>
+            <a:endParaRPr/>
+          </a:p>
+          <a:p>
+            <a:endParaRPr/>
+          </a:p>
+          <a:p>
+            <a:endParaRPr/>
+          </a:p>
+          <a:p>
+            <a:endParaRPr/>
+          </a:p>
+          <a:p>
+            <a:endParaRPr/>
+          </a:p>
+          <a:p>
+            <a:endParaRPr/>
+          </a:p>
+          <a:p>
+            <a:endParaRPr/>
+          </a:p>
+          <a:p>
+            <a:endParaRPr/>
+          </a:p>
+          <a:p>
+            <a:endParaRPr/>
+          </a:p>
+          <a:p>
+            <a:r>
+              <a:rPr lang="en-AU">
                 <a:solidFill>
                   <a:srgbClr val="000000"/>
                 </a:solidFill>
@@ -7715,10 +7271,12 @@
   <p:timing>
     <p:tnLst>
       <p:par>
-        <p:cTn id="31" dur="indefinite" restart="never" nodeType="tmRoot">
+        <p:cTn dur="indefinite" id="31" nodeType="tmRoot" restart="never">
           <p:childTnLst>
             <p:seq>
-              <p:cTn id="32" nodeType="mainSeq"/>
+              <p:cTn id="32" nodeType="mainSeq">
+                <p:childTnLst/>
+              </p:cTn>
               <p:prevCondLst>
                 <p:cond delay="0" evt="onPrev">
                   <p:tgtEl>
@@ -7761,31 +7319,21 @@
       </p:grpSpPr>
       <p:sp>
         <p:nvSpPr>
-          <p:cNvPr id="120" name="CustomShape 1"/>
+          <p:cNvPr id="111" name="CustomShape 1"/>
           <p:cNvSpPr/>
           <p:nvPr/>
         </p:nvSpPr>
         <p:spPr>
           <a:xfrm>
             <a:off x="504000" y="301320"/>
-            <a:ext cx="9070920" cy="1261440"/>
-          </a:xfrm>
-          <a:prstGeom prst="rect">
-            <a:avLst/>
-          </a:prstGeom>
-          <a:noFill/>
-          <a:ln>
-            <a:noFill/>
-          </a:ln>
-        </p:spPr>
-        <p:style>
-          <a:lnRef idx="0"/>
-          <a:fillRef idx="0"/>
-          <a:effectRef idx="0"/>
-          <a:fontRef idx="minor"/>
-        </p:style>
-        <p:txBody>
-          <a:bodyPr lIns="0" rIns="0" tIns="0" bIns="0" anchor="ctr"/>
+            <a:ext cx="9070560" cy="1261080"/>
+          </a:xfrm>
+          <a:prstGeom prst="rect">
+            <a:avLst/>
+          </a:prstGeom>
+        </p:spPr>
+        <p:txBody>
+          <a:bodyPr anchor="ctr" bIns="0" lIns="0" rIns="0" tIns="0"/>
           <a:p>
             <a:pPr algn="ctr">
               <a:lnSpc>
@@ -7793,8 +7341,12 @@
               </a:lnSpc>
             </a:pPr>
             <a:r>
-              <a:rPr lang="en-AU" sz="4400" strike="noStrike">
-                <a:latin typeface="Arial"/>
+              <a:rPr lang="en-AU" sz="4400">
+                <a:solidFill>
+                  <a:srgbClr val="000000"/>
+                </a:solidFill>
+                <a:latin typeface="Arial"/>
+                <a:ea typeface="DejaVu Sans"/>
               </a:rPr>
               <a:t>Agenda</a:t>
             </a:r>
@@ -7804,43 +7356,37 @@
       </p:sp>
       <p:sp>
         <p:nvSpPr>
-          <p:cNvPr id="121" name="CustomShape 2"/>
+          <p:cNvPr id="112" name="CustomShape 2"/>
           <p:cNvSpPr/>
           <p:nvPr/>
         </p:nvSpPr>
         <p:spPr>
           <a:xfrm>
             <a:off x="504000" y="1768680"/>
-            <a:ext cx="9071640" cy="4383720"/>
-          </a:xfrm>
-          <a:prstGeom prst="rect">
-            <a:avLst/>
-          </a:prstGeom>
-          <a:noFill/>
-          <a:ln>
-            <a:noFill/>
-          </a:ln>
-        </p:spPr>
-        <p:style>
-          <a:lnRef idx="0"/>
-          <a:fillRef idx="0"/>
-          <a:effectRef idx="0"/>
-          <a:fontRef idx="minor"/>
-        </p:style>
-        <p:txBody>
-          <a:bodyPr lIns="0" rIns="0" tIns="0" bIns="0"/>
-          <a:p>
-            <a:pPr>
-              <a:lnSpc>
-                <a:spcPct val="100000"/>
-              </a:lnSpc>
-              <a:buSzPct val="45000"/>
-              <a:buFont typeface="StarSymbol"/>
-              <a:buChar char="l"/>
-            </a:pPr>
-            <a:r>
-              <a:rPr lang="en-AU" sz="3200" strike="noStrike">
-                <a:latin typeface="Arial"/>
+            <a:ext cx="9071280" cy="4383360"/>
+          </a:xfrm>
+          <a:prstGeom prst="rect">
+            <a:avLst/>
+          </a:prstGeom>
+        </p:spPr>
+        <p:txBody>
+          <a:bodyPr bIns="0" lIns="0" rIns="0" tIns="0"/>
+          <a:p>
+            <a:pPr>
+              <a:lnSpc>
+                <a:spcPct val="100000"/>
+              </a:lnSpc>
+              <a:buSzPct val="45000"/>
+              <a:buFont typeface="StarSymbol"/>
+              <a:buChar char="l"/>
+            </a:pPr>
+            <a:r>
+              <a:rPr lang="en-AU" sz="3200">
+                <a:solidFill>
+                  <a:srgbClr val="000000"/>
+                </a:solidFill>
+                <a:latin typeface="Arial"/>
+                <a:ea typeface="DejaVu Sans"/>
               </a:rPr>
               <a:t>Encryption and Tools</a:t>
             </a:r>
@@ -7856,8 +7402,12 @@
               <a:buChar char="l"/>
             </a:pPr>
             <a:r>
-              <a:rPr lang="en-AU" sz="3200" strike="noStrike">
-                <a:latin typeface="Arial"/>
+              <a:rPr lang="en-AU" sz="3200">
+                <a:solidFill>
+                  <a:srgbClr val="000000"/>
+                </a:solidFill>
+                <a:latin typeface="Arial"/>
+                <a:ea typeface="DejaVu Sans"/>
               </a:rPr>
               <a:t>Getting Started with GPG</a:t>
             </a:r>
@@ -7873,8 +7423,12 @@
               <a:buChar char="l"/>
             </a:pPr>
             <a:r>
-              <a:rPr lang="en-AU" sz="3200" strike="noStrike">
-                <a:latin typeface="Arial"/>
+              <a:rPr lang="en-AU" sz="3200">
+                <a:solidFill>
+                  <a:srgbClr val="000000"/>
+                </a:solidFill>
+                <a:latin typeface="Arial"/>
+                <a:ea typeface="DejaVu Sans"/>
               </a:rPr>
               <a:t>Encrypting and Decrypting Files</a:t>
             </a:r>
@@ -7890,8 +7444,12 @@
               <a:buChar char="l"/>
             </a:pPr>
             <a:r>
-              <a:rPr lang="en-AU" sz="3200" strike="noStrike">
-                <a:latin typeface="Arial"/>
+              <a:rPr lang="en-AU" sz="3200">
+                <a:solidFill>
+                  <a:srgbClr val="000000"/>
+                </a:solidFill>
+                <a:latin typeface="Arial"/>
+                <a:ea typeface="DejaVu Sans"/>
               </a:rPr>
               <a:t>Sharing Keys</a:t>
             </a:r>
@@ -7907,8 +7465,12 @@
               <a:buChar char="l"/>
             </a:pPr>
             <a:r>
-              <a:rPr lang="en-AU" sz="3200" strike="noStrike">
-                <a:latin typeface="Arial"/>
+              <a:rPr lang="en-AU" sz="3200">
+                <a:solidFill>
+                  <a:srgbClr val="000000"/>
+                </a:solidFill>
+                <a:latin typeface="Arial"/>
+                <a:ea typeface="DejaVu Sans"/>
               </a:rPr>
               <a:t>Trusting Keys</a:t>
             </a:r>
@@ -7924,8 +7486,12 @@
               <a:buChar char="l"/>
             </a:pPr>
             <a:r>
-              <a:rPr lang="en-AU" sz="3200" strike="noStrike">
-                <a:latin typeface="Arial"/>
+              <a:rPr lang="en-AU" sz="3200">
+                <a:solidFill>
+                  <a:srgbClr val="000000"/>
+                </a:solidFill>
+                <a:latin typeface="Arial"/>
+                <a:ea typeface="DejaVu Sans"/>
               </a:rPr>
               <a:t>An Application</a:t>
             </a:r>
@@ -7938,10 +7504,12 @@
   <p:timing>
     <p:tnLst>
       <p:par>
-        <p:cTn id="3" dur="indefinite" restart="never" nodeType="tmRoot">
+        <p:cTn dur="indefinite" id="3" nodeType="tmRoot" restart="never">
           <p:childTnLst>
             <p:seq>
-              <p:cTn id="4" nodeType="mainSeq"/>
+              <p:cTn id="4" nodeType="mainSeq">
+                <p:childTnLst/>
+              </p:cTn>
               <p:prevCondLst>
                 <p:cond delay="0" evt="onPrev">
                   <p:tgtEl>
@@ -7984,31 +7552,21 @@
       </p:grpSpPr>
       <p:sp>
         <p:nvSpPr>
-          <p:cNvPr id="122" name="CustomShape 1"/>
+          <p:cNvPr id="113" name="CustomShape 1"/>
           <p:cNvSpPr/>
           <p:nvPr/>
         </p:nvSpPr>
         <p:spPr>
           <a:xfrm>
             <a:off x="504000" y="301320"/>
-            <a:ext cx="9070920" cy="1261440"/>
-          </a:xfrm>
-          <a:prstGeom prst="rect">
-            <a:avLst/>
-          </a:prstGeom>
-          <a:noFill/>
-          <a:ln>
-            <a:noFill/>
-          </a:ln>
-        </p:spPr>
-        <p:style>
-          <a:lnRef idx="0"/>
-          <a:fillRef idx="0"/>
-          <a:effectRef idx="0"/>
-          <a:fontRef idx="minor"/>
-        </p:style>
-        <p:txBody>
-          <a:bodyPr lIns="0" rIns="0" tIns="0" bIns="0" anchor="ctr"/>
+            <a:ext cx="9070560" cy="1261080"/>
+          </a:xfrm>
+          <a:prstGeom prst="rect">
+            <a:avLst/>
+          </a:prstGeom>
+        </p:spPr>
+        <p:txBody>
+          <a:bodyPr anchor="ctr" bIns="0" lIns="0" rIns="0" tIns="0"/>
           <a:p>
             <a:pPr algn="ctr">
               <a:lnSpc>
@@ -8016,7 +7574,7 @@
               </a:lnSpc>
             </a:pPr>
             <a:r>
-              <a:rPr lang="en-AU" sz="4400" strike="noStrike">
+              <a:rPr lang="en-AU" sz="4400">
                 <a:solidFill>
                   <a:srgbClr val="000000"/>
                 </a:solidFill>
@@ -8031,113 +7589,97 @@
       </p:sp>
       <p:sp>
         <p:nvSpPr>
-          <p:cNvPr id="123" name="CustomShape 2"/>
+          <p:cNvPr id="114" name="CustomShape 2"/>
           <p:cNvSpPr/>
           <p:nvPr/>
         </p:nvSpPr>
         <p:spPr>
           <a:xfrm>
             <a:off x="504000" y="1769040"/>
-            <a:ext cx="9070920" cy="4383720"/>
-          </a:xfrm>
-          <a:prstGeom prst="rect">
-            <a:avLst/>
-          </a:prstGeom>
-          <a:noFill/>
-          <a:ln>
-            <a:noFill/>
-          </a:ln>
-        </p:spPr>
-        <p:style>
-          <a:lnRef idx="0"/>
-          <a:fillRef idx="0"/>
-          <a:effectRef idx="0"/>
-          <a:fontRef idx="minor"/>
-        </p:style>
-        <p:txBody>
-          <a:bodyPr lIns="0" rIns="0" tIns="0" bIns="0"/>
-          <a:p>
-            <a:pPr>
-              <a:lnSpc>
-                <a:spcPct val="100000"/>
-              </a:lnSpc>
-            </a:pPr>
-            <a:endParaRPr/>
-          </a:p>
-          <a:p>
-            <a:pPr>
-              <a:lnSpc>
-                <a:spcPct val="100000"/>
-              </a:lnSpc>
-            </a:pPr>
-            <a:endParaRPr/>
-          </a:p>
-        </p:txBody>
-      </p:sp>
-      <p:sp>
-        <p:nvSpPr>
-          <p:cNvPr id="124" name="CustomShape 3"/>
+            <a:ext cx="9070560" cy="4383360"/>
+          </a:xfrm>
+          <a:prstGeom prst="rect">
+            <a:avLst/>
+          </a:prstGeom>
+        </p:spPr>
+        <p:txBody>
+          <a:bodyPr bIns="0" lIns="0" rIns="0" tIns="0"/>
+          <a:p>
+            <a:pPr>
+              <a:lnSpc>
+                <a:spcPct val="100000"/>
+              </a:lnSpc>
+            </a:pPr>
+            <a:endParaRPr/>
+          </a:p>
+          <a:p>
+            <a:pPr>
+              <a:lnSpc>
+                <a:spcPct val="100000"/>
+              </a:lnSpc>
+            </a:pPr>
+            <a:endParaRPr/>
+          </a:p>
+        </p:txBody>
+      </p:sp>
+      <p:sp>
+        <p:nvSpPr>
+          <p:cNvPr id="115" name="CustomShape 3"/>
           <p:cNvSpPr/>
           <p:nvPr/>
         </p:nvSpPr>
         <p:spPr>
           <a:xfrm>
             <a:off x="1353960" y="3636720"/>
-            <a:ext cx="7521480" cy="3417480"/>
-          </a:xfrm>
-          <a:prstGeom prst="rect">
-            <a:avLst/>
-          </a:prstGeom>
-          <a:noFill/>
-          <a:ln>
-            <a:noFill/>
-          </a:ln>
-        </p:spPr>
-        <p:style>
-          <a:lnRef idx="0"/>
-          <a:fillRef idx="0"/>
-          <a:effectRef idx="0"/>
-          <a:fontRef idx="minor"/>
-        </p:style>
-        <p:txBody>
-          <a:bodyPr lIns="90000" rIns="90000" tIns="45000" bIns="45000"/>
-          <a:p>
-            <a:endParaRPr/>
-          </a:p>
-          <a:p>
-            <a:endParaRPr/>
-          </a:p>
-          <a:p>
-            <a:endParaRPr/>
-          </a:p>
-          <a:p>
-            <a:endParaRPr/>
-          </a:p>
-          <a:p>
-            <a:endParaRPr/>
-          </a:p>
-          <a:p>
-            <a:endParaRPr/>
-          </a:p>
-          <a:p>
-            <a:endParaRPr/>
-          </a:p>
-          <a:p>
-            <a:endParaRPr/>
-          </a:p>
-          <a:p>
-            <a:endParaRPr/>
-          </a:p>
-          <a:p>
-            <a:endParaRPr/>
-          </a:p>
-          <a:p>
-            <a:endParaRPr/>
-          </a:p>
-          <a:p>
-            <a:r>
-              <a:rPr lang="en-AU" strike="noStrike">
-                <a:latin typeface="Arial"/>
+            <a:ext cx="7521120" cy="3417120"/>
+          </a:xfrm>
+          <a:prstGeom prst="rect">
+            <a:avLst/>
+          </a:prstGeom>
+        </p:spPr>
+        <p:txBody>
+          <a:bodyPr bIns="45000" lIns="90000" rIns="90000" tIns="45000"/>
+          <a:p>
+            <a:endParaRPr/>
+          </a:p>
+          <a:p>
+            <a:endParaRPr/>
+          </a:p>
+          <a:p>
+            <a:endParaRPr/>
+          </a:p>
+          <a:p>
+            <a:endParaRPr/>
+          </a:p>
+          <a:p>
+            <a:endParaRPr/>
+          </a:p>
+          <a:p>
+            <a:endParaRPr/>
+          </a:p>
+          <a:p>
+            <a:endParaRPr/>
+          </a:p>
+          <a:p>
+            <a:endParaRPr/>
+          </a:p>
+          <a:p>
+            <a:endParaRPr/>
+          </a:p>
+          <a:p>
+            <a:endParaRPr/>
+          </a:p>
+          <a:p>
+            <a:endParaRPr/>
+          </a:p>
+          <a:p>
+            <a:r>
+              <a:rPr lang="en-AU">
+                <a:solidFill>
+                  <a:srgbClr val="000000"/>
+                </a:solidFill>
+                <a:latin typeface="Arial"/>
+                <a:ea typeface="DejaVu Sans"/>
               </a:rPr>
               <a:t>https://www.ssl2buy.com/wiki/symmetric-vs-asymmetric-encryption-what-are-differences</a:t>
             </a:r>
@@ -8147,25 +7689,24 @@
       </p:sp>
       <p:pic>
         <p:nvPicPr>
-          <p:cNvPr id="125" name="" descr=""/>
+          <p:cNvPr descr="" id="116" name=""/>
           <p:cNvPicPr/>
           <p:nvPr/>
         </p:nvPicPr>
         <p:blipFill>
           <a:blip r:embed="rId1"/>
-          <a:stretch/>
+          <a:stretch>
+            <a:fillRect/>
+          </a:stretch>
         </p:blipFill>
         <p:spPr>
           <a:xfrm>
             <a:off x="1080000" y="1656000"/>
-            <a:ext cx="7559640" cy="4103640"/>
-          </a:xfrm>
-          <a:prstGeom prst="rect">
-            <a:avLst/>
-          </a:prstGeom>
-          <a:ln>
-            <a:noFill/>
-          </a:ln>
+            <a:ext cx="7559280" cy="4103280"/>
+          </a:xfrm>
+          <a:prstGeom prst="rect">
+            <a:avLst/>
+          </a:prstGeom>
         </p:spPr>
       </p:pic>
     </p:spTree>
@@ -8173,10 +7714,12 @@
   <p:timing>
     <p:tnLst>
       <p:par>
-        <p:cTn id="5" dur="indefinite" restart="never" nodeType="tmRoot">
+        <p:cTn dur="indefinite" id="5" nodeType="tmRoot" restart="never">
           <p:childTnLst>
             <p:seq>
-              <p:cTn id="6" nodeType="mainSeq"/>
+              <p:cTn id="6" nodeType="mainSeq">
+                <p:childTnLst/>
+              </p:cTn>
               <p:prevCondLst>
                 <p:cond delay="0" evt="onPrev">
                   <p:tgtEl>
@@ -8219,31 +7762,21 @@
       </p:grpSpPr>
       <p:sp>
         <p:nvSpPr>
-          <p:cNvPr id="126" name="CustomShape 1"/>
+          <p:cNvPr id="117" name="CustomShape 1"/>
           <p:cNvSpPr/>
           <p:nvPr/>
         </p:nvSpPr>
         <p:spPr>
           <a:xfrm>
             <a:off x="504000" y="301320"/>
-            <a:ext cx="9070920" cy="1261440"/>
-          </a:xfrm>
-          <a:prstGeom prst="rect">
-            <a:avLst/>
-          </a:prstGeom>
-          <a:noFill/>
-          <a:ln>
-            <a:noFill/>
-          </a:ln>
-        </p:spPr>
-        <p:style>
-          <a:lnRef idx="0"/>
-          <a:fillRef idx="0"/>
-          <a:effectRef idx="0"/>
-          <a:fontRef idx="minor"/>
-        </p:style>
-        <p:txBody>
-          <a:bodyPr lIns="0" rIns="0" tIns="0" bIns="0" anchor="ctr"/>
+            <a:ext cx="9070560" cy="1261080"/>
+          </a:xfrm>
+          <a:prstGeom prst="rect">
+            <a:avLst/>
+          </a:prstGeom>
+        </p:spPr>
+        <p:txBody>
+          <a:bodyPr anchor="ctr" bIns="0" lIns="0" rIns="0" tIns="0"/>
           <a:p>
             <a:pPr algn="ctr">
               <a:lnSpc>
@@ -8251,7 +7784,7 @@
               </a:lnSpc>
             </a:pPr>
             <a:r>
-              <a:rPr lang="en-AU" sz="4400" strike="noStrike">
+              <a:rPr lang="en-AU" sz="4400">
                 <a:solidFill>
                   <a:srgbClr val="000000"/>
                 </a:solidFill>
@@ -8266,31 +7799,21 @@
       </p:sp>
       <p:sp>
         <p:nvSpPr>
-          <p:cNvPr id="127" name="CustomShape 2"/>
+          <p:cNvPr id="118" name="CustomShape 2"/>
           <p:cNvSpPr/>
           <p:nvPr/>
         </p:nvSpPr>
         <p:spPr>
           <a:xfrm>
             <a:off x="504000" y="1769040"/>
-            <a:ext cx="9070920" cy="4383720"/>
-          </a:xfrm>
-          <a:prstGeom prst="rect">
-            <a:avLst/>
-          </a:prstGeom>
-          <a:noFill/>
-          <a:ln>
-            <a:noFill/>
-          </a:ln>
-        </p:spPr>
-        <p:style>
-          <a:lnRef idx="0"/>
-          <a:fillRef idx="0"/>
-          <a:effectRef idx="0"/>
-          <a:fontRef idx="minor"/>
-        </p:style>
-        <p:txBody>
-          <a:bodyPr lIns="0" rIns="0" tIns="0" bIns="0"/>
+            <a:ext cx="9070560" cy="4383360"/>
+          </a:xfrm>
+          <a:prstGeom prst="rect">
+            <a:avLst/>
+          </a:prstGeom>
+        </p:spPr>
+        <p:txBody>
+          <a:bodyPr bIns="0" lIns="0" rIns="0" tIns="0"/>
           <a:p>
             <a:pPr>
               <a:lnSpc>
@@ -8311,91 +7834,84 @@
       </p:sp>
       <p:pic>
         <p:nvPicPr>
-          <p:cNvPr id="128" name="" descr=""/>
+          <p:cNvPr descr="" id="119" name=""/>
           <p:cNvPicPr/>
           <p:nvPr/>
         </p:nvPicPr>
         <p:blipFill>
           <a:blip r:embed="rId1"/>
-          <a:stretch/>
+          <a:stretch>
+            <a:fillRect/>
+          </a:stretch>
         </p:blipFill>
         <p:spPr>
           <a:xfrm>
             <a:off x="1872000" y="1584000"/>
-            <a:ext cx="6623640" cy="4607640"/>
-          </a:xfrm>
-          <a:prstGeom prst="rect">
-            <a:avLst/>
-          </a:prstGeom>
-          <a:ln>
-            <a:noFill/>
-          </a:ln>
+            <a:ext cx="6623280" cy="4607280"/>
+          </a:xfrm>
+          <a:prstGeom prst="rect">
+            <a:avLst/>
+          </a:prstGeom>
         </p:spPr>
       </p:pic>
       <p:sp>
         <p:nvSpPr>
-          <p:cNvPr id="129" name="CustomShape 3"/>
+          <p:cNvPr id="120" name="CustomShape 3"/>
           <p:cNvSpPr/>
           <p:nvPr/>
         </p:nvSpPr>
         <p:spPr>
           <a:xfrm>
             <a:off x="1353960" y="3636720"/>
-            <a:ext cx="7521480" cy="3161520"/>
-          </a:xfrm>
-          <a:prstGeom prst="rect">
-            <a:avLst/>
-          </a:prstGeom>
-          <a:noFill/>
-          <a:ln>
-            <a:noFill/>
-          </a:ln>
-        </p:spPr>
-        <p:style>
-          <a:lnRef idx="0"/>
-          <a:fillRef idx="0"/>
-          <a:effectRef idx="0"/>
-          <a:fontRef idx="minor"/>
-        </p:style>
-        <p:txBody>
-          <a:bodyPr lIns="90000" rIns="90000" tIns="45000" bIns="45000"/>
-          <a:p>
-            <a:endParaRPr/>
-          </a:p>
-          <a:p>
-            <a:endParaRPr/>
-          </a:p>
-          <a:p>
-            <a:endParaRPr/>
-          </a:p>
-          <a:p>
-            <a:endParaRPr/>
-          </a:p>
-          <a:p>
-            <a:endParaRPr/>
-          </a:p>
-          <a:p>
-            <a:endParaRPr/>
-          </a:p>
-          <a:p>
-            <a:endParaRPr/>
-          </a:p>
-          <a:p>
-            <a:endParaRPr/>
-          </a:p>
-          <a:p>
-            <a:endParaRPr/>
-          </a:p>
-          <a:p>
-            <a:endParaRPr/>
-          </a:p>
-          <a:p>
-            <a:endParaRPr/>
-          </a:p>
-          <a:p>
-            <a:r>
-              <a:rPr lang="en-AU" strike="noStrike">
-                <a:latin typeface="Arial"/>
+            <a:ext cx="7521120" cy="3161160"/>
+          </a:xfrm>
+          <a:prstGeom prst="rect">
+            <a:avLst/>
+          </a:prstGeom>
+        </p:spPr>
+        <p:txBody>
+          <a:bodyPr bIns="45000" lIns="90000" rIns="90000" tIns="45000"/>
+          <a:p>
+            <a:endParaRPr/>
+          </a:p>
+          <a:p>
+            <a:endParaRPr/>
+          </a:p>
+          <a:p>
+            <a:endParaRPr/>
+          </a:p>
+          <a:p>
+            <a:endParaRPr/>
+          </a:p>
+          <a:p>
+            <a:endParaRPr/>
+          </a:p>
+          <a:p>
+            <a:endParaRPr/>
+          </a:p>
+          <a:p>
+            <a:endParaRPr/>
+          </a:p>
+          <a:p>
+            <a:endParaRPr/>
+          </a:p>
+          <a:p>
+            <a:endParaRPr/>
+          </a:p>
+          <a:p>
+            <a:endParaRPr/>
+          </a:p>
+          <a:p>
+            <a:endParaRPr/>
+          </a:p>
+          <a:p>
+            <a:r>
+              <a:rPr lang="en-AU">
+                <a:solidFill>
+                  <a:srgbClr val="000000"/>
+                </a:solidFill>
+                <a:latin typeface="Arial"/>
+                <a:ea typeface="DejaVu Sans"/>
               </a:rPr>
               <a:t>https://www.goanywhere.com/managed-file-transfer/encryption/open-pgp</a:t>
             </a:r>
@@ -8408,10 +7924,12 @@
   <p:timing>
     <p:tnLst>
       <p:par>
-        <p:cTn id="7" dur="indefinite" restart="never" nodeType="tmRoot">
+        <p:cTn dur="indefinite" id="7" nodeType="tmRoot" restart="never">
           <p:childTnLst>
             <p:seq>
-              <p:cTn id="8" nodeType="mainSeq"/>
+              <p:cTn id="8" nodeType="mainSeq">
+                <p:childTnLst/>
+              </p:cTn>
               <p:prevCondLst>
                 <p:cond delay="0" evt="onPrev">
                   <p:tgtEl>
@@ -8454,169 +7972,139 @@
       </p:grpSpPr>
       <p:sp>
         <p:nvSpPr>
-          <p:cNvPr id="130" name="CustomShape 1"/>
+          <p:cNvPr id="121" name="CustomShape 1"/>
           <p:cNvSpPr/>
           <p:nvPr/>
         </p:nvSpPr>
         <p:spPr>
           <a:xfrm>
             <a:off x="504000" y="337320"/>
-            <a:ext cx="9070920" cy="1261440"/>
-          </a:xfrm>
-          <a:prstGeom prst="rect">
-            <a:avLst/>
-          </a:prstGeom>
-          <a:noFill/>
-          <a:ln>
-            <a:noFill/>
-          </a:ln>
-        </p:spPr>
-        <p:style>
-          <a:lnRef idx="0"/>
-          <a:fillRef idx="0"/>
-          <a:effectRef idx="0"/>
-          <a:fontRef idx="minor"/>
-        </p:style>
-      </p:sp>
-      <p:sp>
-        <p:nvSpPr>
-          <p:cNvPr id="131" name="CustomShape 2"/>
+            <a:ext cx="9070560" cy="1261080"/>
+          </a:xfrm>
+          <a:prstGeom prst="rect">
+            <a:avLst/>
+          </a:prstGeom>
+        </p:spPr>
+      </p:sp>
+      <p:sp>
+        <p:nvSpPr>
+          <p:cNvPr id="122" name="CustomShape 2"/>
           <p:cNvSpPr/>
           <p:nvPr/>
         </p:nvSpPr>
         <p:spPr>
           <a:xfrm>
             <a:off x="504000" y="1769040"/>
-            <a:ext cx="9070920" cy="4383720"/>
-          </a:xfrm>
-          <a:prstGeom prst="rect">
-            <a:avLst/>
-          </a:prstGeom>
-          <a:noFill/>
-          <a:ln>
-            <a:noFill/>
-          </a:ln>
-        </p:spPr>
-        <p:style>
-          <a:lnRef idx="0"/>
-          <a:fillRef idx="0"/>
-          <a:effectRef idx="0"/>
-          <a:fontRef idx="minor"/>
-        </p:style>
-        <p:txBody>
-          <a:bodyPr lIns="0" rIns="0" tIns="0" bIns="0"/>
-          <a:p>
-            <a:pPr>
-              <a:lnSpc>
-                <a:spcPct val="100000"/>
-              </a:lnSpc>
-            </a:pPr>
-            <a:endParaRPr/>
-          </a:p>
-          <a:p>
-            <a:pPr>
-              <a:lnSpc>
-                <a:spcPct val="100000"/>
-              </a:lnSpc>
-            </a:pPr>
-            <a:endParaRPr/>
-          </a:p>
-          <a:p>
-            <a:pPr>
-              <a:lnSpc>
-                <a:spcPct val="100000"/>
-              </a:lnSpc>
-            </a:pPr>
-            <a:endParaRPr/>
-          </a:p>
-          <a:p>
-            <a:pPr>
-              <a:lnSpc>
-                <a:spcPct val="100000"/>
-              </a:lnSpc>
-            </a:pPr>
-            <a:endParaRPr/>
-          </a:p>
-          <a:p>
-            <a:pPr>
-              <a:lnSpc>
-                <a:spcPct val="100000"/>
-              </a:lnSpc>
-            </a:pPr>
-            <a:endParaRPr/>
-          </a:p>
-          <a:p>
-            <a:pPr>
-              <a:lnSpc>
-                <a:spcPct val="100000"/>
-              </a:lnSpc>
-            </a:pPr>
-            <a:endParaRPr/>
-          </a:p>
-          <a:p>
-            <a:pPr>
-              <a:lnSpc>
-                <a:spcPct val="100000"/>
-              </a:lnSpc>
-            </a:pPr>
-            <a:endParaRPr/>
-          </a:p>
-        </p:txBody>
-      </p:sp>
-      <p:sp>
-        <p:nvSpPr>
-          <p:cNvPr id="132" name="CustomShape 3"/>
+            <a:ext cx="9070560" cy="4383360"/>
+          </a:xfrm>
+          <a:prstGeom prst="rect">
+            <a:avLst/>
+          </a:prstGeom>
+        </p:spPr>
+        <p:txBody>
+          <a:bodyPr bIns="0" lIns="0" rIns="0" tIns="0"/>
+          <a:p>
+            <a:pPr>
+              <a:lnSpc>
+                <a:spcPct val="100000"/>
+              </a:lnSpc>
+            </a:pPr>
+            <a:endParaRPr/>
+          </a:p>
+          <a:p>
+            <a:pPr>
+              <a:lnSpc>
+                <a:spcPct val="100000"/>
+              </a:lnSpc>
+            </a:pPr>
+            <a:endParaRPr/>
+          </a:p>
+          <a:p>
+            <a:pPr>
+              <a:lnSpc>
+                <a:spcPct val="100000"/>
+              </a:lnSpc>
+            </a:pPr>
+            <a:endParaRPr/>
+          </a:p>
+          <a:p>
+            <a:pPr>
+              <a:lnSpc>
+                <a:spcPct val="100000"/>
+              </a:lnSpc>
+            </a:pPr>
+            <a:endParaRPr/>
+          </a:p>
+          <a:p>
+            <a:pPr>
+              <a:lnSpc>
+                <a:spcPct val="100000"/>
+              </a:lnSpc>
+            </a:pPr>
+            <a:endParaRPr/>
+          </a:p>
+          <a:p>
+            <a:pPr>
+              <a:lnSpc>
+                <a:spcPct val="100000"/>
+              </a:lnSpc>
+            </a:pPr>
+            <a:endParaRPr/>
+          </a:p>
+          <a:p>
+            <a:pPr>
+              <a:lnSpc>
+                <a:spcPct val="100000"/>
+              </a:lnSpc>
+            </a:pPr>
+            <a:endParaRPr/>
+          </a:p>
+        </p:txBody>
+      </p:sp>
+      <p:sp>
+        <p:nvSpPr>
+          <p:cNvPr id="123" name="CustomShape 3"/>
           <p:cNvSpPr/>
           <p:nvPr/>
         </p:nvSpPr>
         <p:spPr>
           <a:xfrm>
             <a:off x="1848600" y="3636720"/>
-            <a:ext cx="6532200" cy="2905200"/>
-          </a:xfrm>
-          <a:prstGeom prst="rect">
-            <a:avLst/>
-          </a:prstGeom>
-          <a:noFill/>
-          <a:ln>
-            <a:noFill/>
-          </a:ln>
-        </p:spPr>
-        <p:style>
-          <a:lnRef idx="0"/>
-          <a:fillRef idx="0"/>
-          <a:effectRef idx="0"/>
-          <a:fontRef idx="minor"/>
-        </p:style>
-        <p:txBody>
-          <a:bodyPr lIns="90000" rIns="90000" tIns="45000" bIns="45000"/>
-          <a:p>
-            <a:endParaRPr/>
-          </a:p>
-          <a:p>
-            <a:endParaRPr/>
-          </a:p>
-          <a:p>
-            <a:endParaRPr/>
-          </a:p>
-          <a:p>
-            <a:endParaRPr/>
-          </a:p>
-          <a:p>
-            <a:endParaRPr/>
-          </a:p>
-          <a:p>
-            <a:endParaRPr/>
-          </a:p>
-          <a:p>
-            <a:endParaRPr/>
-          </a:p>
-          <a:p>
-            <a:endParaRPr/>
-          </a:p>
-          <a:p>
-            <a:r>
-              <a:rPr lang="en-AU" strike="noStrike">
+            <a:ext cx="6531840" cy="2904840"/>
+          </a:xfrm>
+          <a:prstGeom prst="rect">
+            <a:avLst/>
+          </a:prstGeom>
+        </p:spPr>
+        <p:txBody>
+          <a:bodyPr bIns="45000" lIns="90000" rIns="90000" tIns="45000"/>
+          <a:p>
+            <a:endParaRPr/>
+          </a:p>
+          <a:p>
+            <a:endParaRPr/>
+          </a:p>
+          <a:p>
+            <a:endParaRPr/>
+          </a:p>
+          <a:p>
+            <a:endParaRPr/>
+          </a:p>
+          <a:p>
+            <a:endParaRPr/>
+          </a:p>
+          <a:p>
+            <a:endParaRPr/>
+          </a:p>
+          <a:p>
+            <a:endParaRPr/>
+          </a:p>
+          <a:p>
+            <a:endParaRPr/>
+          </a:p>
+          <a:p>
+            <a:r>
+              <a:rPr lang="en-AU">
                 <a:solidFill>
                   <a:srgbClr val="000000"/>
                 </a:solidFill>
@@ -8637,25 +8125,24 @@
       </p:sp>
       <p:pic>
         <p:nvPicPr>
-          <p:cNvPr id="133" name="" descr=""/>
+          <p:cNvPr descr="" id="124" name=""/>
           <p:cNvPicPr/>
           <p:nvPr/>
         </p:nvPicPr>
         <p:blipFill>
           <a:blip r:embed="rId1"/>
-          <a:stretch/>
+          <a:stretch>
+            <a:fillRect/>
+          </a:stretch>
         </p:blipFill>
         <p:spPr>
           <a:xfrm>
             <a:off x="2886480" y="432000"/>
-            <a:ext cx="3808800" cy="4997520"/>
-          </a:xfrm>
-          <a:prstGeom prst="rect">
-            <a:avLst/>
-          </a:prstGeom>
-          <a:ln>
-            <a:noFill/>
-          </a:ln>
+            <a:ext cx="3808440" cy="4997160"/>
+          </a:xfrm>
+          <a:prstGeom prst="rect">
+            <a:avLst/>
+          </a:prstGeom>
         </p:spPr>
       </p:pic>
     </p:spTree>
@@ -8663,10 +8150,12 @@
   <p:timing>
     <p:tnLst>
       <p:par>
-        <p:cTn id="9" dur="indefinite" restart="never" nodeType="tmRoot">
+        <p:cTn dur="indefinite" id="9" nodeType="tmRoot" restart="never">
           <p:childTnLst>
             <p:seq>
-              <p:cTn id="10" nodeType="mainSeq"/>
+              <p:cTn id="10" nodeType="mainSeq">
+                <p:childTnLst/>
+              </p:cTn>
               <p:prevCondLst>
                 <p:cond delay="0" evt="onPrev">
                   <p:tgtEl>
@@ -8709,31 +8198,21 @@
       </p:grpSpPr>
       <p:sp>
         <p:nvSpPr>
-          <p:cNvPr id="134" name="CustomShape 1"/>
+          <p:cNvPr id="125" name="CustomShape 1"/>
           <p:cNvSpPr/>
           <p:nvPr/>
         </p:nvSpPr>
         <p:spPr>
           <a:xfrm>
             <a:off x="504000" y="301320"/>
-            <a:ext cx="9070920" cy="1261440"/>
-          </a:xfrm>
-          <a:prstGeom prst="rect">
-            <a:avLst/>
-          </a:prstGeom>
-          <a:noFill/>
-          <a:ln>
-            <a:noFill/>
-          </a:ln>
-        </p:spPr>
-        <p:style>
-          <a:lnRef idx="0"/>
-          <a:fillRef idx="0"/>
-          <a:effectRef idx="0"/>
-          <a:fontRef idx="minor"/>
-        </p:style>
-        <p:txBody>
-          <a:bodyPr lIns="0" rIns="0" tIns="0" bIns="0" anchor="ctr"/>
+            <a:ext cx="9070560" cy="1261080"/>
+          </a:xfrm>
+          <a:prstGeom prst="rect">
+            <a:avLst/>
+          </a:prstGeom>
+        </p:spPr>
+        <p:txBody>
+          <a:bodyPr anchor="ctr" bIns="0" lIns="0" rIns="0" tIns="0"/>
           <a:p>
             <a:pPr algn="ctr">
               <a:lnSpc>
@@ -8741,7 +8220,7 @@
               </a:lnSpc>
             </a:pPr>
             <a:r>
-              <a:rPr lang="en-AU" sz="4400" strike="noStrike">
+              <a:rPr lang="en-AU" sz="4400">
                 <a:solidFill>
                   <a:srgbClr val="000000"/>
                 </a:solidFill>
@@ -8756,82 +8235,72 @@
       </p:sp>
       <p:sp>
         <p:nvSpPr>
-          <p:cNvPr id="135" name="CustomShape 2"/>
+          <p:cNvPr id="126" name="CustomShape 2"/>
           <p:cNvSpPr/>
           <p:nvPr/>
         </p:nvSpPr>
         <p:spPr>
           <a:xfrm>
             <a:off x="504000" y="1769040"/>
-            <a:ext cx="9070920" cy="4383720"/>
-          </a:xfrm>
-          <a:prstGeom prst="rect">
-            <a:avLst/>
-          </a:prstGeom>
-          <a:noFill/>
-          <a:ln>
-            <a:noFill/>
-          </a:ln>
-        </p:spPr>
-        <p:style>
-          <a:lnRef idx="0"/>
-          <a:fillRef idx="0"/>
-          <a:effectRef idx="0"/>
-          <a:fontRef idx="minor"/>
-        </p:style>
-        <p:txBody>
-          <a:bodyPr lIns="0" rIns="0" tIns="0" bIns="0"/>
-          <a:p>
-            <a:pPr>
-              <a:lnSpc>
-                <a:spcPct val="100000"/>
-              </a:lnSpc>
-            </a:pPr>
-            <a:endParaRPr/>
-          </a:p>
-          <a:p>
-            <a:pPr>
-              <a:lnSpc>
-                <a:spcPct val="100000"/>
-              </a:lnSpc>
-            </a:pPr>
-            <a:endParaRPr/>
-          </a:p>
-          <a:p>
-            <a:pPr>
-              <a:lnSpc>
-                <a:spcPct val="100000"/>
-              </a:lnSpc>
-            </a:pPr>
-            <a:endParaRPr/>
-          </a:p>
-          <a:p>
-            <a:pPr>
-              <a:lnSpc>
-                <a:spcPct val="100000"/>
-              </a:lnSpc>
-            </a:pPr>
-            <a:endParaRPr/>
-          </a:p>
-          <a:p>
-            <a:pPr>
-              <a:lnSpc>
-                <a:spcPct val="100000"/>
-              </a:lnSpc>
-            </a:pPr>
-            <a:endParaRPr/>
-          </a:p>
-          <a:p>
-            <a:pPr>
-              <a:lnSpc>
-                <a:spcPct val="100000"/>
-              </a:lnSpc>
-              <a:buSzPct val="45000"/>
-              <a:buFont typeface="StarSymbol"/>
-              <a:buChar char="l"/>
-            </a:pPr>
-            <a:r>
-              <a:rPr lang="en-AU" sz="3200" strike="noStrike">
+            <a:ext cx="9070560" cy="4383360"/>
+          </a:xfrm>
+          <a:prstGeom prst="rect">
+            <a:avLst/>
+          </a:prstGeom>
+        </p:spPr>
+        <p:txBody>
+          <a:bodyPr bIns="0" lIns="0" rIns="0" tIns="0"/>
+          <a:p>
+            <a:pPr>
+              <a:lnSpc>
+                <a:spcPct val="100000"/>
+              </a:lnSpc>
+            </a:pPr>
+            <a:endParaRPr/>
+          </a:p>
+          <a:p>
+            <a:pPr>
+              <a:lnSpc>
+                <a:spcPct val="100000"/>
+              </a:lnSpc>
+            </a:pPr>
+            <a:endParaRPr/>
+          </a:p>
+          <a:p>
+            <a:pPr>
+              <a:lnSpc>
+                <a:spcPct val="100000"/>
+              </a:lnSpc>
+            </a:pPr>
+            <a:endParaRPr/>
+          </a:p>
+          <a:p>
+            <a:pPr>
+              <a:lnSpc>
+                <a:spcPct val="100000"/>
+              </a:lnSpc>
+            </a:pPr>
+            <a:endParaRPr/>
+          </a:p>
+          <a:p>
+            <a:pPr>
+              <a:lnSpc>
+                <a:spcPct val="100000"/>
+              </a:lnSpc>
+            </a:pPr>
+            <a:endParaRPr/>
+          </a:p>
+          <a:p>
+            <a:pPr>
+              <a:lnSpc>
+                <a:spcPct val="100000"/>
+              </a:lnSpc>
+              <a:buSzPct val="45000"/>
+              <a:buFont typeface="StarSymbol"/>
+              <a:buChar char="l"/>
+            </a:pPr>
+            <a:r>
+              <a:rPr lang="en-AU" sz="3200">
                 <a:solidFill>
                   <a:srgbClr val="000000"/>
                 </a:solidFill>
@@ -8852,7 +8321,7 @@
               <a:buChar char="l"/>
             </a:pPr>
             <a:r>
-              <a:rPr lang="en-AU" sz="3200" strike="noStrike">
+              <a:rPr lang="en-AU" sz="3200">
                 <a:solidFill>
                   <a:srgbClr val="000000"/>
                 </a:solidFill>
@@ -8873,7 +8342,7 @@
               <a:buChar char="l"/>
             </a:pPr>
             <a:r>
-              <a:rPr lang="en-AU" sz="3200" strike="noStrike">
+              <a:rPr lang="en-AU" sz="3200">
                 <a:solidFill>
                   <a:srgbClr val="000000"/>
                 </a:solidFill>
@@ -8894,7 +8363,7 @@
               <a:buChar char="l"/>
             </a:pPr>
             <a:r>
-              <a:rPr lang="en-AU" sz="2800" strike="noStrike">
+              <a:rPr lang="en-AU" sz="2800">
                 <a:solidFill>
                   <a:srgbClr val="000000"/>
                 </a:solidFill>
@@ -8915,7 +8384,7 @@
               <a:buChar char="l"/>
             </a:pPr>
             <a:r>
-              <a:rPr lang="en-AU" sz="2800" strike="noStrike">
+              <a:rPr lang="en-AU" sz="2800">
                 <a:solidFill>
                   <a:srgbClr val="000000"/>
                 </a:solidFill>
@@ -8930,57 +8399,46 @@
       </p:sp>
       <p:pic>
         <p:nvPicPr>
-          <p:cNvPr id="136" name="" descr=""/>
+          <p:cNvPr descr="" id="127" name=""/>
           <p:cNvPicPr/>
           <p:nvPr/>
         </p:nvPicPr>
         <p:blipFill>
           <a:blip r:embed="rId1"/>
-          <a:stretch/>
+          <a:stretch>
+            <a:fillRect/>
+          </a:stretch>
         </p:blipFill>
         <p:spPr>
           <a:xfrm>
             <a:off x="2880000" y="1440000"/>
-            <a:ext cx="3815280" cy="1871280"/>
-          </a:xfrm>
-          <a:prstGeom prst="rect">
-            <a:avLst/>
-          </a:prstGeom>
-          <a:ln>
-            <a:noFill/>
-          </a:ln>
+            <a:ext cx="3814920" cy="1870920"/>
+          </a:xfrm>
+          <a:prstGeom prst="rect">
+            <a:avLst/>
+          </a:prstGeom>
         </p:spPr>
       </p:pic>
       <p:sp>
         <p:nvSpPr>
-          <p:cNvPr id="137" name="CustomShape 3"/>
+          <p:cNvPr id="128" name="CustomShape 3"/>
           <p:cNvSpPr/>
           <p:nvPr/>
         </p:nvSpPr>
         <p:spPr>
           <a:xfrm>
             <a:off x="3092040" y="3636720"/>
-            <a:ext cx="4044960" cy="601560"/>
-          </a:xfrm>
-          <a:prstGeom prst="rect">
-            <a:avLst/>
-          </a:prstGeom>
-          <a:noFill/>
-          <a:ln>
-            <a:noFill/>
-          </a:ln>
-        </p:spPr>
-        <p:style>
-          <a:lnRef idx="0"/>
-          <a:fillRef idx="0"/>
-          <a:effectRef idx="0"/>
-          <a:fontRef idx="minor"/>
-        </p:style>
-        <p:txBody>
-          <a:bodyPr lIns="90000" rIns="90000" tIns="45000" bIns="45000"/>
-          <a:p>
-            <a:r>
-              <a:rPr lang="en-AU" strike="noStrike">
+            <a:ext cx="4044600" cy="601200"/>
+          </a:xfrm>
+          <a:prstGeom prst="rect">
+            <a:avLst/>
+          </a:prstGeom>
+        </p:spPr>
+        <p:txBody>
+          <a:bodyPr bIns="45000" lIns="90000" rIns="90000" tIns="45000"/>
+          <a:p>
+            <a:r>
+              <a:rPr lang="en-AU">
                 <a:solidFill>
                   <a:srgbClr val="000000"/>
                 </a:solidFill>
@@ -9001,10 +8459,12 @@
   <p:timing>
     <p:tnLst>
       <p:par>
-        <p:cTn id="11" dur="indefinite" restart="never" nodeType="tmRoot">
+        <p:cTn dur="indefinite" id="11" nodeType="tmRoot" restart="never">
           <p:childTnLst>
             <p:seq>
-              <p:cTn id="12" nodeType="mainSeq"/>
+              <p:cTn id="12" nodeType="mainSeq">
+                <p:childTnLst/>
+              </p:cTn>
               <p:prevCondLst>
                 <p:cond delay="0" evt="onPrev">
                   <p:tgtEl>
@@ -9047,31 +8507,21 @@
       </p:grpSpPr>
       <p:sp>
         <p:nvSpPr>
-          <p:cNvPr id="138" name="CustomShape 1"/>
+          <p:cNvPr id="129" name="CustomShape 1"/>
           <p:cNvSpPr/>
           <p:nvPr/>
         </p:nvSpPr>
         <p:spPr>
           <a:xfrm>
             <a:off x="504000" y="301320"/>
-            <a:ext cx="9070920" cy="1261440"/>
-          </a:xfrm>
-          <a:prstGeom prst="rect">
-            <a:avLst/>
-          </a:prstGeom>
-          <a:noFill/>
-          <a:ln>
-            <a:noFill/>
-          </a:ln>
-        </p:spPr>
-        <p:style>
-          <a:lnRef idx="0"/>
-          <a:fillRef idx="0"/>
-          <a:effectRef idx="0"/>
-          <a:fontRef idx="minor"/>
-        </p:style>
-        <p:txBody>
-          <a:bodyPr lIns="0" rIns="0" tIns="0" bIns="0" anchor="ctr"/>
+            <a:ext cx="9070560" cy="1261080"/>
+          </a:xfrm>
+          <a:prstGeom prst="rect">
+            <a:avLst/>
+          </a:prstGeom>
+        </p:spPr>
+        <p:txBody>
+          <a:bodyPr anchor="ctr" bIns="0" lIns="0" rIns="0" tIns="0"/>
           <a:p>
             <a:pPr algn="ctr">
               <a:lnSpc>
@@ -9079,7 +8529,7 @@
               </a:lnSpc>
             </a:pPr>
             <a:r>
-              <a:rPr lang="en-AU" sz="4400" strike="noStrike">
+              <a:rPr lang="en-AU" sz="4400">
                 <a:solidFill>
                   <a:srgbClr val="000000"/>
                 </a:solidFill>
@@ -9094,42 +8544,32 @@
       </p:sp>
       <p:sp>
         <p:nvSpPr>
-          <p:cNvPr id="139" name="CustomShape 2"/>
+          <p:cNvPr id="130" name="CustomShape 2"/>
           <p:cNvSpPr/>
           <p:nvPr/>
         </p:nvSpPr>
         <p:spPr>
           <a:xfrm>
             <a:off x="504000" y="1769040"/>
-            <a:ext cx="9070920" cy="4383720"/>
-          </a:xfrm>
-          <a:prstGeom prst="rect">
-            <a:avLst/>
-          </a:prstGeom>
-          <a:noFill/>
-          <a:ln>
-            <a:noFill/>
-          </a:ln>
-        </p:spPr>
-        <p:style>
-          <a:lnRef idx="0"/>
-          <a:fillRef idx="0"/>
-          <a:effectRef idx="0"/>
-          <a:fontRef idx="minor"/>
-        </p:style>
-        <p:txBody>
-          <a:bodyPr lIns="0" rIns="0" tIns="0" bIns="0"/>
-          <a:p>
-            <a:pPr>
-              <a:lnSpc>
-                <a:spcPct val="100000"/>
-              </a:lnSpc>
-              <a:buSzPct val="45000"/>
-              <a:buFont typeface="StarSymbol"/>
-              <a:buChar char="l"/>
-            </a:pPr>
-            <a:r>
-              <a:rPr lang="en-AU" sz="3200" strike="noStrike">
+            <a:ext cx="9070560" cy="4383360"/>
+          </a:xfrm>
+          <a:prstGeom prst="rect">
+            <a:avLst/>
+          </a:prstGeom>
+        </p:spPr>
+        <p:txBody>
+          <a:bodyPr bIns="0" lIns="0" rIns="0" tIns="0"/>
+          <a:p>
+            <a:pPr>
+              <a:lnSpc>
+                <a:spcPct val="100000"/>
+              </a:lnSpc>
+              <a:buSzPct val="45000"/>
+              <a:buFont typeface="StarSymbol"/>
+              <a:buChar char="l"/>
+            </a:pPr>
+            <a:r>
+              <a:rPr lang="en-AU" sz="3200">
                 <a:solidFill>
                   <a:srgbClr val="000000"/>
                 </a:solidFill>
@@ -9150,7 +8590,7 @@
               <a:buChar char="l"/>
             </a:pPr>
             <a:r>
-              <a:rPr lang="en-AU" sz="2800" strike="noStrike">
+              <a:rPr lang="en-AU" sz="2800">
                 <a:solidFill>
                   <a:srgbClr val="000000"/>
                 </a:solidFill>
@@ -9171,7 +8611,7 @@
               <a:buChar char="l"/>
             </a:pPr>
             <a:r>
-              <a:rPr lang="en-AU" sz="2800" strike="noStrike">
+              <a:rPr lang="en-AU" sz="2800">
                 <a:solidFill>
                   <a:srgbClr val="000000"/>
                 </a:solidFill>
@@ -9192,7 +8632,7 @@
               <a:buChar char="l"/>
             </a:pPr>
             <a:r>
-              <a:rPr lang="en-AU" sz="2800" strike="noStrike">
+              <a:rPr lang="en-AU" sz="2800">
                 <a:solidFill>
                   <a:srgbClr val="000000"/>
                 </a:solidFill>
@@ -9213,7 +8653,7 @@
               <a:buChar char="l"/>
             </a:pPr>
             <a:r>
-              <a:rPr lang="en-AU" sz="2800" strike="noStrike">
+              <a:rPr lang="en-AU" sz="2800">
                 <a:solidFill>
                   <a:srgbClr val="000000"/>
                 </a:solidFill>
@@ -9231,10 +8671,12 @@
   <p:timing>
     <p:tnLst>
       <p:par>
-        <p:cTn id="13" dur="indefinite" restart="never" nodeType="tmRoot">
+        <p:cTn dur="indefinite" id="13" nodeType="tmRoot" restart="never">
           <p:childTnLst>
             <p:seq>
-              <p:cTn id="14" nodeType="mainSeq"/>
+              <p:cTn id="14" nodeType="mainSeq">
+                <p:childTnLst/>
+              </p:cTn>
               <p:prevCondLst>
                 <p:cond delay="0" evt="onPrev">
                   <p:tgtEl>
@@ -9277,31 +8719,21 @@
       </p:grpSpPr>
       <p:sp>
         <p:nvSpPr>
-          <p:cNvPr id="140" name="CustomShape 1"/>
+          <p:cNvPr id="131" name="CustomShape 1"/>
           <p:cNvSpPr/>
           <p:nvPr/>
         </p:nvSpPr>
         <p:spPr>
           <a:xfrm>
             <a:off x="504000" y="301320"/>
-            <a:ext cx="9070920" cy="1261440"/>
-          </a:xfrm>
-          <a:prstGeom prst="rect">
-            <a:avLst/>
-          </a:prstGeom>
-          <a:noFill/>
-          <a:ln>
-            <a:noFill/>
-          </a:ln>
-        </p:spPr>
-        <p:style>
-          <a:lnRef idx="0"/>
-          <a:fillRef idx="0"/>
-          <a:effectRef idx="0"/>
-          <a:fontRef idx="minor"/>
-        </p:style>
-        <p:txBody>
-          <a:bodyPr lIns="0" rIns="0" tIns="0" bIns="0" anchor="ctr"/>
+            <a:ext cx="9070560" cy="1261080"/>
+          </a:xfrm>
+          <a:prstGeom prst="rect">
+            <a:avLst/>
+          </a:prstGeom>
+        </p:spPr>
+        <p:txBody>
+          <a:bodyPr anchor="ctr" bIns="0" lIns="0" rIns="0" tIns="0"/>
           <a:p>
             <a:pPr algn="ctr">
               <a:lnSpc>
@@ -9309,7 +8741,7 @@
               </a:lnSpc>
             </a:pPr>
             <a:r>
-              <a:rPr lang="en-AU" sz="4400" strike="noStrike">
+              <a:rPr lang="en-AU" sz="4400">
                 <a:solidFill>
                   <a:srgbClr val="000000"/>
                 </a:solidFill>
@@ -9324,42 +8756,32 @@
       </p:sp>
       <p:sp>
         <p:nvSpPr>
-          <p:cNvPr id="141" name="CustomShape 2"/>
+          <p:cNvPr id="132" name="CustomShape 2"/>
           <p:cNvSpPr/>
           <p:nvPr/>
         </p:nvSpPr>
         <p:spPr>
           <a:xfrm>
             <a:off x="504000" y="1769040"/>
-            <a:ext cx="9070920" cy="4383720"/>
-          </a:xfrm>
-          <a:prstGeom prst="rect">
-            <a:avLst/>
-          </a:prstGeom>
-          <a:noFill/>
-          <a:ln>
-            <a:noFill/>
-          </a:ln>
-        </p:spPr>
-        <p:style>
-          <a:lnRef idx="0"/>
-          <a:fillRef idx="0"/>
-          <a:effectRef idx="0"/>
-          <a:fontRef idx="minor"/>
-        </p:style>
-        <p:txBody>
-          <a:bodyPr lIns="0" rIns="0" tIns="0" bIns="0"/>
-          <a:p>
-            <a:pPr>
-              <a:lnSpc>
-                <a:spcPct val="100000"/>
-              </a:lnSpc>
-              <a:buSzPct val="45000"/>
-              <a:buFont typeface="StarSymbol"/>
-              <a:buChar char="l"/>
-            </a:pPr>
-            <a:r>
-              <a:rPr lang="en-AU" sz="3200" strike="noStrike">
+            <a:ext cx="9070560" cy="4383360"/>
+          </a:xfrm>
+          <a:prstGeom prst="rect">
+            <a:avLst/>
+          </a:prstGeom>
+        </p:spPr>
+        <p:txBody>
+          <a:bodyPr bIns="0" lIns="0" rIns="0" tIns="0"/>
+          <a:p>
+            <a:pPr>
+              <a:lnSpc>
+                <a:spcPct val="100000"/>
+              </a:lnSpc>
+              <a:buSzPct val="45000"/>
+              <a:buFont typeface="StarSymbol"/>
+              <a:buChar char="l"/>
+            </a:pPr>
+            <a:r>
+              <a:rPr lang="en-AU" sz="3200">
                 <a:solidFill>
                   <a:srgbClr val="000000"/>
                 </a:solidFill>
@@ -9380,7 +8802,7 @@
               <a:buChar char="l"/>
             </a:pPr>
             <a:r>
-              <a:rPr lang="en-AU" sz="3200" strike="noStrike">
+              <a:rPr lang="en-AU" sz="3200">
                 <a:solidFill>
                   <a:srgbClr val="000000"/>
                 </a:solidFill>
@@ -9398,10 +8820,12 @@
   <p:timing>
     <p:tnLst>
       <p:par>
-        <p:cTn id="15" dur="indefinite" restart="never" nodeType="tmRoot">
+        <p:cTn dur="indefinite" id="15" nodeType="tmRoot" restart="never">
           <p:childTnLst>
             <p:seq>
-              <p:cTn id="16" nodeType="mainSeq"/>
+              <p:cTn id="16" nodeType="mainSeq">
+                <p:childTnLst/>
+              </p:cTn>
               <p:prevCondLst>
                 <p:cond delay="0" evt="onPrev">
                   <p:tgtEl>
@@ -9444,31 +8868,21 @@
       </p:grpSpPr>
       <p:sp>
         <p:nvSpPr>
-          <p:cNvPr id="142" name="CustomShape 1"/>
+          <p:cNvPr id="133" name="CustomShape 1"/>
           <p:cNvSpPr/>
           <p:nvPr/>
         </p:nvSpPr>
         <p:spPr>
           <a:xfrm>
             <a:off x="504000" y="301320"/>
-            <a:ext cx="9070920" cy="1261440"/>
-          </a:xfrm>
-          <a:prstGeom prst="rect">
-            <a:avLst/>
-          </a:prstGeom>
-          <a:noFill/>
-          <a:ln>
-            <a:noFill/>
-          </a:ln>
-        </p:spPr>
-        <p:style>
-          <a:lnRef idx="0"/>
-          <a:fillRef idx="0"/>
-          <a:effectRef idx="0"/>
-          <a:fontRef idx="minor"/>
-        </p:style>
-        <p:txBody>
-          <a:bodyPr lIns="0" rIns="0" tIns="0" bIns="0" anchor="ctr"/>
+            <a:ext cx="9070560" cy="1261080"/>
+          </a:xfrm>
+          <a:prstGeom prst="rect">
+            <a:avLst/>
+          </a:prstGeom>
+        </p:spPr>
+        <p:txBody>
+          <a:bodyPr anchor="ctr" bIns="0" lIns="0" rIns="0" tIns="0"/>
           <a:p>
             <a:pPr algn="ctr">
               <a:lnSpc>
@@ -9476,7 +8890,7 @@
               </a:lnSpc>
             </a:pPr>
             <a:r>
-              <a:rPr lang="en-AU" sz="4400" strike="noStrike">
+              <a:rPr lang="en-AU" sz="4400">
                 <a:solidFill>
                   <a:srgbClr val="000000"/>
                 </a:solidFill>
@@ -9491,42 +8905,32 @@
       </p:sp>
       <p:sp>
         <p:nvSpPr>
-          <p:cNvPr id="143" name="CustomShape 2"/>
+          <p:cNvPr id="134" name="CustomShape 2"/>
           <p:cNvSpPr/>
           <p:nvPr/>
         </p:nvSpPr>
         <p:spPr>
           <a:xfrm>
             <a:off x="504000" y="1769040"/>
-            <a:ext cx="9070920" cy="4383720"/>
-          </a:xfrm>
-          <a:prstGeom prst="rect">
-            <a:avLst/>
-          </a:prstGeom>
-          <a:noFill/>
-          <a:ln>
-            <a:noFill/>
-          </a:ln>
-        </p:spPr>
-        <p:style>
-          <a:lnRef idx="0"/>
-          <a:fillRef idx="0"/>
-          <a:effectRef idx="0"/>
-          <a:fontRef idx="minor"/>
-        </p:style>
-        <p:txBody>
-          <a:bodyPr lIns="0" rIns="0" tIns="0" bIns="0"/>
-          <a:p>
-            <a:pPr>
-              <a:lnSpc>
-                <a:spcPct val="100000"/>
-              </a:lnSpc>
-              <a:buSzPct val="45000"/>
-              <a:buFont typeface="StarSymbol"/>
-              <a:buChar char="l"/>
-            </a:pPr>
-            <a:r>
-              <a:rPr lang="en-AU" sz="3200" strike="noStrike">
+            <a:ext cx="9070560" cy="4383360"/>
+          </a:xfrm>
+          <a:prstGeom prst="rect">
+            <a:avLst/>
+          </a:prstGeom>
+        </p:spPr>
+        <p:txBody>
+          <a:bodyPr bIns="0" lIns="0" rIns="0" tIns="0"/>
+          <a:p>
+            <a:pPr>
+              <a:lnSpc>
+                <a:spcPct val="100000"/>
+              </a:lnSpc>
+              <a:buSzPct val="45000"/>
+              <a:buFont typeface="StarSymbol"/>
+              <a:buChar char="l"/>
+            </a:pPr>
+            <a:r>
+              <a:rPr lang="en-AU" sz="3200">
                 <a:solidFill>
                   <a:srgbClr val="000000"/>
                 </a:solidFill>
@@ -9547,7 +8951,7 @@
               <a:buChar char="l"/>
             </a:pPr>
             <a:r>
-              <a:rPr lang="en-AU" sz="3200" strike="noStrike">
+              <a:rPr lang="en-AU" sz="3200">
                 <a:solidFill>
                   <a:srgbClr val="000000"/>
                 </a:solidFill>
@@ -9568,7 +8972,7 @@
               <a:buChar char="l"/>
             </a:pPr>
             <a:r>
-              <a:rPr lang="en-AU" sz="3200" strike="noStrike">
+              <a:rPr lang="en-AU" sz="3200">
                 <a:solidFill>
                   <a:srgbClr val="000000"/>
                 </a:solidFill>
@@ -9589,7 +8993,7 @@
               <a:buChar char="l"/>
             </a:pPr>
             <a:r>
-              <a:rPr lang="en-AU" sz="2800" strike="noStrike">
+              <a:rPr lang="en-AU" sz="2800">
                 <a:solidFill>
                   <a:srgbClr val="000000"/>
                 </a:solidFill>
@@ -9610,7 +9014,7 @@
               <a:buChar char="l"/>
             </a:pPr>
             <a:r>
-              <a:rPr lang="en-AU" sz="2800" strike="noStrike">
+              <a:rPr lang="en-AU" sz="2800">
                 <a:solidFill>
                   <a:srgbClr val="000000"/>
                 </a:solidFill>
@@ -9631,7 +9035,7 @@
               <a:buChar char="l"/>
             </a:pPr>
             <a:r>
-              <a:rPr lang="en-AU" sz="2800" strike="noStrike">
+              <a:rPr lang="en-AU" sz="2800">
                 <a:solidFill>
                   <a:srgbClr val="000000"/>
                 </a:solidFill>
@@ -9649,10 +9053,12 @@
   <p:timing>
     <p:tnLst>
       <p:par>
-        <p:cTn id="17" dur="indefinite" restart="never" nodeType="tmRoot">
+        <p:cTn dur="indefinite" id="17" nodeType="tmRoot" restart="never">
           <p:childTnLst>
             <p:seq>
-              <p:cTn id="18" nodeType="mainSeq"/>
+              <p:cTn id="18" nodeType="mainSeq">
+                <p:childTnLst/>
+              </p:cTn>
               <p:prevCondLst>
                 <p:cond delay="0" evt="onPrev">
                   <p:tgtEl>
